--- a/기획.pptx
+++ b/기획.pptx
@@ -6,6 +6,9 @@
   </p:sldMasterIdLst>
   <p:sldIdLst>
     <p:sldId id="256" r:id="rId2"/>
+    <p:sldId id="257" r:id="rId3"/>
+    <p:sldId id="258" r:id="rId4"/>
+    <p:sldId id="259" r:id="rId5"/>
   </p:sldIdLst>
   <p:sldSz cx="12192000" cy="6858000"/>
   <p:notesSz cx="6858000" cy="9144000"/>
@@ -104,6 +107,11 @@
       </a:defRPr>
     </a:lvl9pPr>
   </p:defaultTextStyle>
+  <p:extLst>
+    <p:ext uri="{EFAFB233-063F-42B5-8137-9DF3F51BA10A}">
+      <p15:sldGuideLst xmlns:p15="http://schemas.microsoft.com/office/powerpoint/2012/main"/>
+    </p:ext>
+  </p:extLst>
 </p:presentation>
 </file>
 
@@ -254,7 +262,7 @@
           <a:p>
             <a:fld id="{1F5B2CD7-1D02-4F95-AC7E-28E06A73A4DB}" type="datetimeFigureOut">
               <a:rPr lang="ko-KR" altLang="en-US" smtClean="0"/>
-              <a:t>2026-01-13</a:t>
+              <a:t>2026-01-15</a:t>
             </a:fld>
             <a:endParaRPr lang="ko-KR" altLang="en-US"/>
           </a:p>
@@ -452,7 +460,7 @@
           <a:p>
             <a:fld id="{1F5B2CD7-1D02-4F95-AC7E-28E06A73A4DB}" type="datetimeFigureOut">
               <a:rPr lang="ko-KR" altLang="en-US" smtClean="0"/>
-              <a:t>2026-01-13</a:t>
+              <a:t>2026-01-15</a:t>
             </a:fld>
             <a:endParaRPr lang="ko-KR" altLang="en-US"/>
           </a:p>
@@ -660,7 +668,7 @@
           <a:p>
             <a:fld id="{1F5B2CD7-1D02-4F95-AC7E-28E06A73A4DB}" type="datetimeFigureOut">
               <a:rPr lang="ko-KR" altLang="en-US" smtClean="0"/>
-              <a:t>2026-01-13</a:t>
+              <a:t>2026-01-15</a:t>
             </a:fld>
             <a:endParaRPr lang="ko-KR" altLang="en-US"/>
           </a:p>
@@ -858,7 +866,7 @@
           <a:p>
             <a:fld id="{1F5B2CD7-1D02-4F95-AC7E-28E06A73A4DB}" type="datetimeFigureOut">
               <a:rPr lang="ko-KR" altLang="en-US" smtClean="0"/>
-              <a:t>2026-01-13</a:t>
+              <a:t>2026-01-15</a:t>
             </a:fld>
             <a:endParaRPr lang="ko-KR" altLang="en-US"/>
           </a:p>
@@ -1133,7 +1141,7 @@
           <a:p>
             <a:fld id="{1F5B2CD7-1D02-4F95-AC7E-28E06A73A4DB}" type="datetimeFigureOut">
               <a:rPr lang="ko-KR" altLang="en-US" smtClean="0"/>
-              <a:t>2026-01-13</a:t>
+              <a:t>2026-01-15</a:t>
             </a:fld>
             <a:endParaRPr lang="ko-KR" altLang="en-US"/>
           </a:p>
@@ -1398,7 +1406,7 @@
           <a:p>
             <a:fld id="{1F5B2CD7-1D02-4F95-AC7E-28E06A73A4DB}" type="datetimeFigureOut">
               <a:rPr lang="ko-KR" altLang="en-US" smtClean="0"/>
-              <a:t>2026-01-13</a:t>
+              <a:t>2026-01-15</a:t>
             </a:fld>
             <a:endParaRPr lang="ko-KR" altLang="en-US"/>
           </a:p>
@@ -1810,7 +1818,7 @@
           <a:p>
             <a:fld id="{1F5B2CD7-1D02-4F95-AC7E-28E06A73A4DB}" type="datetimeFigureOut">
               <a:rPr lang="ko-KR" altLang="en-US" smtClean="0"/>
-              <a:t>2026-01-13</a:t>
+              <a:t>2026-01-15</a:t>
             </a:fld>
             <a:endParaRPr lang="ko-KR" altLang="en-US"/>
           </a:p>
@@ -1951,7 +1959,7 @@
           <a:p>
             <a:fld id="{1F5B2CD7-1D02-4F95-AC7E-28E06A73A4DB}" type="datetimeFigureOut">
               <a:rPr lang="ko-KR" altLang="en-US" smtClean="0"/>
-              <a:t>2026-01-13</a:t>
+              <a:t>2026-01-15</a:t>
             </a:fld>
             <a:endParaRPr lang="ko-KR" altLang="en-US"/>
           </a:p>
@@ -2064,7 +2072,7 @@
           <a:p>
             <a:fld id="{1F5B2CD7-1D02-4F95-AC7E-28E06A73A4DB}" type="datetimeFigureOut">
               <a:rPr lang="ko-KR" altLang="en-US" smtClean="0"/>
-              <a:t>2026-01-13</a:t>
+              <a:t>2026-01-15</a:t>
             </a:fld>
             <a:endParaRPr lang="ko-KR" altLang="en-US"/>
           </a:p>
@@ -2375,7 +2383,7 @@
           <a:p>
             <a:fld id="{1F5B2CD7-1D02-4F95-AC7E-28E06A73A4DB}" type="datetimeFigureOut">
               <a:rPr lang="ko-KR" altLang="en-US" smtClean="0"/>
-              <a:t>2026-01-13</a:t>
+              <a:t>2026-01-15</a:t>
             </a:fld>
             <a:endParaRPr lang="ko-KR" altLang="en-US"/>
           </a:p>
@@ -2663,7 +2671,7 @@
           <a:p>
             <a:fld id="{1F5B2CD7-1D02-4F95-AC7E-28E06A73A4DB}" type="datetimeFigureOut">
               <a:rPr lang="ko-KR" altLang="en-US" smtClean="0"/>
-              <a:t>2026-01-13</a:t>
+              <a:t>2026-01-15</a:t>
             </a:fld>
             <a:endParaRPr lang="ko-KR" altLang="en-US"/>
           </a:p>
@@ -2904,7 +2912,7 @@
           <a:p>
             <a:fld id="{1F5B2CD7-1D02-4F95-AC7E-28E06A73A4DB}" type="datetimeFigureOut">
               <a:rPr lang="ko-KR" altLang="en-US" smtClean="0"/>
-              <a:t>2026-01-13</a:t>
+              <a:t>2026-01-15</a:t>
             </a:fld>
             <a:endParaRPr lang="ko-KR" altLang="en-US"/>
           </a:p>
@@ -3342,6 +3350,14 @@
           <a:bodyPr/>
           <a:lstStyle/>
           <a:p>
+            <a:r>
+              <a:rPr lang="ko-KR" altLang="en-US"/>
+              <a:t>준규의 공책</a:t>
+            </a:r>
+            <a:r>
+              <a:rPr lang="en-US" altLang="ko-KR"/>
+              <a:t>RPG</a:t>
+            </a:r>
             <a:endParaRPr lang="ko-KR" altLang="en-US"/>
           </a:p>
         </p:txBody>
@@ -3362,11 +3378,28 @@
             <p:ph type="subTitle" idx="1"/>
           </p:nvPr>
         </p:nvSpPr>
-        <p:spPr/>
-        <p:txBody>
-          <a:bodyPr/>
-          <a:lstStyle/>
-          <a:p>
+        <p:spPr>
+          <a:xfrm>
+            <a:off x="808383" y="3602038"/>
+            <a:ext cx="10575234" cy="1655762"/>
+          </a:xfrm>
+        </p:spPr>
+        <p:txBody>
+          <a:bodyPr/>
+          <a:lstStyle/>
+          <a:p>
+            <a:r>
+              <a:rPr lang="en-US" altLang="ko-KR"/>
+              <a:t>~</a:t>
+            </a:r>
+            <a:r>
+              <a:rPr lang="ko-KR" altLang="en-US"/>
+              <a:t>취업 안될 거 같아서 창업이라도 해보자는 마인드에서 만든 게임</a:t>
+            </a:r>
+            <a:r>
+              <a:rPr lang="en-US" altLang="ko-KR"/>
+              <a:t>~</a:t>
+            </a:r>
             <a:endParaRPr lang="ko-KR" altLang="en-US"/>
           </a:p>
         </p:txBody>
@@ -3375,6 +3408,912 @@
     <p:extLst>
       <p:ext uri="{BB962C8B-B14F-4D97-AF65-F5344CB8AC3E}">
         <p14:creationId xmlns:p14="http://schemas.microsoft.com/office/powerpoint/2010/main" val="2238458586"/>
+      </p:ext>
+    </p:extLst>
+  </p:cSld>
+  <p:clrMapOvr>
+    <a:masterClrMapping/>
+  </p:clrMapOvr>
+</p:sld>
+</file>
+
+<file path=ppt/slides/slide2.xml><?xml version="1.0" encoding="utf-8"?>
+<p:sld xmlns:a="http://schemas.openxmlformats.org/drawingml/2006/main" xmlns:r="http://schemas.openxmlformats.org/officeDocument/2006/relationships" xmlns:p="http://schemas.openxmlformats.org/presentationml/2006/main">
+  <p:cSld>
+    <p:spTree>
+      <p:nvGrpSpPr>
+        <p:cNvPr id="1" name=""/>
+        <p:cNvGrpSpPr/>
+        <p:nvPr/>
+      </p:nvGrpSpPr>
+      <p:grpSpPr>
+        <a:xfrm>
+          <a:off x="0" y="0"/>
+          <a:ext cx="0" cy="0"/>
+          <a:chOff x="0" y="0"/>
+          <a:chExt cx="0" cy="0"/>
+        </a:xfrm>
+      </p:grpSpPr>
+      <p:sp>
+        <p:nvSpPr>
+          <p:cNvPr id="2" name="제목 1">
+            <a:extLst>
+              <a:ext uri="{FF2B5EF4-FFF2-40B4-BE49-F238E27FC236}">
+                <a16:creationId xmlns:a16="http://schemas.microsoft.com/office/drawing/2014/main" id="{17B417B1-27BD-5287-A6BE-C43687B4EB66}"/>
+              </a:ext>
+            </a:extLst>
+          </p:cNvPr>
+          <p:cNvSpPr>
+            <a:spLocks noGrp="1"/>
+          </p:cNvSpPr>
+          <p:nvPr>
+            <p:ph type="title"/>
+          </p:nvPr>
+        </p:nvSpPr>
+        <p:spPr/>
+        <p:txBody>
+          <a:bodyPr/>
+          <a:lstStyle/>
+          <a:p>
+            <a:r>
+              <a:rPr lang="ko-KR" altLang="en-US"/>
+              <a:t>직업</a:t>
+            </a:r>
+          </a:p>
+        </p:txBody>
+      </p:sp>
+      <p:sp>
+        <p:nvSpPr>
+          <p:cNvPr id="3" name="내용 개체 틀 2">
+            <a:extLst>
+              <a:ext uri="{FF2B5EF4-FFF2-40B4-BE49-F238E27FC236}">
+                <a16:creationId xmlns:a16="http://schemas.microsoft.com/office/drawing/2014/main" id="{C351A14A-E7B0-2B58-5762-56A0EECEC560}"/>
+              </a:ext>
+            </a:extLst>
+          </p:cNvPr>
+          <p:cNvSpPr>
+            <a:spLocks noGrp="1"/>
+          </p:cNvSpPr>
+          <p:nvPr>
+            <p:ph idx="1"/>
+          </p:nvPr>
+        </p:nvSpPr>
+        <p:spPr/>
+        <p:txBody>
+          <a:bodyPr/>
+          <a:lstStyle/>
+          <a:p>
+            <a:r>
+              <a:rPr lang="ko-KR" altLang="en-US"/>
+              <a:t>직업은 무기로 </a:t>
+            </a:r>
+            <a:r>
+              <a:rPr lang="en-US" altLang="ko-KR"/>
+              <a:t>1</a:t>
+            </a:r>
+            <a:r>
+              <a:rPr lang="ko-KR" altLang="en-US"/>
+              <a:t>차적으로 나뉨</a:t>
+            </a:r>
+            <a:endParaRPr lang="en-US" altLang="ko-KR"/>
+          </a:p>
+          <a:p>
+            <a:r>
+              <a:rPr lang="ko-KR" altLang="en-US"/>
+              <a:t>그 아래 세부 직군으로 </a:t>
+            </a:r>
+            <a:r>
+              <a:rPr lang="en-US" altLang="ko-KR"/>
+              <a:t>2</a:t>
+            </a:r>
+            <a:r>
+              <a:rPr lang="ko-KR" altLang="en-US"/>
+              <a:t>가지로 나뉨</a:t>
+            </a:r>
+            <a:endParaRPr lang="en-US" altLang="ko-KR"/>
+          </a:p>
+        </p:txBody>
+      </p:sp>
+      <p:graphicFrame>
+        <p:nvGraphicFramePr>
+          <p:cNvPr id="19" name="표 18">
+            <a:extLst>
+              <a:ext uri="{FF2B5EF4-FFF2-40B4-BE49-F238E27FC236}">
+                <a16:creationId xmlns:a16="http://schemas.microsoft.com/office/drawing/2014/main" id="{6B37FC8D-05CA-70E5-9B1E-ACE2F2ED0429}"/>
+              </a:ext>
+            </a:extLst>
+          </p:cNvPr>
+          <p:cNvGraphicFramePr>
+            <a:graphicFrameLocks noGrp="1"/>
+          </p:cNvGraphicFramePr>
+          <p:nvPr>
+            <p:extLst>
+              <p:ext uri="{D42A27DB-BD31-4B8C-83A1-F6EECF244321}">
+                <p14:modId xmlns:p14="http://schemas.microsoft.com/office/powerpoint/2010/main" val="2912817641"/>
+              </p:ext>
+            </p:extLst>
+          </p:nvPr>
+        </p:nvGraphicFramePr>
+        <p:xfrm>
+          <a:off x="481496" y="3061252"/>
+          <a:ext cx="11379200" cy="3596840"/>
+        </p:xfrm>
+        <a:graphic>
+          <a:graphicData uri="http://schemas.openxmlformats.org/drawingml/2006/table">
+            <a:tbl>
+              <a:tblPr firstRow="1" bandRow="1">
+                <a:tableStyleId>{5940675A-B579-460E-94D1-54222C63F5DA}</a:tableStyleId>
+              </a:tblPr>
+              <a:tblGrid>
+                <a:gridCol w="2844800">
+                  <a:extLst>
+                    <a:ext uri="{9D8B030D-6E8A-4147-A177-3AD203B41FA5}">
+                      <a16:colId xmlns:a16="http://schemas.microsoft.com/office/drawing/2014/main" val="4137378731"/>
+                    </a:ext>
+                  </a:extLst>
+                </a:gridCol>
+                <a:gridCol w="2844800">
+                  <a:extLst>
+                    <a:ext uri="{9D8B030D-6E8A-4147-A177-3AD203B41FA5}">
+                      <a16:colId xmlns:a16="http://schemas.microsoft.com/office/drawing/2014/main" val="1793365331"/>
+                    </a:ext>
+                  </a:extLst>
+                </a:gridCol>
+                <a:gridCol w="1170608">
+                  <a:extLst>
+                    <a:ext uri="{9D8B030D-6E8A-4147-A177-3AD203B41FA5}">
+                      <a16:colId xmlns:a16="http://schemas.microsoft.com/office/drawing/2014/main" val="2543482971"/>
+                    </a:ext>
+                  </a:extLst>
+                </a:gridCol>
+                <a:gridCol w="4518992">
+                  <a:extLst>
+                    <a:ext uri="{9D8B030D-6E8A-4147-A177-3AD203B41FA5}">
+                      <a16:colId xmlns:a16="http://schemas.microsoft.com/office/drawing/2014/main" val="2520717715"/>
+                    </a:ext>
+                  </a:extLst>
+                </a:gridCol>
+              </a:tblGrid>
+              <a:tr h="449605">
+                <a:tc rowSpan="8">
+                  <a:txBody>
+                    <a:bodyPr/>
+                    <a:lstStyle/>
+                    <a:p>
+                      <a:pPr algn="ctr" latinLnBrk="1"/>
+                      <a:r>
+                        <a:rPr lang="ko-KR" altLang="en-US" b="0"/>
+                        <a:t>캐릭터</a:t>
+                      </a:r>
+                    </a:p>
+                  </a:txBody>
+                  <a:tcPr anchor="ctr"/>
+                </a:tc>
+                <a:tc rowSpan="2">
+                  <a:txBody>
+                    <a:bodyPr/>
+                    <a:lstStyle/>
+                    <a:p>
+                      <a:pPr algn="ctr" latinLnBrk="1"/>
+                      <a:r>
+                        <a:rPr lang="ko-KR" altLang="en-US" b="0"/>
+                        <a:t>장검</a:t>
+                      </a:r>
+                    </a:p>
+                  </a:txBody>
+                  <a:tcPr anchor="ctr"/>
+                </a:tc>
+                <a:tc>
+                  <a:txBody>
+                    <a:bodyPr/>
+                    <a:lstStyle/>
+                    <a:p>
+                      <a:pPr algn="ctr" latinLnBrk="1"/>
+                      <a:r>
+                        <a:rPr lang="ko-KR" altLang="en-US" b="0"/>
+                        <a:t>무사</a:t>
+                      </a:r>
+                    </a:p>
+                  </a:txBody>
+                  <a:tcPr anchor="ctr"/>
+                </a:tc>
+                <a:tc>
+                  <a:txBody>
+                    <a:bodyPr/>
+                    <a:lstStyle/>
+                    <a:p>
+                      <a:pPr algn="ctr" latinLnBrk="1"/>
+                      <a:r>
+                        <a:rPr lang="ko-KR" altLang="en-US" b="0"/>
+                        <a:t>밸런스 좋은 검사</a:t>
+                      </a:r>
+                    </a:p>
+                  </a:txBody>
+                  <a:tcPr anchor="ctr"/>
+                </a:tc>
+                <a:extLst>
+                  <a:ext uri="{0D108BD9-81ED-4DB2-BD59-A6C34878D82A}">
+                    <a16:rowId xmlns:a16="http://schemas.microsoft.com/office/drawing/2014/main" val="758180664"/>
+                  </a:ext>
+                </a:extLst>
+              </a:tr>
+              <a:tr h="449605">
+                <a:tc vMerge="1">
+                  <a:txBody>
+                    <a:bodyPr/>
+                    <a:lstStyle/>
+                    <a:p>
+                      <a:pPr latinLnBrk="1"/>
+                      <a:endParaRPr lang="ko-KR" altLang="en-US"/>
+                    </a:p>
+                  </a:txBody>
+                  <a:tcPr/>
+                </a:tc>
+                <a:tc vMerge="1">
+                  <a:txBody>
+                    <a:bodyPr/>
+                    <a:lstStyle/>
+                    <a:p>
+                      <a:pPr latinLnBrk="1"/>
+                      <a:endParaRPr lang="ko-KR" altLang="en-US"/>
+                    </a:p>
+                  </a:txBody>
+                  <a:tcPr/>
+                </a:tc>
+                <a:tc>
+                  <a:txBody>
+                    <a:bodyPr/>
+                    <a:lstStyle/>
+                    <a:p>
+                      <a:pPr algn="ctr" latinLnBrk="1"/>
+                      <a:r>
+                        <a:rPr lang="ko-KR" altLang="en-US" b="0"/>
+                        <a:t>수호자</a:t>
+                      </a:r>
+                    </a:p>
+                  </a:txBody>
+                  <a:tcPr anchor="ctr"/>
+                </a:tc>
+                <a:tc>
+                  <a:txBody>
+                    <a:bodyPr/>
+                    <a:lstStyle/>
+                    <a:p>
+                      <a:pPr algn="ctr" latinLnBrk="1"/>
+                      <a:r>
+                        <a:rPr lang="ko-KR" altLang="en-US" b="0"/>
+                        <a:t>버프를 통한 아군 강화 및 어그로</a:t>
+                      </a:r>
+                    </a:p>
+                  </a:txBody>
+                  <a:tcPr anchor="ctr"/>
+                </a:tc>
+                <a:extLst>
+                  <a:ext uri="{0D108BD9-81ED-4DB2-BD59-A6C34878D82A}">
+                    <a16:rowId xmlns:a16="http://schemas.microsoft.com/office/drawing/2014/main" val="27219363"/>
+                  </a:ext>
+                </a:extLst>
+              </a:tr>
+              <a:tr h="449605">
+                <a:tc vMerge="1">
+                  <a:txBody>
+                    <a:bodyPr/>
+                    <a:lstStyle/>
+                    <a:p>
+                      <a:pPr latinLnBrk="1"/>
+                      <a:endParaRPr lang="ko-KR" altLang="en-US"/>
+                    </a:p>
+                  </a:txBody>
+                  <a:tcPr/>
+                </a:tc>
+                <a:tc rowSpan="2">
+                  <a:txBody>
+                    <a:bodyPr/>
+                    <a:lstStyle/>
+                    <a:p>
+                      <a:pPr algn="ctr" latinLnBrk="1"/>
+                      <a:r>
+                        <a:rPr lang="ko-KR" altLang="en-US" b="0"/>
+                        <a:t>활</a:t>
+                      </a:r>
+                    </a:p>
+                  </a:txBody>
+                  <a:tcPr anchor="ctr"/>
+                </a:tc>
+                <a:tc>
+                  <a:txBody>
+                    <a:bodyPr/>
+                    <a:lstStyle/>
+                    <a:p>
+                      <a:pPr algn="ctr" latinLnBrk="1"/>
+                      <a:r>
+                        <a:rPr lang="ko-KR" altLang="en-US" b="0"/>
+                        <a:t>장궁</a:t>
+                      </a:r>
+                    </a:p>
+                  </a:txBody>
+                  <a:tcPr anchor="ctr"/>
+                </a:tc>
+                <a:tc>
+                  <a:txBody>
+                    <a:bodyPr/>
+                    <a:lstStyle/>
+                    <a:p>
+                      <a:pPr algn="ctr" latinLnBrk="1"/>
+                      <a:r>
+                        <a:rPr lang="ko-KR" altLang="en-US" b="0"/>
+                        <a:t>공격속도가 느린 대신</a:t>
+                      </a:r>
+                      <a:r>
+                        <a:rPr lang="en-US" altLang="ko-KR" b="0"/>
+                        <a:t>, </a:t>
+                      </a:r>
+                      <a:r>
+                        <a:rPr lang="ko-KR" altLang="en-US" b="0"/>
+                        <a:t>강력한 한방</a:t>
+                      </a:r>
+                    </a:p>
+                  </a:txBody>
+                  <a:tcPr anchor="ctr"/>
+                </a:tc>
+                <a:extLst>
+                  <a:ext uri="{0D108BD9-81ED-4DB2-BD59-A6C34878D82A}">
+                    <a16:rowId xmlns:a16="http://schemas.microsoft.com/office/drawing/2014/main" val="1909185993"/>
+                  </a:ext>
+                </a:extLst>
+              </a:tr>
+              <a:tr h="449605">
+                <a:tc vMerge="1">
+                  <a:txBody>
+                    <a:bodyPr/>
+                    <a:lstStyle/>
+                    <a:p>
+                      <a:pPr latinLnBrk="1"/>
+                      <a:endParaRPr lang="ko-KR" altLang="en-US"/>
+                    </a:p>
+                  </a:txBody>
+                  <a:tcPr/>
+                </a:tc>
+                <a:tc vMerge="1">
+                  <a:txBody>
+                    <a:bodyPr/>
+                    <a:lstStyle/>
+                    <a:p>
+                      <a:pPr latinLnBrk="1"/>
+                      <a:endParaRPr lang="ko-KR" altLang="en-US"/>
+                    </a:p>
+                  </a:txBody>
+                  <a:tcPr/>
+                </a:tc>
+                <a:tc>
+                  <a:txBody>
+                    <a:bodyPr/>
+                    <a:lstStyle/>
+                    <a:p>
+                      <a:pPr algn="ctr" latinLnBrk="1"/>
+                      <a:r>
+                        <a:rPr lang="ko-KR" altLang="en-US" b="0"/>
+                        <a:t>단궁</a:t>
+                      </a:r>
+                    </a:p>
+                  </a:txBody>
+                  <a:tcPr anchor="ctr"/>
+                </a:tc>
+                <a:tc>
+                  <a:txBody>
+                    <a:bodyPr/>
+                    <a:lstStyle/>
+                    <a:p>
+                      <a:pPr algn="ctr" latinLnBrk="1"/>
+                      <a:r>
+                        <a:rPr lang="ko-KR" altLang="en-US" b="0"/>
+                        <a:t>공격속도가 빠르며 화려한 컨트롤</a:t>
+                      </a:r>
+                    </a:p>
+                  </a:txBody>
+                  <a:tcPr anchor="ctr"/>
+                </a:tc>
+                <a:extLst>
+                  <a:ext uri="{0D108BD9-81ED-4DB2-BD59-A6C34878D82A}">
+                    <a16:rowId xmlns:a16="http://schemas.microsoft.com/office/drawing/2014/main" val="1898375692"/>
+                  </a:ext>
+                </a:extLst>
+              </a:tr>
+              <a:tr h="449605">
+                <a:tc vMerge="1">
+                  <a:txBody>
+                    <a:bodyPr/>
+                    <a:lstStyle/>
+                    <a:p>
+                      <a:pPr latinLnBrk="1"/>
+                      <a:endParaRPr lang="ko-KR" altLang="en-US"/>
+                    </a:p>
+                  </a:txBody>
+                  <a:tcPr/>
+                </a:tc>
+                <a:tc rowSpan="2">
+                  <a:txBody>
+                    <a:bodyPr/>
+                    <a:lstStyle/>
+                    <a:p>
+                      <a:pPr algn="ctr" latinLnBrk="1"/>
+                      <a:r>
+                        <a:rPr lang="ko-KR" altLang="en-US" b="0"/>
+                        <a:t>스태프</a:t>
+                      </a:r>
+                    </a:p>
+                  </a:txBody>
+                  <a:tcPr anchor="ctr"/>
+                </a:tc>
+                <a:tc>
+                  <a:txBody>
+                    <a:bodyPr/>
+                    <a:lstStyle/>
+                    <a:p>
+                      <a:pPr algn="ctr" latinLnBrk="1"/>
+                      <a:r>
+                        <a:rPr lang="ko-KR" altLang="en-US" b="0"/>
+                        <a:t>마법사</a:t>
+                      </a:r>
+                    </a:p>
+                  </a:txBody>
+                  <a:tcPr anchor="ctr"/>
+                </a:tc>
+                <a:tc>
+                  <a:txBody>
+                    <a:bodyPr/>
+                    <a:lstStyle/>
+                    <a:p>
+                      <a:pPr algn="ctr" latinLnBrk="1"/>
+                      <a:r>
+                        <a:rPr lang="ko-KR" altLang="en-US" b="0"/>
+                        <a:t>전형적인 마법사</a:t>
+                      </a:r>
+                    </a:p>
+                  </a:txBody>
+                  <a:tcPr anchor="ctr"/>
+                </a:tc>
+                <a:extLst>
+                  <a:ext uri="{0D108BD9-81ED-4DB2-BD59-A6C34878D82A}">
+                    <a16:rowId xmlns:a16="http://schemas.microsoft.com/office/drawing/2014/main" val="3467977424"/>
+                  </a:ext>
+                </a:extLst>
+              </a:tr>
+              <a:tr h="449605">
+                <a:tc vMerge="1">
+                  <a:txBody>
+                    <a:bodyPr/>
+                    <a:lstStyle/>
+                    <a:p>
+                      <a:pPr latinLnBrk="1"/>
+                      <a:endParaRPr lang="ko-KR" altLang="en-US"/>
+                    </a:p>
+                  </a:txBody>
+                  <a:tcPr/>
+                </a:tc>
+                <a:tc vMerge="1">
+                  <a:txBody>
+                    <a:bodyPr/>
+                    <a:lstStyle/>
+                    <a:p>
+                      <a:pPr latinLnBrk="1"/>
+                      <a:endParaRPr lang="ko-KR" altLang="en-US"/>
+                    </a:p>
+                  </a:txBody>
+                  <a:tcPr/>
+                </a:tc>
+                <a:tc>
+                  <a:txBody>
+                    <a:bodyPr/>
+                    <a:lstStyle/>
+                    <a:p>
+                      <a:pPr algn="ctr" latinLnBrk="1"/>
+                      <a:r>
+                        <a:rPr lang="ko-KR" altLang="en-US" b="0"/>
+                        <a:t>백마법사</a:t>
+                      </a:r>
+                    </a:p>
+                  </a:txBody>
+                  <a:tcPr anchor="ctr"/>
+                </a:tc>
+                <a:tc>
+                  <a:txBody>
+                    <a:bodyPr/>
+                    <a:lstStyle/>
+                    <a:p>
+                      <a:pPr algn="ctr" latinLnBrk="1"/>
+                      <a:r>
+                        <a:rPr lang="ko-KR" altLang="en-US" b="0"/>
+                        <a:t>버프 및 치유 효과에 중점을 둔 마법사</a:t>
+                      </a:r>
+                    </a:p>
+                  </a:txBody>
+                  <a:tcPr anchor="ctr"/>
+                </a:tc>
+                <a:extLst>
+                  <a:ext uri="{0D108BD9-81ED-4DB2-BD59-A6C34878D82A}">
+                    <a16:rowId xmlns:a16="http://schemas.microsoft.com/office/drawing/2014/main" val="2218772177"/>
+                  </a:ext>
+                </a:extLst>
+              </a:tr>
+              <a:tr h="449605">
+                <a:tc vMerge="1">
+                  <a:txBody>
+                    <a:bodyPr/>
+                    <a:lstStyle/>
+                    <a:p>
+                      <a:pPr latinLnBrk="1"/>
+                      <a:endParaRPr lang="ko-KR" altLang="en-US"/>
+                    </a:p>
+                  </a:txBody>
+                  <a:tcPr/>
+                </a:tc>
+                <a:tc rowSpan="2">
+                  <a:txBody>
+                    <a:bodyPr/>
+                    <a:lstStyle/>
+                    <a:p>
+                      <a:pPr algn="ctr" latinLnBrk="1"/>
+                      <a:r>
+                        <a:rPr lang="ko-KR" altLang="en-US" b="0"/>
+                        <a:t>단검</a:t>
+                      </a:r>
+                    </a:p>
+                  </a:txBody>
+                  <a:tcPr anchor="ctr"/>
+                </a:tc>
+                <a:tc>
+                  <a:txBody>
+                    <a:bodyPr/>
+                    <a:lstStyle/>
+                    <a:p>
+                      <a:pPr algn="ctr" latinLnBrk="1"/>
+                      <a:r>
+                        <a:rPr lang="ko-KR" altLang="en-US" b="0"/>
+                        <a:t>암살자</a:t>
+                      </a:r>
+                    </a:p>
+                  </a:txBody>
+                  <a:tcPr anchor="ctr"/>
+                </a:tc>
+                <a:tc>
+                  <a:txBody>
+                    <a:bodyPr/>
+                    <a:lstStyle/>
+                    <a:p>
+                      <a:pPr algn="ctr" latinLnBrk="1"/>
+                      <a:r>
+                        <a:rPr lang="ko-KR" altLang="en-US" b="0"/>
+                        <a:t>이동 및 공격에 중점을 둔 검사</a:t>
+                      </a:r>
+                    </a:p>
+                  </a:txBody>
+                  <a:tcPr anchor="ctr"/>
+                </a:tc>
+                <a:extLst>
+                  <a:ext uri="{0D108BD9-81ED-4DB2-BD59-A6C34878D82A}">
+                    <a16:rowId xmlns:a16="http://schemas.microsoft.com/office/drawing/2014/main" val="3311020163"/>
+                  </a:ext>
+                </a:extLst>
+              </a:tr>
+              <a:tr h="449605">
+                <a:tc vMerge="1">
+                  <a:txBody>
+                    <a:bodyPr/>
+                    <a:lstStyle/>
+                    <a:p>
+                      <a:pPr latinLnBrk="1"/>
+                      <a:endParaRPr lang="ko-KR" altLang="en-US"/>
+                    </a:p>
+                  </a:txBody>
+                  <a:tcPr/>
+                </a:tc>
+                <a:tc vMerge="1">
+                  <a:txBody>
+                    <a:bodyPr/>
+                    <a:lstStyle/>
+                    <a:p>
+                      <a:pPr latinLnBrk="1"/>
+                      <a:endParaRPr lang="ko-KR" altLang="en-US"/>
+                    </a:p>
+                  </a:txBody>
+                  <a:tcPr/>
+                </a:tc>
+                <a:tc>
+                  <a:txBody>
+                    <a:bodyPr/>
+                    <a:lstStyle/>
+                    <a:p>
+                      <a:pPr algn="ctr" latinLnBrk="1"/>
+                      <a:r>
+                        <a:rPr lang="ko-KR" altLang="en-US" b="0"/>
+                        <a:t>투척수</a:t>
+                      </a:r>
+                    </a:p>
+                  </a:txBody>
+                  <a:tcPr anchor="ctr"/>
+                </a:tc>
+                <a:tc>
+                  <a:txBody>
+                    <a:bodyPr/>
+                    <a:lstStyle/>
+                    <a:p>
+                      <a:pPr algn="ctr" latinLnBrk="1"/>
+                      <a:r>
+                        <a:rPr lang="ko-KR" altLang="en-US" b="0"/>
+                        <a:t>투척물을 통한 공격</a:t>
+                      </a:r>
+                    </a:p>
+                  </a:txBody>
+                  <a:tcPr anchor="ctr"/>
+                </a:tc>
+                <a:extLst>
+                  <a:ext uri="{0D108BD9-81ED-4DB2-BD59-A6C34878D82A}">
+                    <a16:rowId xmlns:a16="http://schemas.microsoft.com/office/drawing/2014/main" val="1028752524"/>
+                  </a:ext>
+                </a:extLst>
+              </a:tr>
+            </a:tbl>
+          </a:graphicData>
+        </a:graphic>
+      </p:graphicFrame>
+    </p:spTree>
+    <p:extLst>
+      <p:ext uri="{BB962C8B-B14F-4D97-AF65-F5344CB8AC3E}">
+        <p14:creationId xmlns:p14="http://schemas.microsoft.com/office/powerpoint/2010/main" val="4115127548"/>
+      </p:ext>
+    </p:extLst>
+  </p:cSld>
+  <p:clrMapOvr>
+    <a:masterClrMapping/>
+  </p:clrMapOvr>
+</p:sld>
+</file>
+
+<file path=ppt/slides/slide3.xml><?xml version="1.0" encoding="utf-8"?>
+<p:sld xmlns:a="http://schemas.openxmlformats.org/drawingml/2006/main" xmlns:r="http://schemas.openxmlformats.org/officeDocument/2006/relationships" xmlns:p="http://schemas.openxmlformats.org/presentationml/2006/main">
+  <p:cSld>
+    <p:spTree>
+      <p:nvGrpSpPr>
+        <p:cNvPr id="1" name=""/>
+        <p:cNvGrpSpPr/>
+        <p:nvPr/>
+      </p:nvGrpSpPr>
+      <p:grpSpPr>
+        <a:xfrm>
+          <a:off x="0" y="0"/>
+          <a:ext cx="0" cy="0"/>
+          <a:chOff x="0" y="0"/>
+          <a:chExt cx="0" cy="0"/>
+        </a:xfrm>
+      </p:grpSpPr>
+      <p:sp>
+        <p:nvSpPr>
+          <p:cNvPr id="2" name="제목 1">
+            <a:extLst>
+              <a:ext uri="{FF2B5EF4-FFF2-40B4-BE49-F238E27FC236}">
+                <a16:creationId xmlns:a16="http://schemas.microsoft.com/office/drawing/2014/main" id="{0151C634-0FF7-6973-D78C-69A37B361DB1}"/>
+              </a:ext>
+            </a:extLst>
+          </p:cNvPr>
+          <p:cNvSpPr>
+            <a:spLocks noGrp="1"/>
+          </p:cNvSpPr>
+          <p:nvPr>
+            <p:ph type="title"/>
+          </p:nvPr>
+        </p:nvSpPr>
+        <p:spPr/>
+        <p:txBody>
+          <a:bodyPr/>
+          <a:lstStyle/>
+          <a:p>
+            <a:r>
+              <a:rPr lang="ko-KR" altLang="en-US"/>
+              <a:t>맵</a:t>
+            </a:r>
+          </a:p>
+        </p:txBody>
+      </p:sp>
+      <p:sp>
+        <p:nvSpPr>
+          <p:cNvPr id="3" name="내용 개체 틀 2">
+            <a:extLst>
+              <a:ext uri="{FF2B5EF4-FFF2-40B4-BE49-F238E27FC236}">
+                <a16:creationId xmlns:a16="http://schemas.microsoft.com/office/drawing/2014/main" id="{D2D80C26-BECC-5321-364D-B5C314FA2241}"/>
+              </a:ext>
+            </a:extLst>
+          </p:cNvPr>
+          <p:cNvSpPr>
+            <a:spLocks noGrp="1"/>
+          </p:cNvSpPr>
+          <p:nvPr>
+            <p:ph idx="1"/>
+          </p:nvPr>
+        </p:nvSpPr>
+        <p:spPr/>
+        <p:txBody>
+          <a:bodyPr/>
+          <a:lstStyle/>
+          <a:p>
+            <a:r>
+              <a:rPr lang="ko-KR" altLang="en-US"/>
+              <a:t>기본적인 맵은 마을</a:t>
+            </a:r>
+            <a:r>
+              <a:rPr lang="en-US" altLang="ko-KR"/>
+              <a:t>, </a:t>
+            </a:r>
+            <a:r>
+              <a:rPr lang="ko-KR" altLang="en-US"/>
+              <a:t>영지</a:t>
+            </a:r>
+            <a:r>
+              <a:rPr lang="en-US" altLang="ko-KR"/>
+              <a:t>, </a:t>
+            </a:r>
+            <a:r>
+              <a:rPr lang="ko-KR" altLang="en-US"/>
+              <a:t>던전으로 구성</a:t>
+            </a:r>
+            <a:endParaRPr lang="en-US" altLang="ko-KR"/>
+          </a:p>
+          <a:p>
+            <a:r>
+              <a:rPr lang="ko-KR" altLang="en-US"/>
+              <a:t>마을 </a:t>
+            </a:r>
+            <a:r>
+              <a:rPr lang="en-US" altLang="ko-KR"/>
+              <a:t>: </a:t>
+            </a:r>
+            <a:r>
+              <a:rPr lang="ko-KR" altLang="en-US"/>
+              <a:t>아이템을 사고 팔 수 있으며</a:t>
+            </a:r>
+            <a:r>
+              <a:rPr lang="en-US" altLang="ko-KR"/>
+              <a:t>, </a:t>
+            </a:r>
+            <a:r>
+              <a:rPr lang="ko-KR" altLang="en-US"/>
+              <a:t>전투가 불가능한 지역</a:t>
+            </a:r>
+            <a:endParaRPr lang="en-US" altLang="ko-KR"/>
+          </a:p>
+          <a:p>
+            <a:r>
+              <a:rPr lang="ko-KR" altLang="en-US"/>
+              <a:t>영지 </a:t>
+            </a:r>
+            <a:r>
+              <a:rPr lang="en-US" altLang="ko-KR"/>
+              <a:t>: </a:t>
+            </a:r>
+            <a:r>
+              <a:rPr lang="ko-KR" altLang="en-US"/>
+              <a:t>아이템 보관 및 건설 기능을 통한 꾸미기 영역</a:t>
+            </a:r>
+            <a:endParaRPr lang="en-US" altLang="ko-KR"/>
+          </a:p>
+          <a:p>
+            <a:r>
+              <a:rPr lang="ko-KR" altLang="en-US"/>
+              <a:t>던전 </a:t>
+            </a:r>
+            <a:r>
+              <a:rPr lang="en-US" altLang="ko-KR"/>
+              <a:t>: </a:t>
+            </a:r>
+            <a:r>
+              <a:rPr lang="ko-KR" altLang="en-US"/>
+              <a:t>전투하는 공간</a:t>
+            </a:r>
+          </a:p>
+        </p:txBody>
+      </p:sp>
+    </p:spTree>
+    <p:extLst>
+      <p:ext uri="{BB962C8B-B14F-4D97-AF65-F5344CB8AC3E}">
+        <p14:creationId xmlns:p14="http://schemas.microsoft.com/office/powerpoint/2010/main" val="1072723134"/>
+      </p:ext>
+    </p:extLst>
+  </p:cSld>
+  <p:clrMapOvr>
+    <a:masterClrMapping/>
+  </p:clrMapOvr>
+</p:sld>
+</file>
+
+<file path=ppt/slides/slide4.xml><?xml version="1.0" encoding="utf-8"?>
+<p:sld xmlns:a="http://schemas.openxmlformats.org/drawingml/2006/main" xmlns:r="http://schemas.openxmlformats.org/officeDocument/2006/relationships" xmlns:p="http://schemas.openxmlformats.org/presentationml/2006/main">
+  <p:cSld>
+    <p:spTree>
+      <p:nvGrpSpPr>
+        <p:cNvPr id="1" name=""/>
+        <p:cNvGrpSpPr/>
+        <p:nvPr/>
+      </p:nvGrpSpPr>
+      <p:grpSpPr>
+        <a:xfrm>
+          <a:off x="0" y="0"/>
+          <a:ext cx="0" cy="0"/>
+          <a:chOff x="0" y="0"/>
+          <a:chExt cx="0" cy="0"/>
+        </a:xfrm>
+      </p:grpSpPr>
+      <p:sp>
+        <p:nvSpPr>
+          <p:cNvPr id="2" name="제목 1">
+            <a:extLst>
+              <a:ext uri="{FF2B5EF4-FFF2-40B4-BE49-F238E27FC236}">
+                <a16:creationId xmlns:a16="http://schemas.microsoft.com/office/drawing/2014/main" id="{E2427E98-ED02-A67A-CFBB-A4DD7C3F10E4}"/>
+              </a:ext>
+            </a:extLst>
+          </p:cNvPr>
+          <p:cNvSpPr>
+            <a:spLocks noGrp="1"/>
+          </p:cNvSpPr>
+          <p:nvPr>
+            <p:ph type="title"/>
+          </p:nvPr>
+        </p:nvSpPr>
+        <p:spPr/>
+        <p:txBody>
+          <a:bodyPr/>
+          <a:lstStyle/>
+          <a:p>
+            <a:r>
+              <a:rPr lang="ko-KR" altLang="en-US"/>
+              <a:t>플레이 방식</a:t>
+            </a:r>
+          </a:p>
+        </p:txBody>
+      </p:sp>
+      <p:sp>
+        <p:nvSpPr>
+          <p:cNvPr id="3" name="내용 개체 틀 2">
+            <a:extLst>
+              <a:ext uri="{FF2B5EF4-FFF2-40B4-BE49-F238E27FC236}">
+                <a16:creationId xmlns:a16="http://schemas.microsoft.com/office/drawing/2014/main" id="{DCA3CD8C-E27B-ECE4-FBE5-0ACE4CC53AAC}"/>
+              </a:ext>
+            </a:extLst>
+          </p:cNvPr>
+          <p:cNvSpPr>
+            <a:spLocks noGrp="1"/>
+          </p:cNvSpPr>
+          <p:nvPr>
+            <p:ph idx="1"/>
+          </p:nvPr>
+        </p:nvSpPr>
+        <p:spPr/>
+        <p:txBody>
+          <a:bodyPr/>
+          <a:lstStyle/>
+          <a:p>
+            <a:r>
+              <a:rPr lang="ko-KR" altLang="en-US"/>
+              <a:t>멀티플레이 최대 </a:t>
+            </a:r>
+            <a:r>
+              <a:rPr lang="en-US" altLang="ko-KR"/>
+              <a:t>4</a:t>
+            </a:r>
+            <a:r>
+              <a:rPr lang="ko-KR" altLang="en-US"/>
+              <a:t>인까지 지원할 예정</a:t>
+            </a:r>
+            <a:endParaRPr lang="en-US" altLang="ko-KR"/>
+          </a:p>
+          <a:p>
+            <a:endParaRPr lang="ko-KR" altLang="en-US"/>
+          </a:p>
+        </p:txBody>
+      </p:sp>
+    </p:spTree>
+    <p:extLst>
+      <p:ext uri="{BB962C8B-B14F-4D97-AF65-F5344CB8AC3E}">
+        <p14:creationId xmlns:p14="http://schemas.microsoft.com/office/powerpoint/2010/main" val="2150561652"/>
       </p:ext>
     </p:extLst>
   </p:cSld>

--- a/기획.pptx
+++ b/기획.pptx
@@ -6,9 +6,10 @@
   </p:sldMasterIdLst>
   <p:sldIdLst>
     <p:sldId id="256" r:id="rId2"/>
-    <p:sldId id="257" r:id="rId3"/>
-    <p:sldId id="258" r:id="rId4"/>
-    <p:sldId id="259" r:id="rId5"/>
+    <p:sldId id="259" r:id="rId3"/>
+    <p:sldId id="260" r:id="rId4"/>
+    <p:sldId id="257" r:id="rId5"/>
+    <p:sldId id="258" r:id="rId6"/>
   </p:sldIdLst>
   <p:sldSz cx="12192000" cy="6858000"/>
   <p:notesSz cx="6858000" cy="9144000"/>
@@ -262,7 +263,7 @@
           <a:p>
             <a:fld id="{1F5B2CD7-1D02-4F95-AC7E-28E06A73A4DB}" type="datetimeFigureOut">
               <a:rPr lang="ko-KR" altLang="en-US" smtClean="0"/>
-              <a:t>2026-01-15</a:t>
+              <a:t>2026-01-18</a:t>
             </a:fld>
             <a:endParaRPr lang="ko-KR" altLang="en-US"/>
           </a:p>
@@ -460,7 +461,7 @@
           <a:p>
             <a:fld id="{1F5B2CD7-1D02-4F95-AC7E-28E06A73A4DB}" type="datetimeFigureOut">
               <a:rPr lang="ko-KR" altLang="en-US" smtClean="0"/>
-              <a:t>2026-01-15</a:t>
+              <a:t>2026-01-18</a:t>
             </a:fld>
             <a:endParaRPr lang="ko-KR" altLang="en-US"/>
           </a:p>
@@ -668,7 +669,7 @@
           <a:p>
             <a:fld id="{1F5B2CD7-1D02-4F95-AC7E-28E06A73A4DB}" type="datetimeFigureOut">
               <a:rPr lang="ko-KR" altLang="en-US" smtClean="0"/>
-              <a:t>2026-01-15</a:t>
+              <a:t>2026-01-18</a:t>
             </a:fld>
             <a:endParaRPr lang="ko-KR" altLang="en-US"/>
           </a:p>
@@ -866,7 +867,7 @@
           <a:p>
             <a:fld id="{1F5B2CD7-1D02-4F95-AC7E-28E06A73A4DB}" type="datetimeFigureOut">
               <a:rPr lang="ko-KR" altLang="en-US" smtClean="0"/>
-              <a:t>2026-01-15</a:t>
+              <a:t>2026-01-18</a:t>
             </a:fld>
             <a:endParaRPr lang="ko-KR" altLang="en-US"/>
           </a:p>
@@ -1141,7 +1142,7 @@
           <a:p>
             <a:fld id="{1F5B2CD7-1D02-4F95-AC7E-28E06A73A4DB}" type="datetimeFigureOut">
               <a:rPr lang="ko-KR" altLang="en-US" smtClean="0"/>
-              <a:t>2026-01-15</a:t>
+              <a:t>2026-01-18</a:t>
             </a:fld>
             <a:endParaRPr lang="ko-KR" altLang="en-US"/>
           </a:p>
@@ -1406,7 +1407,7 @@
           <a:p>
             <a:fld id="{1F5B2CD7-1D02-4F95-AC7E-28E06A73A4DB}" type="datetimeFigureOut">
               <a:rPr lang="ko-KR" altLang="en-US" smtClean="0"/>
-              <a:t>2026-01-15</a:t>
+              <a:t>2026-01-18</a:t>
             </a:fld>
             <a:endParaRPr lang="ko-KR" altLang="en-US"/>
           </a:p>
@@ -1818,7 +1819,7 @@
           <a:p>
             <a:fld id="{1F5B2CD7-1D02-4F95-AC7E-28E06A73A4DB}" type="datetimeFigureOut">
               <a:rPr lang="ko-KR" altLang="en-US" smtClean="0"/>
-              <a:t>2026-01-15</a:t>
+              <a:t>2026-01-18</a:t>
             </a:fld>
             <a:endParaRPr lang="ko-KR" altLang="en-US"/>
           </a:p>
@@ -1959,7 +1960,7 @@
           <a:p>
             <a:fld id="{1F5B2CD7-1D02-4F95-AC7E-28E06A73A4DB}" type="datetimeFigureOut">
               <a:rPr lang="ko-KR" altLang="en-US" smtClean="0"/>
-              <a:t>2026-01-15</a:t>
+              <a:t>2026-01-18</a:t>
             </a:fld>
             <a:endParaRPr lang="ko-KR" altLang="en-US"/>
           </a:p>
@@ -2072,7 +2073,7 @@
           <a:p>
             <a:fld id="{1F5B2CD7-1D02-4F95-AC7E-28E06A73A4DB}" type="datetimeFigureOut">
               <a:rPr lang="ko-KR" altLang="en-US" smtClean="0"/>
-              <a:t>2026-01-15</a:t>
+              <a:t>2026-01-18</a:t>
             </a:fld>
             <a:endParaRPr lang="ko-KR" altLang="en-US"/>
           </a:p>
@@ -2383,7 +2384,7 @@
           <a:p>
             <a:fld id="{1F5B2CD7-1D02-4F95-AC7E-28E06A73A4DB}" type="datetimeFigureOut">
               <a:rPr lang="ko-KR" altLang="en-US" smtClean="0"/>
-              <a:t>2026-01-15</a:t>
+              <a:t>2026-01-18</a:t>
             </a:fld>
             <a:endParaRPr lang="ko-KR" altLang="en-US"/>
           </a:p>
@@ -2671,7 +2672,7 @@
           <a:p>
             <a:fld id="{1F5B2CD7-1D02-4F95-AC7E-28E06A73A4DB}" type="datetimeFigureOut">
               <a:rPr lang="ko-KR" altLang="en-US" smtClean="0"/>
-              <a:t>2026-01-15</a:t>
+              <a:t>2026-01-18</a:t>
             </a:fld>
             <a:endParaRPr lang="ko-KR" altLang="en-US"/>
           </a:p>
@@ -2912,7 +2913,7 @@
           <a:p>
             <a:fld id="{1F5B2CD7-1D02-4F95-AC7E-28E06A73A4DB}" type="datetimeFigureOut">
               <a:rPr lang="ko-KR" altLang="en-US" smtClean="0"/>
-              <a:t>2026-01-15</a:t>
+              <a:t>2026-01-18</a:t>
             </a:fld>
             <a:endParaRPr lang="ko-KR" altLang="en-US"/>
           </a:p>
@@ -3418,6 +3419,282 @@
 </file>
 
 <file path=ppt/slides/slide2.xml><?xml version="1.0" encoding="utf-8"?>
+<p:sld xmlns:a="http://schemas.openxmlformats.org/drawingml/2006/main" xmlns:r="http://schemas.openxmlformats.org/officeDocument/2006/relationships" xmlns:p="http://schemas.openxmlformats.org/presentationml/2006/main">
+  <p:cSld>
+    <p:spTree>
+      <p:nvGrpSpPr>
+        <p:cNvPr id="1" name=""/>
+        <p:cNvGrpSpPr/>
+        <p:nvPr/>
+      </p:nvGrpSpPr>
+      <p:grpSpPr>
+        <a:xfrm>
+          <a:off x="0" y="0"/>
+          <a:ext cx="0" cy="0"/>
+          <a:chOff x="0" y="0"/>
+          <a:chExt cx="0" cy="0"/>
+        </a:xfrm>
+      </p:grpSpPr>
+      <p:sp>
+        <p:nvSpPr>
+          <p:cNvPr id="2" name="제목 1">
+            <a:extLst>
+              <a:ext uri="{FF2B5EF4-FFF2-40B4-BE49-F238E27FC236}">
+                <a16:creationId xmlns:a16="http://schemas.microsoft.com/office/drawing/2014/main" id="{E2427E98-ED02-A67A-CFBB-A4DD7C3F10E4}"/>
+              </a:ext>
+            </a:extLst>
+          </p:cNvPr>
+          <p:cNvSpPr>
+            <a:spLocks noGrp="1"/>
+          </p:cNvSpPr>
+          <p:nvPr>
+            <p:ph type="title"/>
+          </p:nvPr>
+        </p:nvSpPr>
+        <p:spPr/>
+        <p:txBody>
+          <a:bodyPr/>
+          <a:lstStyle/>
+          <a:p>
+            <a:r>
+              <a:rPr lang="ko-KR" altLang="en-US"/>
+              <a:t>플레이 방식</a:t>
+            </a:r>
+          </a:p>
+        </p:txBody>
+      </p:sp>
+      <p:sp>
+        <p:nvSpPr>
+          <p:cNvPr id="3" name="내용 개체 틀 2">
+            <a:extLst>
+              <a:ext uri="{FF2B5EF4-FFF2-40B4-BE49-F238E27FC236}">
+                <a16:creationId xmlns:a16="http://schemas.microsoft.com/office/drawing/2014/main" id="{DCA3CD8C-E27B-ECE4-FBE5-0ACE4CC53AAC}"/>
+              </a:ext>
+            </a:extLst>
+          </p:cNvPr>
+          <p:cNvSpPr>
+            <a:spLocks noGrp="1"/>
+          </p:cNvSpPr>
+          <p:nvPr>
+            <p:ph idx="1"/>
+          </p:nvPr>
+        </p:nvSpPr>
+        <p:spPr/>
+        <p:txBody>
+          <a:bodyPr/>
+          <a:lstStyle/>
+          <a:p>
+            <a:r>
+              <a:rPr lang="ko-KR" altLang="en-US"/>
+              <a:t>멀티플레이</a:t>
+            </a:r>
+            <a:r>
+              <a:rPr lang="en-US" altLang="ko-KR"/>
+              <a:t>(‘</a:t>
+            </a:r>
+            <a:r>
+              <a:rPr lang="ko-KR" altLang="en-US"/>
+              <a:t>멀티 기능</a:t>
+            </a:r>
+            <a:r>
+              <a:rPr lang="en-US" altLang="ko-KR"/>
+              <a:t>’</a:t>
+            </a:r>
+            <a:r>
+              <a:rPr lang="ko-KR" altLang="en-US"/>
+              <a:t> 페이지 참고</a:t>
+            </a:r>
+            <a:r>
+              <a:rPr lang="en-US" altLang="ko-KR"/>
+              <a:t>)</a:t>
+            </a:r>
+            <a:r>
+              <a:rPr lang="ko-KR" altLang="en-US"/>
+              <a:t> 최대 </a:t>
+            </a:r>
+            <a:r>
+              <a:rPr lang="en-US" altLang="ko-KR"/>
+              <a:t>4</a:t>
+            </a:r>
+            <a:r>
+              <a:rPr lang="ko-KR" altLang="en-US"/>
+              <a:t>인까지 지원할 예정</a:t>
+            </a:r>
+            <a:endParaRPr lang="en-US" altLang="ko-KR"/>
+          </a:p>
+          <a:p>
+            <a:endParaRPr lang="en-US" altLang="ko-KR"/>
+          </a:p>
+          <a:p>
+            <a:r>
+              <a:rPr lang="ko-KR" altLang="en-US"/>
+              <a:t>기본적인 파밍 게임</a:t>
+            </a:r>
+            <a:endParaRPr lang="en-US" altLang="ko-KR"/>
+          </a:p>
+          <a:p>
+            <a:r>
+              <a:rPr lang="ko-KR" altLang="en-US"/>
+              <a:t>스킬이나 무기 등을 파밍해서 계속 교체할 수 있도록</a:t>
+            </a:r>
+            <a:endParaRPr lang="en-US" altLang="ko-KR"/>
+          </a:p>
+          <a:p>
+            <a:r>
+              <a:rPr lang="ko-KR" altLang="en-US"/>
+              <a:t>제작 시스템을 통해 필요한 아이템을 시간만 있으면 파밍 가능</a:t>
+            </a:r>
+            <a:endParaRPr lang="en-US" altLang="ko-KR"/>
+          </a:p>
+          <a:p>
+            <a:endParaRPr lang="ko-KR" altLang="en-US"/>
+          </a:p>
+        </p:txBody>
+      </p:sp>
+    </p:spTree>
+    <p:extLst>
+      <p:ext uri="{BB962C8B-B14F-4D97-AF65-F5344CB8AC3E}">
+        <p14:creationId xmlns:p14="http://schemas.microsoft.com/office/powerpoint/2010/main" val="2150561652"/>
+      </p:ext>
+    </p:extLst>
+  </p:cSld>
+  <p:clrMapOvr>
+    <a:masterClrMapping/>
+  </p:clrMapOvr>
+</p:sld>
+</file>
+
+<file path=ppt/slides/slide3.xml><?xml version="1.0" encoding="utf-8"?>
+<p:sld xmlns:a="http://schemas.openxmlformats.org/drawingml/2006/main" xmlns:r="http://schemas.openxmlformats.org/officeDocument/2006/relationships" xmlns:p="http://schemas.openxmlformats.org/presentationml/2006/main">
+  <p:cSld>
+    <p:spTree>
+      <p:nvGrpSpPr>
+        <p:cNvPr id="1" name=""/>
+        <p:cNvGrpSpPr/>
+        <p:nvPr/>
+      </p:nvGrpSpPr>
+      <p:grpSpPr>
+        <a:xfrm>
+          <a:off x="0" y="0"/>
+          <a:ext cx="0" cy="0"/>
+          <a:chOff x="0" y="0"/>
+          <a:chExt cx="0" cy="0"/>
+        </a:xfrm>
+      </p:grpSpPr>
+      <p:sp>
+        <p:nvSpPr>
+          <p:cNvPr id="2" name="제목 1">
+            <a:extLst>
+              <a:ext uri="{FF2B5EF4-FFF2-40B4-BE49-F238E27FC236}">
+                <a16:creationId xmlns:a16="http://schemas.microsoft.com/office/drawing/2014/main" id="{97E5CB7C-7890-A5AB-C682-8C4AF91C23A0}"/>
+              </a:ext>
+            </a:extLst>
+          </p:cNvPr>
+          <p:cNvSpPr>
+            <a:spLocks noGrp="1"/>
+          </p:cNvSpPr>
+          <p:nvPr>
+            <p:ph type="title"/>
+          </p:nvPr>
+        </p:nvSpPr>
+        <p:spPr/>
+        <p:txBody>
+          <a:bodyPr/>
+          <a:lstStyle/>
+          <a:p>
+            <a:r>
+              <a:rPr lang="ko-KR" altLang="en-US"/>
+              <a:t>멀티 기능</a:t>
+            </a:r>
+          </a:p>
+        </p:txBody>
+      </p:sp>
+      <p:sp>
+        <p:nvSpPr>
+          <p:cNvPr id="3" name="내용 개체 틀 2">
+            <a:extLst>
+              <a:ext uri="{FF2B5EF4-FFF2-40B4-BE49-F238E27FC236}">
+                <a16:creationId xmlns:a16="http://schemas.microsoft.com/office/drawing/2014/main" id="{9D1EE837-81BD-2539-DEFB-450BAE5DCE51}"/>
+              </a:ext>
+            </a:extLst>
+          </p:cNvPr>
+          <p:cNvSpPr>
+            <a:spLocks noGrp="1"/>
+          </p:cNvSpPr>
+          <p:nvPr>
+            <p:ph idx="1"/>
+          </p:nvPr>
+        </p:nvSpPr>
+        <p:spPr/>
+        <p:txBody>
+          <a:bodyPr/>
+          <a:lstStyle/>
+          <a:p>
+            <a:r>
+              <a:rPr lang="ko-KR" altLang="en-US"/>
+              <a:t>싱글 플레이는 그냥 싱글 접속</a:t>
+            </a:r>
+            <a:endParaRPr lang="en-US" altLang="ko-KR"/>
+          </a:p>
+          <a:p>
+            <a:endParaRPr lang="en-US" altLang="ko-KR"/>
+          </a:p>
+          <a:p>
+            <a:r>
+              <a:rPr lang="ko-KR" altLang="en-US"/>
+              <a:t>멀티 플레이 시 메인화면에서 멀티 플레이 버튼으로 </a:t>
+            </a:r>
+            <a:r>
+              <a:rPr lang="en-US" altLang="ko-KR"/>
+              <a:t>IP</a:t>
+            </a:r>
+            <a:r>
+              <a:rPr lang="ko-KR" altLang="en-US"/>
+              <a:t>를 통해 접속 가능하게 설정</a:t>
+            </a:r>
+            <a:endParaRPr lang="en-US" altLang="ko-KR"/>
+          </a:p>
+          <a:p>
+            <a:r>
+              <a:rPr lang="ko-KR" altLang="en-US"/>
+              <a:t>이후</a:t>
+            </a:r>
+            <a:r>
+              <a:rPr lang="en-US" altLang="ko-KR"/>
+              <a:t>, </a:t>
+            </a:r>
+            <a:r>
+              <a:rPr lang="ko-KR" altLang="en-US"/>
+              <a:t>싱글 플레이 버튼이 멀티 플레이 버튼으로 변경</a:t>
+            </a:r>
+            <a:endParaRPr lang="en-US" altLang="ko-KR"/>
+          </a:p>
+          <a:p>
+            <a:endParaRPr lang="en-US" altLang="ko-KR"/>
+          </a:p>
+          <a:p>
+            <a:r>
+              <a:rPr lang="ko-KR" altLang="en-US"/>
+              <a:t>멀티 플레이 시 연결 확인을 위해 메인 로비에서 접속을 확인할 수 있는 캐릭터나 리스트를 배치</a:t>
+            </a:r>
+            <a:endParaRPr lang="en-US" altLang="ko-KR"/>
+          </a:p>
+        </p:txBody>
+      </p:sp>
+    </p:spTree>
+    <p:extLst>
+      <p:ext uri="{BB962C8B-B14F-4D97-AF65-F5344CB8AC3E}">
+        <p14:creationId xmlns:p14="http://schemas.microsoft.com/office/powerpoint/2010/main" val="2244918747"/>
+      </p:ext>
+    </p:extLst>
+  </p:cSld>
+  <p:clrMapOvr>
+    <a:masterClrMapping/>
+  </p:clrMapOvr>
+</p:sld>
+</file>
+
+<file path=ppt/slides/slide4.xml><?xml version="1.0" encoding="utf-8"?>
 <p:sld xmlns:a="http://schemas.openxmlformats.org/drawingml/2006/main" xmlns:r="http://schemas.openxmlformats.org/officeDocument/2006/relationships" xmlns:p="http://schemas.openxmlformats.org/presentationml/2006/main">
   <p:cSld>
     <p:spTree>
@@ -4070,7 +4347,7 @@
 </p:sld>
 </file>
 
-<file path=ppt/slides/slide3.xml><?xml version="1.0" encoding="utf-8"?>
+<file path=ppt/slides/slide5.xml><?xml version="1.0" encoding="utf-8"?>
 <p:sld xmlns:a="http://schemas.openxmlformats.org/drawingml/2006/main" xmlns:r="http://schemas.openxmlformats.org/officeDocument/2006/relationships" xmlns:p="http://schemas.openxmlformats.org/presentationml/2006/main">
   <p:cSld>
     <p:spTree>
@@ -4216,104 +4493,6 @@
     <p:extLst>
       <p:ext uri="{BB962C8B-B14F-4D97-AF65-F5344CB8AC3E}">
         <p14:creationId xmlns:p14="http://schemas.microsoft.com/office/powerpoint/2010/main" val="1072723134"/>
-      </p:ext>
-    </p:extLst>
-  </p:cSld>
-  <p:clrMapOvr>
-    <a:masterClrMapping/>
-  </p:clrMapOvr>
-</p:sld>
-</file>
-
-<file path=ppt/slides/slide4.xml><?xml version="1.0" encoding="utf-8"?>
-<p:sld xmlns:a="http://schemas.openxmlformats.org/drawingml/2006/main" xmlns:r="http://schemas.openxmlformats.org/officeDocument/2006/relationships" xmlns:p="http://schemas.openxmlformats.org/presentationml/2006/main">
-  <p:cSld>
-    <p:spTree>
-      <p:nvGrpSpPr>
-        <p:cNvPr id="1" name=""/>
-        <p:cNvGrpSpPr/>
-        <p:nvPr/>
-      </p:nvGrpSpPr>
-      <p:grpSpPr>
-        <a:xfrm>
-          <a:off x="0" y="0"/>
-          <a:ext cx="0" cy="0"/>
-          <a:chOff x="0" y="0"/>
-          <a:chExt cx="0" cy="0"/>
-        </a:xfrm>
-      </p:grpSpPr>
-      <p:sp>
-        <p:nvSpPr>
-          <p:cNvPr id="2" name="제목 1">
-            <a:extLst>
-              <a:ext uri="{FF2B5EF4-FFF2-40B4-BE49-F238E27FC236}">
-                <a16:creationId xmlns:a16="http://schemas.microsoft.com/office/drawing/2014/main" id="{E2427E98-ED02-A67A-CFBB-A4DD7C3F10E4}"/>
-              </a:ext>
-            </a:extLst>
-          </p:cNvPr>
-          <p:cNvSpPr>
-            <a:spLocks noGrp="1"/>
-          </p:cNvSpPr>
-          <p:nvPr>
-            <p:ph type="title"/>
-          </p:nvPr>
-        </p:nvSpPr>
-        <p:spPr/>
-        <p:txBody>
-          <a:bodyPr/>
-          <a:lstStyle/>
-          <a:p>
-            <a:r>
-              <a:rPr lang="ko-KR" altLang="en-US"/>
-              <a:t>플레이 방식</a:t>
-            </a:r>
-          </a:p>
-        </p:txBody>
-      </p:sp>
-      <p:sp>
-        <p:nvSpPr>
-          <p:cNvPr id="3" name="내용 개체 틀 2">
-            <a:extLst>
-              <a:ext uri="{FF2B5EF4-FFF2-40B4-BE49-F238E27FC236}">
-                <a16:creationId xmlns:a16="http://schemas.microsoft.com/office/drawing/2014/main" id="{DCA3CD8C-E27B-ECE4-FBE5-0ACE4CC53AAC}"/>
-              </a:ext>
-            </a:extLst>
-          </p:cNvPr>
-          <p:cNvSpPr>
-            <a:spLocks noGrp="1"/>
-          </p:cNvSpPr>
-          <p:nvPr>
-            <p:ph idx="1"/>
-          </p:nvPr>
-        </p:nvSpPr>
-        <p:spPr/>
-        <p:txBody>
-          <a:bodyPr/>
-          <a:lstStyle/>
-          <a:p>
-            <a:r>
-              <a:rPr lang="ko-KR" altLang="en-US"/>
-              <a:t>멀티플레이 최대 </a:t>
-            </a:r>
-            <a:r>
-              <a:rPr lang="en-US" altLang="ko-KR"/>
-              <a:t>4</a:t>
-            </a:r>
-            <a:r>
-              <a:rPr lang="ko-KR" altLang="en-US"/>
-              <a:t>인까지 지원할 예정</a:t>
-            </a:r>
-            <a:endParaRPr lang="en-US" altLang="ko-KR"/>
-          </a:p>
-          <a:p>
-            <a:endParaRPr lang="ko-KR" altLang="en-US"/>
-          </a:p>
-        </p:txBody>
-      </p:sp>
-    </p:spTree>
-    <p:extLst>
-      <p:ext uri="{BB962C8B-B14F-4D97-AF65-F5344CB8AC3E}">
-        <p14:creationId xmlns:p14="http://schemas.microsoft.com/office/powerpoint/2010/main" val="2150561652"/>
       </p:ext>
     </p:extLst>
   </p:cSld>

--- a/기획.pptx
+++ b/기획.pptx
@@ -10,6 +10,10 @@
     <p:sldId id="260" r:id="rId4"/>
     <p:sldId id="257" r:id="rId5"/>
     <p:sldId id="258" r:id="rId6"/>
+    <p:sldId id="261" r:id="rId7"/>
+    <p:sldId id="263" r:id="rId8"/>
+    <p:sldId id="262" r:id="rId9"/>
+    <p:sldId id="264" r:id="rId10"/>
   </p:sldIdLst>
   <p:sldSz cx="12192000" cy="6858000"/>
   <p:notesSz cx="6858000" cy="9144000"/>
@@ -263,7 +267,7 @@
           <a:p>
             <a:fld id="{1F5B2CD7-1D02-4F95-AC7E-28E06A73A4DB}" type="datetimeFigureOut">
               <a:rPr lang="ko-KR" altLang="en-US" smtClean="0"/>
-              <a:t>2026-01-18</a:t>
+              <a:t>2026-01-19</a:t>
             </a:fld>
             <a:endParaRPr lang="ko-KR" altLang="en-US"/>
           </a:p>
@@ -461,7 +465,7 @@
           <a:p>
             <a:fld id="{1F5B2CD7-1D02-4F95-AC7E-28E06A73A4DB}" type="datetimeFigureOut">
               <a:rPr lang="ko-KR" altLang="en-US" smtClean="0"/>
-              <a:t>2026-01-18</a:t>
+              <a:t>2026-01-19</a:t>
             </a:fld>
             <a:endParaRPr lang="ko-KR" altLang="en-US"/>
           </a:p>
@@ -669,7 +673,7 @@
           <a:p>
             <a:fld id="{1F5B2CD7-1D02-4F95-AC7E-28E06A73A4DB}" type="datetimeFigureOut">
               <a:rPr lang="ko-KR" altLang="en-US" smtClean="0"/>
-              <a:t>2026-01-18</a:t>
+              <a:t>2026-01-19</a:t>
             </a:fld>
             <a:endParaRPr lang="ko-KR" altLang="en-US"/>
           </a:p>
@@ -867,7 +871,7 @@
           <a:p>
             <a:fld id="{1F5B2CD7-1D02-4F95-AC7E-28E06A73A4DB}" type="datetimeFigureOut">
               <a:rPr lang="ko-KR" altLang="en-US" smtClean="0"/>
-              <a:t>2026-01-18</a:t>
+              <a:t>2026-01-19</a:t>
             </a:fld>
             <a:endParaRPr lang="ko-KR" altLang="en-US"/>
           </a:p>
@@ -1142,7 +1146,7 @@
           <a:p>
             <a:fld id="{1F5B2CD7-1D02-4F95-AC7E-28E06A73A4DB}" type="datetimeFigureOut">
               <a:rPr lang="ko-KR" altLang="en-US" smtClean="0"/>
-              <a:t>2026-01-18</a:t>
+              <a:t>2026-01-19</a:t>
             </a:fld>
             <a:endParaRPr lang="ko-KR" altLang="en-US"/>
           </a:p>
@@ -1407,7 +1411,7 @@
           <a:p>
             <a:fld id="{1F5B2CD7-1D02-4F95-AC7E-28E06A73A4DB}" type="datetimeFigureOut">
               <a:rPr lang="ko-KR" altLang="en-US" smtClean="0"/>
-              <a:t>2026-01-18</a:t>
+              <a:t>2026-01-19</a:t>
             </a:fld>
             <a:endParaRPr lang="ko-KR" altLang="en-US"/>
           </a:p>
@@ -1819,7 +1823,7 @@
           <a:p>
             <a:fld id="{1F5B2CD7-1D02-4F95-AC7E-28E06A73A4DB}" type="datetimeFigureOut">
               <a:rPr lang="ko-KR" altLang="en-US" smtClean="0"/>
-              <a:t>2026-01-18</a:t>
+              <a:t>2026-01-19</a:t>
             </a:fld>
             <a:endParaRPr lang="ko-KR" altLang="en-US"/>
           </a:p>
@@ -1960,7 +1964,7 @@
           <a:p>
             <a:fld id="{1F5B2CD7-1D02-4F95-AC7E-28E06A73A4DB}" type="datetimeFigureOut">
               <a:rPr lang="ko-KR" altLang="en-US" smtClean="0"/>
-              <a:t>2026-01-18</a:t>
+              <a:t>2026-01-19</a:t>
             </a:fld>
             <a:endParaRPr lang="ko-KR" altLang="en-US"/>
           </a:p>
@@ -2073,7 +2077,7 @@
           <a:p>
             <a:fld id="{1F5B2CD7-1D02-4F95-AC7E-28E06A73A4DB}" type="datetimeFigureOut">
               <a:rPr lang="ko-KR" altLang="en-US" smtClean="0"/>
-              <a:t>2026-01-18</a:t>
+              <a:t>2026-01-19</a:t>
             </a:fld>
             <a:endParaRPr lang="ko-KR" altLang="en-US"/>
           </a:p>
@@ -2384,7 +2388,7 @@
           <a:p>
             <a:fld id="{1F5B2CD7-1D02-4F95-AC7E-28E06A73A4DB}" type="datetimeFigureOut">
               <a:rPr lang="ko-KR" altLang="en-US" smtClean="0"/>
-              <a:t>2026-01-18</a:t>
+              <a:t>2026-01-19</a:t>
             </a:fld>
             <a:endParaRPr lang="ko-KR" altLang="en-US"/>
           </a:p>
@@ -2672,7 +2676,7 @@
           <a:p>
             <a:fld id="{1F5B2CD7-1D02-4F95-AC7E-28E06A73A4DB}" type="datetimeFigureOut">
               <a:rPr lang="ko-KR" altLang="en-US" smtClean="0"/>
-              <a:t>2026-01-18</a:t>
+              <a:t>2026-01-19</a:t>
             </a:fld>
             <a:endParaRPr lang="ko-KR" altLang="en-US"/>
           </a:p>
@@ -2913,7 +2917,7 @@
           <a:p>
             <a:fld id="{1F5B2CD7-1D02-4F95-AC7E-28E06A73A4DB}" type="datetimeFigureOut">
               <a:rPr lang="ko-KR" altLang="en-US" smtClean="0"/>
-              <a:t>2026-01-18</a:t>
+              <a:t>2026-01-19</a:t>
             </a:fld>
             <a:endParaRPr lang="ko-KR" altLang="en-US"/>
           </a:p>
@@ -3755,7 +3759,12 @@
             <p:ph idx="1"/>
           </p:nvPr>
         </p:nvSpPr>
-        <p:spPr/>
+        <p:spPr>
+          <a:xfrm>
+            <a:off x="838200" y="1414808"/>
+            <a:ext cx="10515600" cy="4351338"/>
+          </a:xfrm>
+        </p:spPr>
         <p:txBody>
           <a:bodyPr/>
           <a:lstStyle/>
@@ -3806,14 +3815,14 @@
           <p:nvPr>
             <p:extLst>
               <p:ext uri="{D42A27DB-BD31-4B8C-83A1-F6EECF244321}">
-                <p14:modId xmlns:p14="http://schemas.microsoft.com/office/powerpoint/2010/main" val="2912817641"/>
+                <p14:modId xmlns:p14="http://schemas.microsoft.com/office/powerpoint/2010/main" val="3036952072"/>
               </p:ext>
             </p:extLst>
           </p:nvPr>
         </p:nvGraphicFramePr>
         <p:xfrm>
-          <a:off x="481496" y="3061252"/>
-          <a:ext cx="11379200" cy="3596840"/>
+          <a:off x="118395" y="2670549"/>
+          <a:ext cx="11955209" cy="4145280"/>
         </p:xfrm>
         <a:graphic>
           <a:graphicData uri="http://schemas.openxmlformats.org/drawingml/2006/table">
@@ -3822,28 +3831,28 @@
                 <a:tableStyleId>{5940675A-B579-460E-94D1-54222C63F5DA}</a:tableStyleId>
               </a:tblPr>
               <a:tblGrid>
-                <a:gridCol w="2844800">
+                <a:gridCol w="1386616">
                   <a:extLst>
                     <a:ext uri="{9D8B030D-6E8A-4147-A177-3AD203B41FA5}">
                       <a16:colId xmlns:a16="http://schemas.microsoft.com/office/drawing/2014/main" val="4137378731"/>
                     </a:ext>
                   </a:extLst>
                 </a:gridCol>
-                <a:gridCol w="2844800">
+                <a:gridCol w="1724088">
                   <a:extLst>
                     <a:ext uri="{9D8B030D-6E8A-4147-A177-3AD203B41FA5}">
                       <a16:colId xmlns:a16="http://schemas.microsoft.com/office/drawing/2014/main" val="1793365331"/>
                     </a:ext>
                   </a:extLst>
                 </a:gridCol>
-                <a:gridCol w="1170608">
+                <a:gridCol w="2246122">
                   <a:extLst>
                     <a:ext uri="{9D8B030D-6E8A-4147-A177-3AD203B41FA5}">
                       <a16:colId xmlns:a16="http://schemas.microsoft.com/office/drawing/2014/main" val="2543482971"/>
                     </a:ext>
                   </a:extLst>
                 </a:gridCol>
-                <a:gridCol w="4518992">
+                <a:gridCol w="6598383">
                   <a:extLst>
                     <a:ext uri="{9D8B030D-6E8A-4147-A177-3AD203B41FA5}">
                       <a16:colId xmlns:a16="http://schemas.microsoft.com/office/drawing/2014/main" val="2520717715"/>
@@ -3859,9 +3868,18 @@
                     <a:p>
                       <a:pPr algn="ctr" latinLnBrk="1"/>
                       <a:r>
-                        <a:rPr lang="ko-KR" altLang="en-US" b="0"/>
+                        <a:rPr lang="ko-KR" altLang="en-US" sz="1400" b="0"/>
                         <a:t>캐릭터</a:t>
                       </a:r>
+                      <a:endParaRPr lang="en-US" altLang="ko-KR" sz="1400" b="0"/>
+                    </a:p>
+                    <a:p>
+                      <a:pPr algn="ctr" latinLnBrk="1"/>
+                      <a:r>
+                        <a:rPr lang="en-US" altLang="ko-KR" sz="1400" b="0"/>
+                        <a:t>WeaponBase</a:t>
+                      </a:r>
+                      <a:endParaRPr lang="ko-KR" altLang="en-US" sz="1400" b="0"/>
                     </a:p>
                   </a:txBody>
                   <a:tcPr anchor="ctr"/>
@@ -3873,9 +3891,18 @@
                     <a:p>
                       <a:pPr algn="ctr" latinLnBrk="1"/>
                       <a:r>
-                        <a:rPr lang="ko-KR" altLang="en-US" b="0"/>
+                        <a:rPr lang="ko-KR" altLang="en-US" sz="1600" b="0"/>
                         <a:t>장검</a:t>
                       </a:r>
+                      <a:endParaRPr lang="en-US" altLang="ko-KR" sz="1600" b="0"/>
+                    </a:p>
+                    <a:p>
+                      <a:pPr algn="ctr" latinLnBrk="1"/>
+                      <a:r>
+                        <a:rPr lang="en-US" altLang="ko-KR" sz="1600" b="0"/>
+                        <a:t>LongswordBase</a:t>
+                      </a:r>
+                      <a:endParaRPr lang="ko-KR" altLang="en-US" sz="1600" b="0"/>
                     </a:p>
                   </a:txBody>
                   <a:tcPr anchor="ctr"/>
@@ -3887,9 +3914,18 @@
                     <a:p>
                       <a:pPr algn="ctr" latinLnBrk="1"/>
                       <a:r>
-                        <a:rPr lang="ko-KR" altLang="en-US" b="0"/>
+                        <a:rPr lang="ko-KR" altLang="en-US" sz="1400" b="0"/>
                         <a:t>무사</a:t>
                       </a:r>
+                      <a:endParaRPr lang="en-US" altLang="ko-KR" sz="1400" b="0"/>
+                    </a:p>
+                    <a:p>
+                      <a:pPr algn="ctr" latinLnBrk="1"/>
+                      <a:r>
+                        <a:rPr lang="en-US" altLang="ko-KR" sz="1400"/>
+                        <a:t>Knight</a:t>
+                      </a:r>
+                      <a:endParaRPr lang="ko-KR" altLang="en-US" sz="1400" b="0"/>
                     </a:p>
                   </a:txBody>
                   <a:tcPr anchor="ctr"/>
@@ -3944,9 +3980,18 @@
                     <a:p>
                       <a:pPr algn="ctr" latinLnBrk="1"/>
                       <a:r>
-                        <a:rPr lang="ko-KR" altLang="en-US" b="0"/>
+                        <a:rPr lang="ko-KR" altLang="en-US" sz="1400" b="0"/>
                         <a:t>수호자</a:t>
                       </a:r>
+                      <a:endParaRPr lang="en-US" altLang="ko-KR" sz="1400" b="0"/>
+                    </a:p>
+                    <a:p>
+                      <a:pPr algn="ctr" latinLnBrk="1"/>
+                      <a:r>
+                        <a:rPr lang="en-US" altLang="ko-KR" sz="1400"/>
+                        <a:t>Guardian</a:t>
+                      </a:r>
+                      <a:endParaRPr lang="ko-KR" altLang="en-US" sz="1400" b="0"/>
                     </a:p>
                   </a:txBody>
                   <a:tcPr anchor="ctr"/>
@@ -3990,9 +4035,18 @@
                     <a:p>
                       <a:pPr algn="ctr" latinLnBrk="1"/>
                       <a:r>
-                        <a:rPr lang="ko-KR" altLang="en-US" b="0"/>
+                        <a:rPr lang="ko-KR" altLang="en-US" sz="1600" b="0"/>
                         <a:t>활</a:t>
                       </a:r>
+                      <a:endParaRPr lang="en-US" altLang="ko-KR" sz="1600" b="0"/>
+                    </a:p>
+                    <a:p>
+                      <a:pPr algn="ctr" latinLnBrk="1"/>
+                      <a:r>
+                        <a:rPr lang="en-US" altLang="ko-KR" sz="1600" b="0"/>
+                        <a:t>BowBase</a:t>
+                      </a:r>
+                      <a:endParaRPr lang="ko-KR" altLang="en-US" sz="1600" b="0"/>
                     </a:p>
                   </a:txBody>
                   <a:tcPr anchor="ctr"/>
@@ -4004,9 +4058,18 @@
                     <a:p>
                       <a:pPr algn="ctr" latinLnBrk="1"/>
                       <a:r>
-                        <a:rPr lang="ko-KR" altLang="en-US" b="0"/>
+                        <a:rPr lang="ko-KR" altLang="en-US" sz="1400" b="0"/>
                         <a:t>장궁</a:t>
                       </a:r>
+                      <a:endParaRPr lang="en-US" altLang="ko-KR" sz="1400" b="0"/>
+                    </a:p>
+                    <a:p>
+                      <a:pPr algn="ctr" latinLnBrk="1"/>
+                      <a:r>
+                        <a:rPr lang="en-US" altLang="ko-KR" sz="1400"/>
+                        <a:t>Longbow</a:t>
+                      </a:r>
+                      <a:endParaRPr lang="ko-KR" altLang="en-US" sz="1400" b="0"/>
                     </a:p>
                   </a:txBody>
                   <a:tcPr anchor="ctr"/>
@@ -4069,9 +4132,18 @@
                     <a:p>
                       <a:pPr algn="ctr" latinLnBrk="1"/>
                       <a:r>
-                        <a:rPr lang="ko-KR" altLang="en-US" b="0"/>
+                        <a:rPr lang="ko-KR" altLang="en-US" sz="1400" b="0"/>
                         <a:t>단궁</a:t>
                       </a:r>
+                      <a:endParaRPr lang="en-US" altLang="ko-KR" sz="1400" b="0"/>
+                    </a:p>
+                    <a:p>
+                      <a:pPr algn="ctr" latinLnBrk="1"/>
+                      <a:r>
+                        <a:rPr lang="en-US" altLang="ko-KR" sz="1400"/>
+                        <a:t>Shortbow</a:t>
+                      </a:r>
+                      <a:endParaRPr lang="ko-KR" altLang="en-US" sz="1400" b="0"/>
                     </a:p>
                   </a:txBody>
                   <a:tcPr anchor="ctr"/>
@@ -4115,9 +4187,18 @@
                     <a:p>
                       <a:pPr algn="ctr" latinLnBrk="1"/>
                       <a:r>
-                        <a:rPr lang="ko-KR" altLang="en-US" b="0"/>
+                        <a:rPr lang="ko-KR" altLang="en-US" sz="1600" b="0"/>
                         <a:t>스태프</a:t>
                       </a:r>
+                      <a:endParaRPr lang="en-US" altLang="ko-KR" sz="1600" b="0"/>
+                    </a:p>
+                    <a:p>
+                      <a:pPr algn="ctr" latinLnBrk="1"/>
+                      <a:r>
+                        <a:rPr lang="en-US" altLang="ko-KR" sz="1600" b="0"/>
+                        <a:t>MageBase</a:t>
+                      </a:r>
+                      <a:endParaRPr lang="ko-KR" altLang="en-US" sz="1600" b="0"/>
                     </a:p>
                   </a:txBody>
                   <a:tcPr anchor="ctr"/>
@@ -4129,9 +4210,18 @@
                     <a:p>
                       <a:pPr algn="ctr" latinLnBrk="1"/>
                       <a:r>
-                        <a:rPr lang="ko-KR" altLang="en-US" b="0"/>
+                        <a:rPr lang="ko-KR" altLang="en-US" sz="1400" b="0"/>
                         <a:t>마법사</a:t>
                       </a:r>
+                      <a:endParaRPr lang="en-US" altLang="ko-KR" sz="1400" b="0"/>
+                    </a:p>
+                    <a:p>
+                      <a:pPr algn="ctr" latinLnBrk="1"/>
+                      <a:r>
+                        <a:rPr lang="en-US" altLang="ko-KR" sz="1400"/>
+                        <a:t>Mage</a:t>
+                      </a:r>
+                      <a:endParaRPr lang="ko-KR" altLang="en-US" sz="1400" b="0"/>
                     </a:p>
                   </a:txBody>
                   <a:tcPr anchor="ctr"/>
@@ -4186,9 +4276,18 @@
                     <a:p>
                       <a:pPr algn="ctr" latinLnBrk="1"/>
                       <a:r>
-                        <a:rPr lang="ko-KR" altLang="en-US" b="0"/>
+                        <a:rPr lang="ko-KR" altLang="en-US" sz="1400" b="0"/>
                         <a:t>백마법사</a:t>
                       </a:r>
+                      <a:endParaRPr lang="en-US" altLang="ko-KR" sz="1400" b="0"/>
+                    </a:p>
+                    <a:p>
+                      <a:pPr algn="ctr" latinLnBrk="1"/>
+                      <a:r>
+                        <a:rPr lang="en-US" altLang="ko-KR" sz="1400"/>
+                        <a:t>Whitemage</a:t>
+                      </a:r>
+                      <a:endParaRPr lang="ko-KR" altLang="en-US" sz="1400" b="0"/>
                     </a:p>
                   </a:txBody>
                   <a:tcPr anchor="ctr"/>
@@ -4232,9 +4331,18 @@
                     <a:p>
                       <a:pPr algn="ctr" latinLnBrk="1"/>
                       <a:r>
-                        <a:rPr lang="ko-KR" altLang="en-US" b="0"/>
+                        <a:rPr lang="ko-KR" altLang="en-US" sz="1600" b="0"/>
                         <a:t>단검</a:t>
                       </a:r>
+                      <a:endParaRPr lang="en-US" altLang="ko-KR" sz="1600" b="0"/>
+                    </a:p>
+                    <a:p>
+                      <a:pPr algn="ctr" latinLnBrk="1"/>
+                      <a:r>
+                        <a:rPr lang="en-US" altLang="ko-KR" sz="1600" b="0"/>
+                        <a:t>ShortswordBase</a:t>
+                      </a:r>
+                      <a:endParaRPr lang="ko-KR" altLang="en-US" sz="1600" b="0"/>
                     </a:p>
                   </a:txBody>
                   <a:tcPr anchor="ctr"/>
@@ -4246,9 +4354,18 @@
                     <a:p>
                       <a:pPr algn="ctr" latinLnBrk="1"/>
                       <a:r>
-                        <a:rPr lang="ko-KR" altLang="en-US" b="0"/>
+                        <a:rPr lang="ko-KR" altLang="en-US" sz="1400" b="0"/>
                         <a:t>암살자</a:t>
                       </a:r>
+                      <a:endParaRPr lang="en-US" altLang="ko-KR" sz="1400" b="0"/>
+                    </a:p>
+                    <a:p>
+                      <a:pPr algn="ctr" latinLnBrk="1"/>
+                      <a:r>
+                        <a:rPr lang="en-US" altLang="ko-KR" sz="1400"/>
+                        <a:t>Assassin</a:t>
+                      </a:r>
+                      <a:endParaRPr lang="ko-KR" altLang="en-US" sz="1400" b="0"/>
                     </a:p>
                   </a:txBody>
                   <a:tcPr anchor="ctr"/>
@@ -4303,9 +4420,18 @@
                     <a:p>
                       <a:pPr algn="ctr" latinLnBrk="1"/>
                       <a:r>
-                        <a:rPr lang="ko-KR" altLang="en-US" b="0"/>
+                        <a:rPr lang="ko-KR" altLang="en-US" sz="1400" b="0"/>
                         <a:t>투척수</a:t>
                       </a:r>
+                      <a:endParaRPr lang="en-US" altLang="ko-KR" sz="1400" b="0"/>
+                    </a:p>
+                    <a:p>
+                      <a:pPr algn="ctr" latinLnBrk="1"/>
+                      <a:r>
+                        <a:rPr lang="en-US" altLang="ko-KR" sz="1400"/>
+                        <a:t>Thrower</a:t>
+                      </a:r>
+                      <a:endParaRPr lang="ko-KR" altLang="en-US" sz="1400" b="0"/>
                     </a:p>
                   </a:txBody>
                   <a:tcPr anchor="ctr"/>
@@ -4493,6 +4619,2175 @@
     <p:extLst>
       <p:ext uri="{BB962C8B-B14F-4D97-AF65-F5344CB8AC3E}">
         <p14:creationId xmlns:p14="http://schemas.microsoft.com/office/powerpoint/2010/main" val="1072723134"/>
+      </p:ext>
+    </p:extLst>
+  </p:cSld>
+  <p:clrMapOvr>
+    <a:masterClrMapping/>
+  </p:clrMapOvr>
+</p:sld>
+</file>
+
+<file path=ppt/slides/slide6.xml><?xml version="1.0" encoding="utf-8"?>
+<p:sld xmlns:a="http://schemas.openxmlformats.org/drawingml/2006/main" xmlns:r="http://schemas.openxmlformats.org/officeDocument/2006/relationships" xmlns:p="http://schemas.openxmlformats.org/presentationml/2006/main">
+  <p:cSld>
+    <p:spTree>
+      <p:nvGrpSpPr>
+        <p:cNvPr id="1" name=""/>
+        <p:cNvGrpSpPr/>
+        <p:nvPr/>
+      </p:nvGrpSpPr>
+      <p:grpSpPr>
+        <a:xfrm>
+          <a:off x="0" y="0"/>
+          <a:ext cx="0" cy="0"/>
+          <a:chOff x="0" y="0"/>
+          <a:chExt cx="0" cy="0"/>
+        </a:xfrm>
+      </p:grpSpPr>
+      <p:sp>
+        <p:nvSpPr>
+          <p:cNvPr id="2" name="제목 1">
+            <a:extLst>
+              <a:ext uri="{FF2B5EF4-FFF2-40B4-BE49-F238E27FC236}">
+                <a16:creationId xmlns:a16="http://schemas.microsoft.com/office/drawing/2014/main" id="{EFC94268-71D3-04E2-ACBD-1EDC90CB67F3}"/>
+              </a:ext>
+            </a:extLst>
+          </p:cNvPr>
+          <p:cNvSpPr>
+            <a:spLocks noGrp="1"/>
+          </p:cNvSpPr>
+          <p:nvPr>
+            <p:ph type="title"/>
+          </p:nvPr>
+        </p:nvSpPr>
+        <p:spPr/>
+        <p:txBody>
+          <a:bodyPr/>
+          <a:lstStyle/>
+          <a:p>
+            <a:r>
+              <a:rPr lang="ko-KR" altLang="en-US"/>
+              <a:t>무기 밸런스</a:t>
+            </a:r>
+          </a:p>
+        </p:txBody>
+      </p:sp>
+      <p:graphicFrame>
+        <p:nvGraphicFramePr>
+          <p:cNvPr id="4" name="내용 개체 틀 3">
+            <a:extLst>
+              <a:ext uri="{FF2B5EF4-FFF2-40B4-BE49-F238E27FC236}">
+                <a16:creationId xmlns:a16="http://schemas.microsoft.com/office/drawing/2014/main" id="{A8D341AF-F096-A924-5EBE-54CA720F5605}"/>
+              </a:ext>
+            </a:extLst>
+          </p:cNvPr>
+          <p:cNvGraphicFramePr>
+            <a:graphicFrameLocks noGrp="1"/>
+          </p:cNvGraphicFramePr>
+          <p:nvPr>
+            <p:ph idx="1"/>
+            <p:extLst>
+              <p:ext uri="{D42A27DB-BD31-4B8C-83A1-F6EECF244321}">
+                <p14:modId xmlns:p14="http://schemas.microsoft.com/office/powerpoint/2010/main" val="1869764236"/>
+              </p:ext>
+            </p:extLst>
+          </p:nvPr>
+        </p:nvGraphicFramePr>
+        <p:xfrm>
+          <a:off x="80968" y="2292625"/>
+          <a:ext cx="10166075" cy="4364790"/>
+        </p:xfrm>
+        <a:graphic>
+          <a:graphicData uri="http://schemas.openxmlformats.org/drawingml/2006/table">
+            <a:tbl>
+              <a:tblPr firstRow="1" bandRow="1">
+                <a:tableStyleId>{5940675A-B579-460E-94D1-54222C63F5DA}</a:tableStyleId>
+              </a:tblPr>
+              <a:tblGrid>
+                <a:gridCol w="1178243">
+                  <a:extLst>
+                    <a:ext uri="{9D8B030D-6E8A-4147-A177-3AD203B41FA5}">
+                      <a16:colId xmlns:a16="http://schemas.microsoft.com/office/drawing/2014/main" val="2543482971"/>
+                    </a:ext>
+                  </a:extLst>
+                </a:gridCol>
+                <a:gridCol w="2995944">
+                  <a:extLst>
+                    <a:ext uri="{9D8B030D-6E8A-4147-A177-3AD203B41FA5}">
+                      <a16:colId xmlns:a16="http://schemas.microsoft.com/office/drawing/2014/main" val="3169210629"/>
+                    </a:ext>
+                  </a:extLst>
+                </a:gridCol>
+                <a:gridCol w="2995944">
+                  <a:extLst>
+                    <a:ext uri="{9D8B030D-6E8A-4147-A177-3AD203B41FA5}">
+                      <a16:colId xmlns:a16="http://schemas.microsoft.com/office/drawing/2014/main" val="2520717715"/>
+                    </a:ext>
+                  </a:extLst>
+                </a:gridCol>
+                <a:gridCol w="2995944">
+                  <a:extLst>
+                    <a:ext uri="{9D8B030D-6E8A-4147-A177-3AD203B41FA5}">
+                      <a16:colId xmlns:a16="http://schemas.microsoft.com/office/drawing/2014/main" val="3724777920"/>
+                    </a:ext>
+                  </a:extLst>
+                </a:gridCol>
+              </a:tblGrid>
+              <a:tr h="476755">
+                <a:tc>
+                  <a:txBody>
+                    <a:bodyPr/>
+                    <a:lstStyle/>
+                    <a:p>
+                      <a:pPr algn="ctr" latinLnBrk="1"/>
+                      <a:endParaRPr lang="ko-KR" altLang="en-US" b="0"/>
+                    </a:p>
+                  </a:txBody>
+                  <a:tcPr anchor="ctr"/>
+                </a:tc>
+                <a:tc>
+                  <a:txBody>
+                    <a:bodyPr/>
+                    <a:lstStyle/>
+                    <a:p>
+                      <a:pPr algn="ctr" latinLnBrk="1"/>
+                      <a:r>
+                        <a:rPr lang="ko-KR" altLang="en-US" b="0"/>
+                        <a:t>체력 계수</a:t>
+                      </a:r>
+                    </a:p>
+                  </a:txBody>
+                  <a:tcPr anchor="ctr"/>
+                </a:tc>
+                <a:tc>
+                  <a:txBody>
+                    <a:bodyPr/>
+                    <a:lstStyle/>
+                    <a:p>
+                      <a:pPr algn="ctr" latinLnBrk="1"/>
+                      <a:r>
+                        <a:rPr lang="ko-KR" altLang="en-US" b="0"/>
+                        <a:t>공격력 계수</a:t>
+                      </a:r>
+                    </a:p>
+                  </a:txBody>
+                  <a:tcPr anchor="ctr"/>
+                </a:tc>
+                <a:tc>
+                  <a:txBody>
+                    <a:bodyPr/>
+                    <a:lstStyle/>
+                    <a:p>
+                      <a:pPr algn="ctr" latinLnBrk="1"/>
+                      <a:r>
+                        <a:rPr lang="ko-KR" altLang="en-US" b="0"/>
+                        <a:t>공격속도</a:t>
+                      </a:r>
+                      <a:r>
+                        <a:rPr lang="en-US" altLang="ko-KR" b="0"/>
+                        <a:t>/</a:t>
+                      </a:r>
+                      <a:r>
+                        <a:rPr lang="ko-KR" altLang="en-US" b="0"/>
+                        <a:t>쿨타임 계수</a:t>
+                      </a:r>
+                    </a:p>
+                  </a:txBody>
+                  <a:tcPr anchor="ctr"/>
+                </a:tc>
+                <a:extLst>
+                  <a:ext uri="{0D108BD9-81ED-4DB2-BD59-A6C34878D82A}">
+                    <a16:rowId xmlns:a16="http://schemas.microsoft.com/office/drawing/2014/main" val="905536201"/>
+                  </a:ext>
+                </a:extLst>
+              </a:tr>
+              <a:tr h="476755">
+                <a:tc>
+                  <a:txBody>
+                    <a:bodyPr/>
+                    <a:lstStyle/>
+                    <a:p>
+                      <a:pPr algn="ctr" latinLnBrk="1"/>
+                      <a:r>
+                        <a:rPr lang="ko-KR" altLang="en-US" b="0"/>
+                        <a:t>무사</a:t>
+                      </a:r>
+                    </a:p>
+                  </a:txBody>
+                  <a:tcPr anchor="ctr"/>
+                </a:tc>
+                <a:tc>
+                  <a:txBody>
+                    <a:bodyPr/>
+                    <a:lstStyle/>
+                    <a:p>
+                      <a:pPr algn="ctr" latinLnBrk="1"/>
+                      <a:r>
+                        <a:rPr lang="ko-KR" altLang="en-US" b="0"/>
+                        <a:t>●●●○○</a:t>
+                      </a:r>
+                    </a:p>
+                  </a:txBody>
+                  <a:tcPr anchor="ctr"/>
+                </a:tc>
+                <a:tc>
+                  <a:txBody>
+                    <a:bodyPr/>
+                    <a:lstStyle/>
+                    <a:p>
+                      <a:pPr algn="ctr" latinLnBrk="1"/>
+                      <a:r>
+                        <a:rPr lang="ko-KR" altLang="en-US" b="0"/>
+                        <a:t>●●●○○</a:t>
+                      </a:r>
+                    </a:p>
+                  </a:txBody>
+                  <a:tcPr anchor="ctr"/>
+                </a:tc>
+                <a:tc>
+                  <a:txBody>
+                    <a:bodyPr/>
+                    <a:lstStyle/>
+                    <a:p>
+                      <a:pPr algn="ctr" latinLnBrk="1"/>
+                      <a:r>
+                        <a:rPr lang="ko-KR" altLang="en-US" b="0"/>
+                        <a:t>●●○○○</a:t>
+                      </a:r>
+                    </a:p>
+                  </a:txBody>
+                  <a:tcPr anchor="ctr"/>
+                </a:tc>
+                <a:extLst>
+                  <a:ext uri="{0D108BD9-81ED-4DB2-BD59-A6C34878D82A}">
+                    <a16:rowId xmlns:a16="http://schemas.microsoft.com/office/drawing/2014/main" val="758180664"/>
+                  </a:ext>
+                </a:extLst>
+              </a:tr>
+              <a:tr h="476755">
+                <a:tc>
+                  <a:txBody>
+                    <a:bodyPr/>
+                    <a:lstStyle/>
+                    <a:p>
+                      <a:pPr algn="ctr" latinLnBrk="1"/>
+                      <a:r>
+                        <a:rPr lang="ko-KR" altLang="en-US" b="0"/>
+                        <a:t>수호자</a:t>
+                      </a:r>
+                    </a:p>
+                  </a:txBody>
+                  <a:tcPr anchor="ctr"/>
+                </a:tc>
+                <a:tc>
+                  <a:txBody>
+                    <a:bodyPr/>
+                    <a:lstStyle/>
+                    <a:p>
+                      <a:pPr marL="0" marR="0" lvl="0" indent="0" algn="ctr" defTabSz="914400" rtl="0" eaLnBrk="1" fontAlgn="auto" latinLnBrk="1" hangingPunct="1">
+                        <a:lnSpc>
+                          <a:spcPct val="100000"/>
+                        </a:lnSpc>
+                        <a:spcBef>
+                          <a:spcPts val="0"/>
+                        </a:spcBef>
+                        <a:spcAft>
+                          <a:spcPts val="0"/>
+                        </a:spcAft>
+                        <a:buClrTx/>
+                        <a:buSzTx/>
+                        <a:buFontTx/>
+                        <a:buNone/>
+                        <a:tabLst/>
+                        <a:defRPr/>
+                      </a:pPr>
+                      <a:r>
+                        <a:rPr lang="ko-KR" altLang="en-US" b="0"/>
+                        <a:t>●●●●●</a:t>
+                      </a:r>
+                    </a:p>
+                  </a:txBody>
+                  <a:tcPr anchor="ctr"/>
+                </a:tc>
+                <a:tc>
+                  <a:txBody>
+                    <a:bodyPr/>
+                    <a:lstStyle/>
+                    <a:p>
+                      <a:pPr marL="0" marR="0" lvl="0" indent="0" algn="ctr" defTabSz="914400" rtl="0" eaLnBrk="1" fontAlgn="auto" latinLnBrk="1" hangingPunct="1">
+                        <a:lnSpc>
+                          <a:spcPct val="100000"/>
+                        </a:lnSpc>
+                        <a:spcBef>
+                          <a:spcPts val="0"/>
+                        </a:spcBef>
+                        <a:spcAft>
+                          <a:spcPts val="0"/>
+                        </a:spcAft>
+                        <a:buClrTx/>
+                        <a:buSzTx/>
+                        <a:buFontTx/>
+                        <a:buNone/>
+                        <a:tabLst/>
+                        <a:defRPr/>
+                      </a:pPr>
+                      <a:r>
+                        <a:rPr lang="ko-KR" altLang="en-US" b="0"/>
+                        <a:t>●○○○○</a:t>
+                      </a:r>
+                    </a:p>
+                  </a:txBody>
+                  <a:tcPr anchor="ctr"/>
+                </a:tc>
+                <a:tc>
+                  <a:txBody>
+                    <a:bodyPr/>
+                    <a:lstStyle/>
+                    <a:p>
+                      <a:pPr marL="0" marR="0" lvl="0" indent="0" algn="ctr" defTabSz="914400" rtl="0" eaLnBrk="1" fontAlgn="auto" latinLnBrk="1" hangingPunct="1">
+                        <a:lnSpc>
+                          <a:spcPct val="100000"/>
+                        </a:lnSpc>
+                        <a:spcBef>
+                          <a:spcPts val="0"/>
+                        </a:spcBef>
+                        <a:spcAft>
+                          <a:spcPts val="0"/>
+                        </a:spcAft>
+                        <a:buClrTx/>
+                        <a:buSzTx/>
+                        <a:buFontTx/>
+                        <a:buNone/>
+                        <a:tabLst/>
+                        <a:defRPr/>
+                      </a:pPr>
+                      <a:r>
+                        <a:rPr lang="ko-KR" altLang="en-US" b="0"/>
+                        <a:t>●●○○○</a:t>
+                      </a:r>
+                    </a:p>
+                  </a:txBody>
+                  <a:tcPr anchor="ctr"/>
+                </a:tc>
+                <a:extLst>
+                  <a:ext uri="{0D108BD9-81ED-4DB2-BD59-A6C34878D82A}">
+                    <a16:rowId xmlns:a16="http://schemas.microsoft.com/office/drawing/2014/main" val="27219363"/>
+                  </a:ext>
+                </a:extLst>
+              </a:tr>
+              <a:tr h="476755">
+                <a:tc>
+                  <a:txBody>
+                    <a:bodyPr/>
+                    <a:lstStyle/>
+                    <a:p>
+                      <a:pPr algn="ctr" latinLnBrk="1"/>
+                      <a:r>
+                        <a:rPr lang="ko-KR" altLang="en-US" b="0"/>
+                        <a:t>장궁</a:t>
+                      </a:r>
+                    </a:p>
+                  </a:txBody>
+                  <a:tcPr anchor="ctr"/>
+                </a:tc>
+                <a:tc>
+                  <a:txBody>
+                    <a:bodyPr/>
+                    <a:lstStyle/>
+                    <a:p>
+                      <a:pPr algn="ctr" latinLnBrk="1"/>
+                      <a:r>
+                        <a:rPr lang="ko-KR" altLang="en-US" b="0"/>
+                        <a:t>●●○○○</a:t>
+                      </a:r>
+                    </a:p>
+                  </a:txBody>
+                  <a:tcPr anchor="ctr"/>
+                </a:tc>
+                <a:tc>
+                  <a:txBody>
+                    <a:bodyPr/>
+                    <a:lstStyle/>
+                    <a:p>
+                      <a:pPr algn="ctr" latinLnBrk="1"/>
+                      <a:r>
+                        <a:rPr lang="ko-KR" altLang="en-US" b="0"/>
+                        <a:t>●●●●●</a:t>
+                      </a:r>
+                    </a:p>
+                  </a:txBody>
+                  <a:tcPr anchor="ctr"/>
+                </a:tc>
+                <a:tc>
+                  <a:txBody>
+                    <a:bodyPr/>
+                    <a:lstStyle/>
+                    <a:p>
+                      <a:pPr algn="ctr" latinLnBrk="1"/>
+                      <a:r>
+                        <a:rPr lang="ko-KR" altLang="en-US" b="0"/>
+                        <a:t>●○○○○</a:t>
+                      </a:r>
+                    </a:p>
+                  </a:txBody>
+                  <a:tcPr anchor="ctr"/>
+                </a:tc>
+                <a:extLst>
+                  <a:ext uri="{0D108BD9-81ED-4DB2-BD59-A6C34878D82A}">
+                    <a16:rowId xmlns:a16="http://schemas.microsoft.com/office/drawing/2014/main" val="1909185993"/>
+                  </a:ext>
+                </a:extLst>
+              </a:tr>
+              <a:tr h="476755">
+                <a:tc>
+                  <a:txBody>
+                    <a:bodyPr/>
+                    <a:lstStyle/>
+                    <a:p>
+                      <a:pPr algn="ctr" latinLnBrk="1"/>
+                      <a:r>
+                        <a:rPr lang="ko-KR" altLang="en-US" b="0"/>
+                        <a:t>단궁</a:t>
+                      </a:r>
+                    </a:p>
+                  </a:txBody>
+                  <a:tcPr anchor="ctr"/>
+                </a:tc>
+                <a:tc>
+                  <a:txBody>
+                    <a:bodyPr/>
+                    <a:lstStyle/>
+                    <a:p>
+                      <a:pPr algn="ctr" latinLnBrk="1"/>
+                      <a:r>
+                        <a:rPr lang="ko-KR" altLang="en-US" b="0"/>
+                        <a:t>●○○○○</a:t>
+                      </a:r>
+                    </a:p>
+                  </a:txBody>
+                  <a:tcPr anchor="ctr"/>
+                </a:tc>
+                <a:tc>
+                  <a:txBody>
+                    <a:bodyPr/>
+                    <a:lstStyle/>
+                    <a:p>
+                      <a:pPr algn="ctr" latinLnBrk="1"/>
+                      <a:r>
+                        <a:rPr lang="ko-KR" altLang="en-US" b="0"/>
+                        <a:t>●●○○○</a:t>
+                      </a:r>
+                    </a:p>
+                  </a:txBody>
+                  <a:tcPr anchor="ctr"/>
+                </a:tc>
+                <a:tc>
+                  <a:txBody>
+                    <a:bodyPr/>
+                    <a:lstStyle/>
+                    <a:p>
+                      <a:pPr algn="ctr" latinLnBrk="1"/>
+                      <a:r>
+                        <a:rPr lang="ko-KR" altLang="en-US" b="0"/>
+                        <a:t>●●●●●</a:t>
+                      </a:r>
+                    </a:p>
+                  </a:txBody>
+                  <a:tcPr anchor="ctr"/>
+                </a:tc>
+                <a:extLst>
+                  <a:ext uri="{0D108BD9-81ED-4DB2-BD59-A6C34878D82A}">
+                    <a16:rowId xmlns:a16="http://schemas.microsoft.com/office/drawing/2014/main" val="1898375692"/>
+                  </a:ext>
+                </a:extLst>
+              </a:tr>
+              <a:tr h="476755">
+                <a:tc>
+                  <a:txBody>
+                    <a:bodyPr/>
+                    <a:lstStyle/>
+                    <a:p>
+                      <a:pPr algn="ctr" latinLnBrk="1"/>
+                      <a:r>
+                        <a:rPr lang="ko-KR" altLang="en-US" b="0"/>
+                        <a:t>마법사</a:t>
+                      </a:r>
+                    </a:p>
+                  </a:txBody>
+                  <a:tcPr anchor="ctr"/>
+                </a:tc>
+                <a:tc>
+                  <a:txBody>
+                    <a:bodyPr/>
+                    <a:lstStyle/>
+                    <a:p>
+                      <a:pPr algn="ctr" latinLnBrk="1"/>
+                      <a:r>
+                        <a:rPr lang="ko-KR" altLang="en-US" b="0"/>
+                        <a:t>●○○○○</a:t>
+                      </a:r>
+                    </a:p>
+                  </a:txBody>
+                  <a:tcPr anchor="ctr"/>
+                </a:tc>
+                <a:tc>
+                  <a:txBody>
+                    <a:bodyPr/>
+                    <a:lstStyle/>
+                    <a:p>
+                      <a:pPr algn="ctr" latinLnBrk="1"/>
+                      <a:r>
+                        <a:rPr lang="ko-KR" altLang="en-US" b="0"/>
+                        <a:t>●●●●○</a:t>
+                      </a:r>
+                    </a:p>
+                  </a:txBody>
+                  <a:tcPr anchor="ctr"/>
+                </a:tc>
+                <a:tc>
+                  <a:txBody>
+                    <a:bodyPr/>
+                    <a:lstStyle/>
+                    <a:p>
+                      <a:pPr algn="ctr" latinLnBrk="1"/>
+                      <a:r>
+                        <a:rPr lang="ko-KR" altLang="en-US" b="0"/>
+                        <a:t>●●●○○</a:t>
+                      </a:r>
+                    </a:p>
+                  </a:txBody>
+                  <a:tcPr anchor="ctr"/>
+                </a:tc>
+                <a:extLst>
+                  <a:ext uri="{0D108BD9-81ED-4DB2-BD59-A6C34878D82A}">
+                    <a16:rowId xmlns:a16="http://schemas.microsoft.com/office/drawing/2014/main" val="3467977424"/>
+                  </a:ext>
+                </a:extLst>
+              </a:tr>
+              <a:tr h="550750">
+                <a:tc>
+                  <a:txBody>
+                    <a:bodyPr/>
+                    <a:lstStyle/>
+                    <a:p>
+                      <a:pPr algn="ctr" latinLnBrk="1"/>
+                      <a:r>
+                        <a:rPr lang="ko-KR" altLang="en-US" b="0"/>
+                        <a:t>백마법사</a:t>
+                      </a:r>
+                    </a:p>
+                  </a:txBody>
+                  <a:tcPr anchor="ctr"/>
+                </a:tc>
+                <a:tc>
+                  <a:txBody>
+                    <a:bodyPr/>
+                    <a:lstStyle/>
+                    <a:p>
+                      <a:pPr algn="ctr" latinLnBrk="1"/>
+                      <a:r>
+                        <a:rPr lang="ko-KR" altLang="en-US" b="0"/>
+                        <a:t>●●●●○</a:t>
+                      </a:r>
+                    </a:p>
+                  </a:txBody>
+                  <a:tcPr anchor="ctr"/>
+                </a:tc>
+                <a:tc>
+                  <a:txBody>
+                    <a:bodyPr/>
+                    <a:lstStyle/>
+                    <a:p>
+                      <a:pPr algn="ctr" latinLnBrk="1"/>
+                      <a:r>
+                        <a:rPr lang="ko-KR" altLang="en-US" b="0"/>
+                        <a:t>●○○○○</a:t>
+                      </a:r>
+                    </a:p>
+                  </a:txBody>
+                  <a:tcPr anchor="ctr"/>
+                </a:tc>
+                <a:tc>
+                  <a:txBody>
+                    <a:bodyPr/>
+                    <a:lstStyle/>
+                    <a:p>
+                      <a:pPr algn="ctr" latinLnBrk="1"/>
+                      <a:r>
+                        <a:rPr lang="ko-KR" altLang="en-US" b="0"/>
+                        <a:t>●●●○○</a:t>
+                      </a:r>
+                    </a:p>
+                  </a:txBody>
+                  <a:tcPr anchor="ctr"/>
+                </a:tc>
+                <a:extLst>
+                  <a:ext uri="{0D108BD9-81ED-4DB2-BD59-A6C34878D82A}">
+                    <a16:rowId xmlns:a16="http://schemas.microsoft.com/office/drawing/2014/main" val="2218772177"/>
+                  </a:ext>
+                </a:extLst>
+              </a:tr>
+              <a:tr h="476755">
+                <a:tc>
+                  <a:txBody>
+                    <a:bodyPr/>
+                    <a:lstStyle/>
+                    <a:p>
+                      <a:pPr algn="ctr" latinLnBrk="1"/>
+                      <a:r>
+                        <a:rPr lang="ko-KR" altLang="en-US" b="0"/>
+                        <a:t>암살자</a:t>
+                      </a:r>
+                    </a:p>
+                  </a:txBody>
+                  <a:tcPr anchor="ctr"/>
+                </a:tc>
+                <a:tc>
+                  <a:txBody>
+                    <a:bodyPr/>
+                    <a:lstStyle/>
+                    <a:p>
+                      <a:pPr algn="ctr" latinLnBrk="1"/>
+                      <a:r>
+                        <a:rPr lang="ko-KR" altLang="en-US" b="0"/>
+                        <a:t>●○○○○</a:t>
+                      </a:r>
+                    </a:p>
+                  </a:txBody>
+                  <a:tcPr anchor="ctr"/>
+                </a:tc>
+                <a:tc>
+                  <a:txBody>
+                    <a:bodyPr/>
+                    <a:lstStyle/>
+                    <a:p>
+                      <a:pPr algn="ctr" latinLnBrk="1"/>
+                      <a:r>
+                        <a:rPr lang="ko-KR" altLang="en-US" b="0"/>
+                        <a:t>●●○○○</a:t>
+                      </a:r>
+                    </a:p>
+                  </a:txBody>
+                  <a:tcPr anchor="ctr"/>
+                </a:tc>
+                <a:tc>
+                  <a:txBody>
+                    <a:bodyPr/>
+                    <a:lstStyle/>
+                    <a:p>
+                      <a:pPr algn="ctr" latinLnBrk="1"/>
+                      <a:r>
+                        <a:rPr lang="ko-KR" altLang="en-US" b="0"/>
+                        <a:t>●●●●●</a:t>
+                      </a:r>
+                    </a:p>
+                  </a:txBody>
+                  <a:tcPr anchor="ctr"/>
+                </a:tc>
+                <a:extLst>
+                  <a:ext uri="{0D108BD9-81ED-4DB2-BD59-A6C34878D82A}">
+                    <a16:rowId xmlns:a16="http://schemas.microsoft.com/office/drawing/2014/main" val="3311020163"/>
+                  </a:ext>
+                </a:extLst>
+              </a:tr>
+              <a:tr h="476755">
+                <a:tc>
+                  <a:txBody>
+                    <a:bodyPr/>
+                    <a:lstStyle/>
+                    <a:p>
+                      <a:pPr algn="ctr" latinLnBrk="1"/>
+                      <a:r>
+                        <a:rPr lang="ko-KR" altLang="en-US" b="0"/>
+                        <a:t>투척수</a:t>
+                      </a:r>
+                    </a:p>
+                  </a:txBody>
+                  <a:tcPr anchor="ctr"/>
+                </a:tc>
+                <a:tc>
+                  <a:txBody>
+                    <a:bodyPr/>
+                    <a:lstStyle/>
+                    <a:p>
+                      <a:pPr algn="ctr" latinLnBrk="1"/>
+                      <a:r>
+                        <a:rPr lang="ko-KR" altLang="en-US" b="0"/>
+                        <a:t>●●○○○</a:t>
+                      </a:r>
+                    </a:p>
+                  </a:txBody>
+                  <a:tcPr anchor="ctr"/>
+                </a:tc>
+                <a:tc>
+                  <a:txBody>
+                    <a:bodyPr/>
+                    <a:lstStyle/>
+                    <a:p>
+                      <a:pPr algn="ctr" latinLnBrk="1"/>
+                      <a:r>
+                        <a:rPr lang="ko-KR" altLang="en-US" b="0"/>
+                        <a:t>●●●○○</a:t>
+                      </a:r>
+                    </a:p>
+                  </a:txBody>
+                  <a:tcPr anchor="ctr"/>
+                </a:tc>
+                <a:tc>
+                  <a:txBody>
+                    <a:bodyPr/>
+                    <a:lstStyle/>
+                    <a:p>
+                      <a:pPr algn="ctr" latinLnBrk="1"/>
+                      <a:r>
+                        <a:rPr lang="ko-KR" altLang="en-US" b="0"/>
+                        <a:t>●●●○○</a:t>
+                      </a:r>
+                    </a:p>
+                  </a:txBody>
+                  <a:tcPr anchor="ctr"/>
+                </a:tc>
+                <a:extLst>
+                  <a:ext uri="{0D108BD9-81ED-4DB2-BD59-A6C34878D82A}">
+                    <a16:rowId xmlns:a16="http://schemas.microsoft.com/office/drawing/2014/main" val="1028752524"/>
+                  </a:ext>
+                </a:extLst>
+              </a:tr>
+            </a:tbl>
+          </a:graphicData>
+        </a:graphic>
+      </p:graphicFrame>
+      <p:sp>
+        <p:nvSpPr>
+          <p:cNvPr id="7" name="TextBox 6">
+            <a:extLst>
+              <a:ext uri="{FF2B5EF4-FFF2-40B4-BE49-F238E27FC236}">
+                <a16:creationId xmlns:a16="http://schemas.microsoft.com/office/drawing/2014/main" id="{D4088D34-CF70-B630-0CA7-D60E27451899}"/>
+              </a:ext>
+            </a:extLst>
+          </p:cNvPr>
+          <p:cNvSpPr txBox="1"/>
+          <p:nvPr/>
+        </p:nvSpPr>
+        <p:spPr>
+          <a:xfrm>
+            <a:off x="528610" y="1437658"/>
+            <a:ext cx="11134779" cy="646331"/>
+          </a:xfrm>
+          <a:prstGeom prst="rect">
+            <a:avLst/>
+          </a:prstGeom>
+          <a:noFill/>
+        </p:spPr>
+        <p:txBody>
+          <a:bodyPr wrap="none" rtlCol="0">
+            <a:spAutoFit/>
+          </a:bodyPr>
+          <a:lstStyle/>
+          <a:p>
+            <a:r>
+              <a:rPr lang="ko-KR" altLang="en-US"/>
+              <a:t>무기 밸런스는 상대값으로 나타낸 값이며</a:t>
+            </a:r>
+            <a:r>
+              <a:rPr lang="en-US" altLang="ko-KR"/>
+              <a:t>, </a:t>
+            </a:r>
+            <a:r>
+              <a:rPr lang="ko-KR" altLang="en-US"/>
+              <a:t>실체험 후 정확한 수치로 변경할 예정</a:t>
+            </a:r>
+            <a:r>
+              <a:rPr lang="en-US" altLang="ko-KR"/>
+              <a:t>(</a:t>
+            </a:r>
+            <a:r>
+              <a:rPr lang="ko-KR" altLang="en-US"/>
+              <a:t>높을수록 이득이 되는 값</a:t>
+            </a:r>
+            <a:r>
+              <a:rPr lang="en-US" altLang="ko-KR"/>
+              <a:t>)</a:t>
+            </a:r>
+          </a:p>
+          <a:p>
+            <a:r>
+              <a:rPr lang="ko-KR" altLang="en-US"/>
+              <a:t>곱연산을 통해 최종 값에 영향을 미침</a:t>
+            </a:r>
+          </a:p>
+        </p:txBody>
+      </p:sp>
+    </p:spTree>
+    <p:extLst>
+      <p:ext uri="{BB962C8B-B14F-4D97-AF65-F5344CB8AC3E}">
+        <p14:creationId xmlns:p14="http://schemas.microsoft.com/office/powerpoint/2010/main" val="3642879362"/>
+      </p:ext>
+    </p:extLst>
+  </p:cSld>
+  <p:clrMapOvr>
+    <a:masterClrMapping/>
+  </p:clrMapOvr>
+</p:sld>
+</file>
+
+<file path=ppt/slides/slide7.xml><?xml version="1.0" encoding="utf-8"?>
+<p:sld xmlns:a="http://schemas.openxmlformats.org/drawingml/2006/main" xmlns:r="http://schemas.openxmlformats.org/officeDocument/2006/relationships" xmlns:p="http://schemas.openxmlformats.org/presentationml/2006/main">
+  <p:cSld>
+    <p:spTree>
+      <p:nvGrpSpPr>
+        <p:cNvPr id="1" name=""/>
+        <p:cNvGrpSpPr/>
+        <p:nvPr/>
+      </p:nvGrpSpPr>
+      <p:grpSpPr>
+        <a:xfrm>
+          <a:off x="0" y="0"/>
+          <a:ext cx="0" cy="0"/>
+          <a:chOff x="0" y="0"/>
+          <a:chExt cx="0" cy="0"/>
+        </a:xfrm>
+      </p:grpSpPr>
+      <p:sp>
+        <p:nvSpPr>
+          <p:cNvPr id="2" name="제목 1">
+            <a:extLst>
+              <a:ext uri="{FF2B5EF4-FFF2-40B4-BE49-F238E27FC236}">
+                <a16:creationId xmlns:a16="http://schemas.microsoft.com/office/drawing/2014/main" id="{631D3AD3-3838-D7F1-7F3A-F307DC60340F}"/>
+              </a:ext>
+            </a:extLst>
+          </p:cNvPr>
+          <p:cNvSpPr>
+            <a:spLocks noGrp="1"/>
+          </p:cNvSpPr>
+          <p:nvPr>
+            <p:ph type="title"/>
+          </p:nvPr>
+        </p:nvSpPr>
+        <p:spPr/>
+        <p:txBody>
+          <a:bodyPr/>
+          <a:lstStyle/>
+          <a:p>
+            <a:r>
+              <a:rPr lang="ko-KR" altLang="en-US"/>
+              <a:t>스킬</a:t>
+            </a:r>
+          </a:p>
+        </p:txBody>
+      </p:sp>
+      <p:sp>
+        <p:nvSpPr>
+          <p:cNvPr id="3" name="내용 개체 틀 2">
+            <a:extLst>
+              <a:ext uri="{FF2B5EF4-FFF2-40B4-BE49-F238E27FC236}">
+                <a16:creationId xmlns:a16="http://schemas.microsoft.com/office/drawing/2014/main" id="{F969C8AD-F93B-BD97-EF71-5681E3D4DCD3}"/>
+              </a:ext>
+            </a:extLst>
+          </p:cNvPr>
+          <p:cNvSpPr>
+            <a:spLocks noGrp="1"/>
+          </p:cNvSpPr>
+          <p:nvPr>
+            <p:ph idx="1"/>
+          </p:nvPr>
+        </p:nvSpPr>
+        <p:spPr>
+          <a:xfrm>
+            <a:off x="838200" y="1825625"/>
+            <a:ext cx="5999922" cy="4351338"/>
+          </a:xfrm>
+        </p:spPr>
+        <p:txBody>
+          <a:bodyPr>
+            <a:normAutofit fontScale="92500"/>
+          </a:bodyPr>
+          <a:lstStyle/>
+          <a:p>
+            <a:r>
+              <a:rPr lang="ko-KR" altLang="en-US"/>
+              <a:t>스킬은 기본적으로 파밍 혹은 제작으로 얻을 수 있음</a:t>
+            </a:r>
+            <a:endParaRPr lang="en-US" altLang="ko-KR"/>
+          </a:p>
+          <a:p>
+            <a:r>
+              <a:rPr lang="ko-KR" altLang="en-US"/>
+              <a:t>스킬은 평타스킬과 일반스킬로 분류</a:t>
+            </a:r>
+            <a:endParaRPr lang="en-US" altLang="ko-KR"/>
+          </a:p>
+          <a:p>
+            <a:r>
+              <a:rPr lang="ko-KR" altLang="en-US"/>
+              <a:t>일정 레벨마다 스킬 칸이 한개씩 해방</a:t>
+            </a:r>
+            <a:r>
+              <a:rPr lang="en-US" altLang="ko-KR"/>
+              <a:t>(</a:t>
+            </a:r>
+            <a:r>
+              <a:rPr lang="ko-KR" altLang="en-US"/>
+              <a:t>처음에는 평타 제외 </a:t>
+            </a:r>
+            <a:r>
+              <a:rPr lang="en-US" altLang="ko-KR"/>
+              <a:t>1</a:t>
+            </a:r>
+            <a:r>
+              <a:rPr lang="ko-KR" altLang="en-US"/>
+              <a:t>개만 착용 가능 </a:t>
+            </a:r>
+            <a:r>
+              <a:rPr lang="en-US" altLang="ko-KR"/>
+              <a:t>/ </a:t>
+            </a:r>
+            <a:r>
+              <a:rPr lang="ko-KR" altLang="en-US"/>
+              <a:t>평타 제외 최대 </a:t>
+            </a:r>
+            <a:r>
+              <a:rPr lang="en-US" altLang="ko-KR"/>
+              <a:t>3</a:t>
+            </a:r>
+            <a:r>
+              <a:rPr lang="ko-KR" altLang="en-US"/>
+              <a:t>칸</a:t>
+            </a:r>
+            <a:r>
+              <a:rPr lang="en-US" altLang="ko-KR"/>
+              <a:t>)</a:t>
+            </a:r>
+          </a:p>
+          <a:p>
+            <a:r>
+              <a:rPr lang="ko-KR" altLang="en-US"/>
+              <a:t>스킬은 최대 </a:t>
+            </a:r>
+            <a:r>
+              <a:rPr lang="en-US" altLang="ko-KR"/>
+              <a:t>4</a:t>
+            </a:r>
+            <a:r>
+              <a:rPr lang="ko-KR" altLang="en-US"/>
+              <a:t>개 존재하며 </a:t>
+            </a:r>
+            <a:r>
+              <a:rPr lang="en-US" altLang="ko-KR"/>
+              <a:t>UI</a:t>
+            </a:r>
+            <a:r>
+              <a:rPr lang="ko-KR" altLang="en-US"/>
+              <a:t>를 통해 장착 혹은 교체를 할 수 있음</a:t>
+            </a:r>
+            <a:endParaRPr lang="en-US" altLang="ko-KR"/>
+          </a:p>
+          <a:p>
+            <a:r>
+              <a:rPr lang="ko-KR" altLang="en-US"/>
+              <a:t>캐릭터의 레벨이 오를때마다 스킬 칸을 강화할 수 있음</a:t>
+            </a:r>
+            <a:r>
+              <a:rPr lang="en-US" altLang="ko-KR"/>
+              <a:t>(</a:t>
+            </a:r>
+            <a:r>
+              <a:rPr lang="ko-KR" altLang="en-US"/>
+              <a:t>최대치 존재</a:t>
+            </a:r>
+            <a:r>
+              <a:rPr lang="en-US" altLang="ko-KR"/>
+              <a:t>)</a:t>
+            </a:r>
+          </a:p>
+        </p:txBody>
+      </p:sp>
+      <p:sp>
+        <p:nvSpPr>
+          <p:cNvPr id="4" name="직사각형 3">
+            <a:extLst>
+              <a:ext uri="{FF2B5EF4-FFF2-40B4-BE49-F238E27FC236}">
+                <a16:creationId xmlns:a16="http://schemas.microsoft.com/office/drawing/2014/main" id="{6FBE9D86-E276-7DF5-0463-DD79A7550FFA}"/>
+              </a:ext>
+            </a:extLst>
+          </p:cNvPr>
+          <p:cNvSpPr/>
+          <p:nvPr/>
+        </p:nvSpPr>
+        <p:spPr>
+          <a:xfrm>
+            <a:off x="7076660" y="496741"/>
+            <a:ext cx="4823792" cy="5864518"/>
+          </a:xfrm>
+          <a:prstGeom prst="rect">
+            <a:avLst/>
+          </a:prstGeom>
+        </p:spPr>
+        <p:style>
+          <a:lnRef idx="2">
+            <a:schemeClr val="accent1">
+              <a:shade val="15000"/>
+            </a:schemeClr>
+          </a:lnRef>
+          <a:fillRef idx="1">
+            <a:schemeClr val="accent1"/>
+          </a:fillRef>
+          <a:effectRef idx="0">
+            <a:schemeClr val="accent1"/>
+          </a:effectRef>
+          <a:fontRef idx="minor">
+            <a:schemeClr val="lt1"/>
+          </a:fontRef>
+        </p:style>
+        <p:txBody>
+          <a:bodyPr rtlCol="0" anchor="ctr"/>
+          <a:lstStyle/>
+          <a:p>
+            <a:pPr algn="ctr"/>
+            <a:endParaRPr lang="ko-KR" altLang="en-US"/>
+          </a:p>
+        </p:txBody>
+      </p:sp>
+      <p:sp>
+        <p:nvSpPr>
+          <p:cNvPr id="5" name="직사각형 4">
+            <a:extLst>
+              <a:ext uri="{FF2B5EF4-FFF2-40B4-BE49-F238E27FC236}">
+                <a16:creationId xmlns:a16="http://schemas.microsoft.com/office/drawing/2014/main" id="{E62882D6-7B29-954E-116E-20319079D7CC}"/>
+              </a:ext>
+            </a:extLst>
+          </p:cNvPr>
+          <p:cNvSpPr/>
+          <p:nvPr/>
+        </p:nvSpPr>
+        <p:spPr>
+          <a:xfrm>
+            <a:off x="7502387" y="914400"/>
+            <a:ext cx="596348" cy="583096"/>
+          </a:xfrm>
+          <a:prstGeom prst="rect">
+            <a:avLst/>
+          </a:prstGeom>
+        </p:spPr>
+        <p:style>
+          <a:lnRef idx="2">
+            <a:schemeClr val="accent1">
+              <a:shade val="15000"/>
+            </a:schemeClr>
+          </a:lnRef>
+          <a:fillRef idx="1">
+            <a:schemeClr val="accent1"/>
+          </a:fillRef>
+          <a:effectRef idx="0">
+            <a:schemeClr val="accent1"/>
+          </a:effectRef>
+          <a:fontRef idx="minor">
+            <a:schemeClr val="lt1"/>
+          </a:fontRef>
+        </p:style>
+        <p:txBody>
+          <a:bodyPr rtlCol="0" anchor="ctr"/>
+          <a:lstStyle/>
+          <a:p>
+            <a:pPr algn="ctr"/>
+            <a:r>
+              <a:rPr lang="en-US" altLang="ko-KR"/>
+              <a:t>S1</a:t>
+            </a:r>
+            <a:endParaRPr lang="ko-KR" altLang="en-US"/>
+          </a:p>
+        </p:txBody>
+      </p:sp>
+      <p:sp>
+        <p:nvSpPr>
+          <p:cNvPr id="6" name="직사각형 5">
+            <a:extLst>
+              <a:ext uri="{FF2B5EF4-FFF2-40B4-BE49-F238E27FC236}">
+                <a16:creationId xmlns:a16="http://schemas.microsoft.com/office/drawing/2014/main" id="{BCF2E769-D845-6D52-744B-31BDFAEFA19D}"/>
+              </a:ext>
+            </a:extLst>
+          </p:cNvPr>
+          <p:cNvSpPr/>
+          <p:nvPr/>
+        </p:nvSpPr>
+        <p:spPr>
+          <a:xfrm>
+            <a:off x="9163879" y="914400"/>
+            <a:ext cx="596348" cy="583096"/>
+          </a:xfrm>
+          <a:prstGeom prst="rect">
+            <a:avLst/>
+          </a:prstGeom>
+        </p:spPr>
+        <p:style>
+          <a:lnRef idx="2">
+            <a:schemeClr val="accent1">
+              <a:shade val="15000"/>
+            </a:schemeClr>
+          </a:lnRef>
+          <a:fillRef idx="1">
+            <a:schemeClr val="accent1"/>
+          </a:fillRef>
+          <a:effectRef idx="0">
+            <a:schemeClr val="accent1"/>
+          </a:effectRef>
+          <a:fontRef idx="minor">
+            <a:schemeClr val="lt1"/>
+          </a:fontRef>
+        </p:style>
+        <p:txBody>
+          <a:bodyPr rtlCol="0" anchor="ctr"/>
+          <a:lstStyle/>
+          <a:p>
+            <a:pPr algn="ctr"/>
+            <a:r>
+              <a:rPr lang="en-US" altLang="ko-KR"/>
+              <a:t>S2</a:t>
+            </a:r>
+            <a:endParaRPr lang="ko-KR" altLang="en-US"/>
+          </a:p>
+        </p:txBody>
+      </p:sp>
+      <p:sp>
+        <p:nvSpPr>
+          <p:cNvPr id="7" name="직사각형 6">
+            <a:extLst>
+              <a:ext uri="{FF2B5EF4-FFF2-40B4-BE49-F238E27FC236}">
+                <a16:creationId xmlns:a16="http://schemas.microsoft.com/office/drawing/2014/main" id="{D2FD3027-ED17-69C1-984E-FD600058C03E}"/>
+              </a:ext>
+            </a:extLst>
+          </p:cNvPr>
+          <p:cNvSpPr/>
+          <p:nvPr/>
+        </p:nvSpPr>
+        <p:spPr>
+          <a:xfrm>
+            <a:off x="9998765" y="914400"/>
+            <a:ext cx="596348" cy="583096"/>
+          </a:xfrm>
+          <a:prstGeom prst="rect">
+            <a:avLst/>
+          </a:prstGeom>
+        </p:spPr>
+        <p:style>
+          <a:lnRef idx="2">
+            <a:schemeClr val="accent1">
+              <a:shade val="15000"/>
+            </a:schemeClr>
+          </a:lnRef>
+          <a:fillRef idx="1">
+            <a:schemeClr val="accent1"/>
+          </a:fillRef>
+          <a:effectRef idx="0">
+            <a:schemeClr val="accent1"/>
+          </a:effectRef>
+          <a:fontRef idx="minor">
+            <a:schemeClr val="lt1"/>
+          </a:fontRef>
+        </p:style>
+        <p:txBody>
+          <a:bodyPr rtlCol="0" anchor="ctr"/>
+          <a:lstStyle/>
+          <a:p>
+            <a:pPr algn="ctr"/>
+            <a:r>
+              <a:rPr lang="en-US" altLang="ko-KR"/>
+              <a:t>S3</a:t>
+            </a:r>
+            <a:endParaRPr lang="ko-KR" altLang="en-US"/>
+          </a:p>
+        </p:txBody>
+      </p:sp>
+      <p:sp>
+        <p:nvSpPr>
+          <p:cNvPr id="8" name="직사각형 7">
+            <a:extLst>
+              <a:ext uri="{FF2B5EF4-FFF2-40B4-BE49-F238E27FC236}">
+                <a16:creationId xmlns:a16="http://schemas.microsoft.com/office/drawing/2014/main" id="{88FAB001-69E4-7CB2-BF44-84E678C1C60B}"/>
+              </a:ext>
+            </a:extLst>
+          </p:cNvPr>
+          <p:cNvSpPr/>
+          <p:nvPr/>
+        </p:nvSpPr>
+        <p:spPr>
+          <a:xfrm>
+            <a:off x="10807146" y="914400"/>
+            <a:ext cx="596348" cy="583096"/>
+          </a:xfrm>
+          <a:prstGeom prst="rect">
+            <a:avLst/>
+          </a:prstGeom>
+        </p:spPr>
+        <p:style>
+          <a:lnRef idx="2">
+            <a:schemeClr val="accent1">
+              <a:shade val="15000"/>
+            </a:schemeClr>
+          </a:lnRef>
+          <a:fillRef idx="1">
+            <a:schemeClr val="accent1"/>
+          </a:fillRef>
+          <a:effectRef idx="0">
+            <a:schemeClr val="accent1"/>
+          </a:effectRef>
+          <a:fontRef idx="minor">
+            <a:schemeClr val="lt1"/>
+          </a:fontRef>
+        </p:style>
+        <p:txBody>
+          <a:bodyPr rtlCol="0" anchor="ctr"/>
+          <a:lstStyle/>
+          <a:p>
+            <a:pPr algn="ctr"/>
+            <a:r>
+              <a:rPr lang="en-US" altLang="ko-KR"/>
+              <a:t>S4</a:t>
+            </a:r>
+            <a:endParaRPr lang="ko-KR" altLang="en-US"/>
+          </a:p>
+        </p:txBody>
+      </p:sp>
+      <p:sp>
+        <p:nvSpPr>
+          <p:cNvPr id="10" name="직사각형 9">
+            <a:extLst>
+              <a:ext uri="{FF2B5EF4-FFF2-40B4-BE49-F238E27FC236}">
+                <a16:creationId xmlns:a16="http://schemas.microsoft.com/office/drawing/2014/main" id="{DD6DDB50-44DB-5273-8CEE-84ADC54CF25C}"/>
+              </a:ext>
+            </a:extLst>
+          </p:cNvPr>
+          <p:cNvSpPr/>
+          <p:nvPr/>
+        </p:nvSpPr>
+        <p:spPr>
+          <a:xfrm>
+            <a:off x="7502386" y="2108347"/>
+            <a:ext cx="3851413" cy="3735862"/>
+          </a:xfrm>
+          <a:prstGeom prst="rect">
+            <a:avLst/>
+          </a:prstGeom>
+        </p:spPr>
+        <p:style>
+          <a:lnRef idx="2">
+            <a:schemeClr val="accent1">
+              <a:shade val="15000"/>
+            </a:schemeClr>
+          </a:lnRef>
+          <a:fillRef idx="1">
+            <a:schemeClr val="accent1"/>
+          </a:fillRef>
+          <a:effectRef idx="0">
+            <a:schemeClr val="accent1"/>
+          </a:effectRef>
+          <a:fontRef idx="minor">
+            <a:schemeClr val="lt1"/>
+          </a:fontRef>
+        </p:style>
+        <p:txBody>
+          <a:bodyPr rtlCol="0" anchor="ctr"/>
+          <a:lstStyle/>
+          <a:p>
+            <a:pPr algn="ctr"/>
+            <a:r>
+              <a:rPr lang="ko-KR" altLang="en-US"/>
+              <a:t>스킬 창</a:t>
+            </a:r>
+          </a:p>
+        </p:txBody>
+      </p:sp>
+      <p:sp>
+        <p:nvSpPr>
+          <p:cNvPr id="11" name="직사각형 10">
+            <a:extLst>
+              <a:ext uri="{FF2B5EF4-FFF2-40B4-BE49-F238E27FC236}">
+                <a16:creationId xmlns:a16="http://schemas.microsoft.com/office/drawing/2014/main" id="{A10999D8-FB5B-7AC8-3BC0-81896CCB99F9}"/>
+              </a:ext>
+            </a:extLst>
+          </p:cNvPr>
+          <p:cNvSpPr/>
+          <p:nvPr/>
+        </p:nvSpPr>
+        <p:spPr>
+          <a:xfrm>
+            <a:off x="7502386" y="1574709"/>
+            <a:ext cx="596348" cy="324808"/>
+          </a:xfrm>
+          <a:prstGeom prst="rect">
+            <a:avLst/>
+          </a:prstGeom>
+        </p:spPr>
+        <p:style>
+          <a:lnRef idx="2">
+            <a:schemeClr val="accent1">
+              <a:shade val="15000"/>
+            </a:schemeClr>
+          </a:lnRef>
+          <a:fillRef idx="1">
+            <a:schemeClr val="accent1"/>
+          </a:fillRef>
+          <a:effectRef idx="0">
+            <a:schemeClr val="accent1"/>
+          </a:effectRef>
+          <a:fontRef idx="minor">
+            <a:schemeClr val="lt1"/>
+          </a:fontRef>
+        </p:style>
+        <p:txBody>
+          <a:bodyPr rtlCol="0" anchor="ctr"/>
+          <a:lstStyle/>
+          <a:p>
+            <a:pPr algn="ctr"/>
+            <a:r>
+              <a:rPr lang="ko-KR" altLang="en-US"/>
+              <a:t>▲</a:t>
+            </a:r>
+          </a:p>
+        </p:txBody>
+      </p:sp>
+      <p:sp>
+        <p:nvSpPr>
+          <p:cNvPr id="12" name="직사각형 11">
+            <a:extLst>
+              <a:ext uri="{FF2B5EF4-FFF2-40B4-BE49-F238E27FC236}">
+                <a16:creationId xmlns:a16="http://schemas.microsoft.com/office/drawing/2014/main" id="{BE92EDAD-6834-9AE5-055F-FF7343400BD9}"/>
+              </a:ext>
+            </a:extLst>
+          </p:cNvPr>
+          <p:cNvSpPr/>
+          <p:nvPr/>
+        </p:nvSpPr>
+        <p:spPr>
+          <a:xfrm>
+            <a:off x="9129918" y="1574709"/>
+            <a:ext cx="596348" cy="324808"/>
+          </a:xfrm>
+          <a:prstGeom prst="rect">
+            <a:avLst/>
+          </a:prstGeom>
+        </p:spPr>
+        <p:style>
+          <a:lnRef idx="2">
+            <a:schemeClr val="accent1">
+              <a:shade val="15000"/>
+            </a:schemeClr>
+          </a:lnRef>
+          <a:fillRef idx="1">
+            <a:schemeClr val="accent1"/>
+          </a:fillRef>
+          <a:effectRef idx="0">
+            <a:schemeClr val="accent1"/>
+          </a:effectRef>
+          <a:fontRef idx="minor">
+            <a:schemeClr val="lt1"/>
+          </a:fontRef>
+        </p:style>
+        <p:txBody>
+          <a:bodyPr rtlCol="0" anchor="ctr"/>
+          <a:lstStyle/>
+          <a:p>
+            <a:pPr algn="ctr"/>
+            <a:r>
+              <a:rPr lang="ko-KR" altLang="en-US"/>
+              <a:t>▲</a:t>
+            </a:r>
+          </a:p>
+        </p:txBody>
+      </p:sp>
+      <p:sp>
+        <p:nvSpPr>
+          <p:cNvPr id="13" name="직사각형 12">
+            <a:extLst>
+              <a:ext uri="{FF2B5EF4-FFF2-40B4-BE49-F238E27FC236}">
+                <a16:creationId xmlns:a16="http://schemas.microsoft.com/office/drawing/2014/main" id="{921C4D75-53D9-565C-D8A2-4E499CD97F0F}"/>
+              </a:ext>
+            </a:extLst>
+          </p:cNvPr>
+          <p:cNvSpPr/>
+          <p:nvPr/>
+        </p:nvSpPr>
+        <p:spPr>
+          <a:xfrm>
+            <a:off x="9998765" y="1574709"/>
+            <a:ext cx="596348" cy="324808"/>
+          </a:xfrm>
+          <a:prstGeom prst="rect">
+            <a:avLst/>
+          </a:prstGeom>
+        </p:spPr>
+        <p:style>
+          <a:lnRef idx="2">
+            <a:schemeClr val="accent1">
+              <a:shade val="15000"/>
+            </a:schemeClr>
+          </a:lnRef>
+          <a:fillRef idx="1">
+            <a:schemeClr val="accent1"/>
+          </a:fillRef>
+          <a:effectRef idx="0">
+            <a:schemeClr val="accent1"/>
+          </a:effectRef>
+          <a:fontRef idx="minor">
+            <a:schemeClr val="lt1"/>
+          </a:fontRef>
+        </p:style>
+        <p:txBody>
+          <a:bodyPr rtlCol="0" anchor="ctr"/>
+          <a:lstStyle/>
+          <a:p>
+            <a:pPr algn="ctr"/>
+            <a:r>
+              <a:rPr lang="ko-KR" altLang="en-US"/>
+              <a:t>▲</a:t>
+            </a:r>
+          </a:p>
+        </p:txBody>
+      </p:sp>
+      <p:sp>
+        <p:nvSpPr>
+          <p:cNvPr id="14" name="직사각형 13">
+            <a:extLst>
+              <a:ext uri="{FF2B5EF4-FFF2-40B4-BE49-F238E27FC236}">
+                <a16:creationId xmlns:a16="http://schemas.microsoft.com/office/drawing/2014/main" id="{1B6976F1-2611-8C2A-A7D3-570B841E1FC4}"/>
+              </a:ext>
+            </a:extLst>
+          </p:cNvPr>
+          <p:cNvSpPr/>
+          <p:nvPr/>
+        </p:nvSpPr>
+        <p:spPr>
+          <a:xfrm>
+            <a:off x="10807146" y="1574709"/>
+            <a:ext cx="596348" cy="324808"/>
+          </a:xfrm>
+          <a:prstGeom prst="rect">
+            <a:avLst/>
+          </a:prstGeom>
+        </p:spPr>
+        <p:style>
+          <a:lnRef idx="2">
+            <a:schemeClr val="accent1">
+              <a:shade val="15000"/>
+            </a:schemeClr>
+          </a:lnRef>
+          <a:fillRef idx="1">
+            <a:schemeClr val="accent1"/>
+          </a:fillRef>
+          <a:effectRef idx="0">
+            <a:schemeClr val="accent1"/>
+          </a:effectRef>
+          <a:fontRef idx="minor">
+            <a:schemeClr val="lt1"/>
+          </a:fontRef>
+        </p:style>
+        <p:txBody>
+          <a:bodyPr rtlCol="0" anchor="ctr"/>
+          <a:lstStyle/>
+          <a:p>
+            <a:pPr algn="ctr"/>
+            <a:r>
+              <a:rPr lang="ko-KR" altLang="en-US" sz="1400"/>
+              <a:t>해제</a:t>
+            </a:r>
+          </a:p>
+        </p:txBody>
+      </p:sp>
+    </p:spTree>
+    <p:extLst>
+      <p:ext uri="{BB962C8B-B14F-4D97-AF65-F5344CB8AC3E}">
+        <p14:creationId xmlns:p14="http://schemas.microsoft.com/office/powerpoint/2010/main" val="143518306"/>
+      </p:ext>
+    </p:extLst>
+  </p:cSld>
+  <p:clrMapOvr>
+    <a:masterClrMapping/>
+  </p:clrMapOvr>
+</p:sld>
+</file>
+
+<file path=ppt/slides/slide8.xml><?xml version="1.0" encoding="utf-8"?>
+<p:sld xmlns:a="http://schemas.openxmlformats.org/drawingml/2006/main" xmlns:r="http://schemas.openxmlformats.org/officeDocument/2006/relationships" xmlns:p="http://schemas.openxmlformats.org/presentationml/2006/main">
+  <p:cSld>
+    <p:spTree>
+      <p:nvGrpSpPr>
+        <p:cNvPr id="1" name=""/>
+        <p:cNvGrpSpPr/>
+        <p:nvPr/>
+      </p:nvGrpSpPr>
+      <p:grpSpPr>
+        <a:xfrm>
+          <a:off x="0" y="0"/>
+          <a:ext cx="0" cy="0"/>
+          <a:chOff x="0" y="0"/>
+          <a:chExt cx="0" cy="0"/>
+        </a:xfrm>
+      </p:grpSpPr>
+      <p:sp>
+        <p:nvSpPr>
+          <p:cNvPr id="2" name="제목 1">
+            <a:extLst>
+              <a:ext uri="{FF2B5EF4-FFF2-40B4-BE49-F238E27FC236}">
+                <a16:creationId xmlns:a16="http://schemas.microsoft.com/office/drawing/2014/main" id="{85E40376-F9CD-8822-32D6-95D3DCF96719}"/>
+              </a:ext>
+            </a:extLst>
+          </p:cNvPr>
+          <p:cNvSpPr>
+            <a:spLocks noGrp="1"/>
+          </p:cNvSpPr>
+          <p:nvPr>
+            <p:ph type="title"/>
+          </p:nvPr>
+        </p:nvSpPr>
+        <p:spPr/>
+        <p:txBody>
+          <a:bodyPr/>
+          <a:lstStyle/>
+          <a:p>
+            <a:r>
+              <a:rPr lang="ko-KR" altLang="en-US"/>
+              <a:t>레벨</a:t>
+            </a:r>
+            <a:r>
+              <a:rPr lang="en-US" altLang="ko-KR"/>
+              <a:t>(</a:t>
+            </a:r>
+            <a:r>
+              <a:rPr lang="ko-KR" altLang="en-US"/>
+              <a:t>성장</a:t>
+            </a:r>
+            <a:r>
+              <a:rPr lang="en-US" altLang="ko-KR"/>
+              <a:t>)</a:t>
+            </a:r>
+            <a:r>
+              <a:rPr lang="ko-KR" altLang="en-US"/>
+              <a:t> 시스템</a:t>
+            </a:r>
+          </a:p>
+        </p:txBody>
+      </p:sp>
+      <p:sp>
+        <p:nvSpPr>
+          <p:cNvPr id="3" name="내용 개체 틀 2">
+            <a:extLst>
+              <a:ext uri="{FF2B5EF4-FFF2-40B4-BE49-F238E27FC236}">
+                <a16:creationId xmlns:a16="http://schemas.microsoft.com/office/drawing/2014/main" id="{D1E79E72-99A0-04ED-8E35-598518102FF0}"/>
+              </a:ext>
+            </a:extLst>
+          </p:cNvPr>
+          <p:cNvSpPr>
+            <a:spLocks noGrp="1"/>
+          </p:cNvSpPr>
+          <p:nvPr>
+            <p:ph idx="1"/>
+          </p:nvPr>
+        </p:nvSpPr>
+        <p:spPr/>
+        <p:txBody>
+          <a:bodyPr/>
+          <a:lstStyle/>
+          <a:p>
+            <a:r>
+              <a:rPr lang="ko-KR" altLang="en-US"/>
+              <a:t>캐릭터가 레벨이 오를 때 마다 스텟 증가 및 스킬 강화 기회를 얻음</a:t>
+            </a:r>
+            <a:endParaRPr lang="en-US" altLang="ko-KR"/>
+          </a:p>
+          <a:p>
+            <a:r>
+              <a:rPr lang="en-US" altLang="ko-KR"/>
+              <a:t>[</a:t>
+            </a:r>
+            <a:r>
+              <a:rPr lang="ko-KR" altLang="en-US"/>
+              <a:t>체력</a:t>
+            </a:r>
+            <a:r>
+              <a:rPr lang="en-US" altLang="ko-KR"/>
+              <a:t>, </a:t>
+            </a:r>
+            <a:r>
+              <a:rPr lang="ko-KR" altLang="en-US"/>
+              <a:t>공격력</a:t>
+            </a:r>
+            <a:r>
+              <a:rPr lang="en-US" altLang="ko-KR"/>
+              <a:t>, </a:t>
+            </a:r>
+            <a:r>
+              <a:rPr lang="ko-KR" altLang="en-US"/>
+              <a:t>공격속도</a:t>
+            </a:r>
+            <a:r>
+              <a:rPr lang="en-US" altLang="ko-KR"/>
+              <a:t>/</a:t>
+            </a:r>
+            <a:r>
+              <a:rPr lang="ko-KR" altLang="en-US"/>
+              <a:t>쿨타임</a:t>
+            </a:r>
+            <a:r>
+              <a:rPr lang="en-US" altLang="ko-KR"/>
+              <a:t>]</a:t>
+            </a:r>
+            <a:r>
+              <a:rPr lang="ko-KR" altLang="en-US"/>
+              <a:t>은 증가</a:t>
+            </a:r>
+            <a:r>
+              <a:rPr lang="en-US" altLang="ko-KR"/>
+              <a:t>(</a:t>
+            </a:r>
+            <a:r>
+              <a:rPr lang="ko-KR" altLang="en-US"/>
+              <a:t>직업과 무관하게 증가</a:t>
+            </a:r>
+            <a:r>
+              <a:rPr lang="en-US" altLang="ko-KR"/>
+              <a:t>)</a:t>
+            </a:r>
+          </a:p>
+          <a:p>
+            <a:r>
+              <a:rPr lang="ko-KR" altLang="en-US"/>
+              <a:t>스킬 강화는 스킬 장착 칸을 강화하는 기능</a:t>
+            </a:r>
+            <a:r>
+              <a:rPr lang="en-US" altLang="ko-KR"/>
+              <a:t>(</a:t>
+            </a:r>
+            <a:r>
+              <a:rPr lang="ko-KR" altLang="en-US"/>
+              <a:t>최대치 존재</a:t>
+            </a:r>
+            <a:r>
+              <a:rPr lang="en-US" altLang="ko-KR"/>
+              <a:t>)</a:t>
+            </a:r>
+          </a:p>
+        </p:txBody>
+      </p:sp>
+      <p:sp>
+        <p:nvSpPr>
+          <p:cNvPr id="5" name="직사각형 4">
+            <a:extLst>
+              <a:ext uri="{FF2B5EF4-FFF2-40B4-BE49-F238E27FC236}">
+                <a16:creationId xmlns:a16="http://schemas.microsoft.com/office/drawing/2014/main" id="{1C2278D3-BFDB-9664-F4FA-C4E98031F1FB}"/>
+              </a:ext>
+            </a:extLst>
+          </p:cNvPr>
+          <p:cNvSpPr/>
+          <p:nvPr/>
+        </p:nvSpPr>
+        <p:spPr>
+          <a:xfrm>
+            <a:off x="1789043" y="3651837"/>
+            <a:ext cx="5340626" cy="3060389"/>
+          </a:xfrm>
+          <a:prstGeom prst="rect">
+            <a:avLst/>
+          </a:prstGeom>
+        </p:spPr>
+        <p:style>
+          <a:lnRef idx="2">
+            <a:schemeClr val="accent1">
+              <a:shade val="15000"/>
+            </a:schemeClr>
+          </a:lnRef>
+          <a:fillRef idx="1">
+            <a:schemeClr val="accent1"/>
+          </a:fillRef>
+          <a:effectRef idx="0">
+            <a:schemeClr val="accent1"/>
+          </a:effectRef>
+          <a:fontRef idx="minor">
+            <a:schemeClr val="lt1"/>
+          </a:fontRef>
+        </p:style>
+        <p:txBody>
+          <a:bodyPr rtlCol="0" anchor="ctr"/>
+          <a:lstStyle/>
+          <a:p>
+            <a:pPr algn="ctr"/>
+            <a:endParaRPr lang="ko-KR" altLang="en-US"/>
+          </a:p>
+        </p:txBody>
+      </p:sp>
+      <p:sp>
+        <p:nvSpPr>
+          <p:cNvPr id="6" name="직사각형 5">
+            <a:extLst>
+              <a:ext uri="{FF2B5EF4-FFF2-40B4-BE49-F238E27FC236}">
+                <a16:creationId xmlns:a16="http://schemas.microsoft.com/office/drawing/2014/main" id="{3F0351CC-F18F-B1F0-9DE3-ACC50D4DECC2}"/>
+              </a:ext>
+            </a:extLst>
+          </p:cNvPr>
+          <p:cNvSpPr/>
+          <p:nvPr/>
+        </p:nvSpPr>
+        <p:spPr>
+          <a:xfrm>
+            <a:off x="1941443" y="3804237"/>
+            <a:ext cx="1530627" cy="1377363"/>
+          </a:xfrm>
+          <a:prstGeom prst="rect">
+            <a:avLst/>
+          </a:prstGeom>
+        </p:spPr>
+        <p:style>
+          <a:lnRef idx="2">
+            <a:schemeClr val="accent1">
+              <a:shade val="15000"/>
+            </a:schemeClr>
+          </a:lnRef>
+          <a:fillRef idx="1">
+            <a:schemeClr val="accent1"/>
+          </a:fillRef>
+          <a:effectRef idx="0">
+            <a:schemeClr val="accent1"/>
+          </a:effectRef>
+          <a:fontRef idx="minor">
+            <a:schemeClr val="lt1"/>
+          </a:fontRef>
+        </p:style>
+        <p:txBody>
+          <a:bodyPr rtlCol="0" anchor="ctr"/>
+          <a:lstStyle/>
+          <a:p>
+            <a:pPr algn="ctr"/>
+            <a:endParaRPr lang="ko-KR" altLang="en-US"/>
+          </a:p>
+        </p:txBody>
+      </p:sp>
+      <p:sp>
+        <p:nvSpPr>
+          <p:cNvPr id="7" name="웃는 얼굴 6">
+            <a:extLst>
+              <a:ext uri="{FF2B5EF4-FFF2-40B4-BE49-F238E27FC236}">
+                <a16:creationId xmlns:a16="http://schemas.microsoft.com/office/drawing/2014/main" id="{FEB7EF0A-249C-D9B4-FB25-9A84337790E4}"/>
+              </a:ext>
+            </a:extLst>
+          </p:cNvPr>
+          <p:cNvSpPr/>
+          <p:nvPr/>
+        </p:nvSpPr>
+        <p:spPr>
+          <a:xfrm>
+            <a:off x="2090530" y="3876692"/>
+            <a:ext cx="1232452" cy="1232452"/>
+          </a:xfrm>
+          <a:prstGeom prst="smileyFace">
+            <a:avLst/>
+          </a:prstGeom>
+        </p:spPr>
+        <p:style>
+          <a:lnRef idx="2">
+            <a:schemeClr val="accent1">
+              <a:shade val="15000"/>
+            </a:schemeClr>
+          </a:lnRef>
+          <a:fillRef idx="1">
+            <a:schemeClr val="accent1"/>
+          </a:fillRef>
+          <a:effectRef idx="0">
+            <a:schemeClr val="accent1"/>
+          </a:effectRef>
+          <a:fontRef idx="minor">
+            <a:schemeClr val="lt1"/>
+          </a:fontRef>
+        </p:style>
+        <p:txBody>
+          <a:bodyPr rtlCol="0" anchor="ctr"/>
+          <a:lstStyle/>
+          <a:p>
+            <a:pPr algn="ctr"/>
+            <a:endParaRPr lang="ko-KR" altLang="en-US"/>
+          </a:p>
+        </p:txBody>
+      </p:sp>
+      <p:sp>
+        <p:nvSpPr>
+          <p:cNvPr id="8" name="직사각형 7">
+            <a:extLst>
+              <a:ext uri="{FF2B5EF4-FFF2-40B4-BE49-F238E27FC236}">
+                <a16:creationId xmlns:a16="http://schemas.microsoft.com/office/drawing/2014/main" id="{9FA8B3E9-941F-401C-1CBF-0E6A57904BAF}"/>
+              </a:ext>
+            </a:extLst>
+          </p:cNvPr>
+          <p:cNvSpPr/>
+          <p:nvPr/>
+        </p:nvSpPr>
+        <p:spPr>
+          <a:xfrm>
+            <a:off x="1991138" y="5244081"/>
+            <a:ext cx="1431235" cy="324247"/>
+          </a:xfrm>
+          <a:prstGeom prst="rect">
+            <a:avLst/>
+          </a:prstGeom>
+        </p:spPr>
+        <p:style>
+          <a:lnRef idx="2">
+            <a:schemeClr val="accent1">
+              <a:shade val="15000"/>
+            </a:schemeClr>
+          </a:lnRef>
+          <a:fillRef idx="1">
+            <a:schemeClr val="accent1"/>
+          </a:fillRef>
+          <a:effectRef idx="0">
+            <a:schemeClr val="accent1"/>
+          </a:effectRef>
+          <a:fontRef idx="minor">
+            <a:schemeClr val="lt1"/>
+          </a:fontRef>
+        </p:style>
+        <p:txBody>
+          <a:bodyPr rtlCol="0" anchor="ctr"/>
+          <a:lstStyle/>
+          <a:p>
+            <a:pPr algn="ctr"/>
+            <a:r>
+              <a:rPr lang="ko-KR" altLang="en-US"/>
+              <a:t>직업</a:t>
+            </a:r>
+          </a:p>
+        </p:txBody>
+      </p:sp>
+      <p:sp>
+        <p:nvSpPr>
+          <p:cNvPr id="9" name="직사각형 8">
+            <a:extLst>
+              <a:ext uri="{FF2B5EF4-FFF2-40B4-BE49-F238E27FC236}">
+                <a16:creationId xmlns:a16="http://schemas.microsoft.com/office/drawing/2014/main" id="{495961AF-3FD2-BE01-998A-5B80DF7E5638}"/>
+              </a:ext>
+            </a:extLst>
+          </p:cNvPr>
+          <p:cNvSpPr/>
+          <p:nvPr/>
+        </p:nvSpPr>
+        <p:spPr>
+          <a:xfrm>
+            <a:off x="1991138" y="5703265"/>
+            <a:ext cx="1431235" cy="789610"/>
+          </a:xfrm>
+          <a:prstGeom prst="rect">
+            <a:avLst/>
+          </a:prstGeom>
+        </p:spPr>
+        <p:style>
+          <a:lnRef idx="2">
+            <a:schemeClr val="accent1">
+              <a:shade val="15000"/>
+            </a:schemeClr>
+          </a:lnRef>
+          <a:fillRef idx="1">
+            <a:schemeClr val="accent1"/>
+          </a:fillRef>
+          <a:effectRef idx="0">
+            <a:schemeClr val="accent1"/>
+          </a:effectRef>
+          <a:fontRef idx="minor">
+            <a:schemeClr val="lt1"/>
+          </a:fontRef>
+        </p:style>
+        <p:txBody>
+          <a:bodyPr rtlCol="0" anchor="ctr"/>
+          <a:lstStyle/>
+          <a:p>
+            <a:pPr algn="ctr"/>
+            <a:r>
+              <a:rPr lang="ko-KR" altLang="en-US"/>
+              <a:t>스텟</a:t>
+            </a:r>
+          </a:p>
+        </p:txBody>
+      </p:sp>
+      <p:sp>
+        <p:nvSpPr>
+          <p:cNvPr id="10" name="직사각형 9">
+            <a:extLst>
+              <a:ext uri="{FF2B5EF4-FFF2-40B4-BE49-F238E27FC236}">
+                <a16:creationId xmlns:a16="http://schemas.microsoft.com/office/drawing/2014/main" id="{342BA6F1-BC92-F7A4-E35F-699E0F94A76D}"/>
+              </a:ext>
+            </a:extLst>
+          </p:cNvPr>
+          <p:cNvSpPr/>
+          <p:nvPr/>
+        </p:nvSpPr>
+        <p:spPr>
+          <a:xfrm>
+            <a:off x="3682448" y="3804237"/>
+            <a:ext cx="3286539" cy="2372139"/>
+          </a:xfrm>
+          <a:prstGeom prst="rect">
+            <a:avLst/>
+          </a:prstGeom>
+        </p:spPr>
+        <p:style>
+          <a:lnRef idx="2">
+            <a:schemeClr val="accent1">
+              <a:shade val="15000"/>
+            </a:schemeClr>
+          </a:lnRef>
+          <a:fillRef idx="1">
+            <a:schemeClr val="accent1"/>
+          </a:fillRef>
+          <a:effectRef idx="0">
+            <a:schemeClr val="accent1"/>
+          </a:effectRef>
+          <a:fontRef idx="minor">
+            <a:schemeClr val="lt1"/>
+          </a:fontRef>
+        </p:style>
+        <p:txBody>
+          <a:bodyPr rtlCol="0" anchor="ctr"/>
+          <a:lstStyle/>
+          <a:p>
+            <a:pPr algn="ctr"/>
+            <a:r>
+              <a:rPr lang="ko-KR" altLang="en-US"/>
+              <a:t>인벤토리</a:t>
+            </a:r>
+          </a:p>
+        </p:txBody>
+      </p:sp>
+      <p:sp>
+        <p:nvSpPr>
+          <p:cNvPr id="11" name="직사각형 10">
+            <a:extLst>
+              <a:ext uri="{FF2B5EF4-FFF2-40B4-BE49-F238E27FC236}">
+                <a16:creationId xmlns:a16="http://schemas.microsoft.com/office/drawing/2014/main" id="{BA8901A3-104F-B82D-4FB9-54F4D3CC33C9}"/>
+              </a:ext>
+            </a:extLst>
+          </p:cNvPr>
+          <p:cNvSpPr/>
+          <p:nvPr/>
+        </p:nvSpPr>
+        <p:spPr>
+          <a:xfrm>
+            <a:off x="3682448" y="6281530"/>
+            <a:ext cx="3286539" cy="304800"/>
+          </a:xfrm>
+          <a:prstGeom prst="rect">
+            <a:avLst/>
+          </a:prstGeom>
+        </p:spPr>
+        <p:style>
+          <a:lnRef idx="2">
+            <a:schemeClr val="accent1">
+              <a:shade val="15000"/>
+            </a:schemeClr>
+          </a:lnRef>
+          <a:fillRef idx="1">
+            <a:schemeClr val="accent1"/>
+          </a:fillRef>
+          <a:effectRef idx="0">
+            <a:schemeClr val="accent1"/>
+          </a:effectRef>
+          <a:fontRef idx="minor">
+            <a:schemeClr val="lt1"/>
+          </a:fontRef>
+        </p:style>
+        <p:txBody>
+          <a:bodyPr rtlCol="0" anchor="ctr"/>
+          <a:lstStyle/>
+          <a:p>
+            <a:pPr algn="ctr"/>
+            <a:r>
+              <a:rPr lang="ko-KR" altLang="en-US"/>
+              <a:t>퀵슬롯</a:t>
+            </a:r>
+          </a:p>
+        </p:txBody>
+      </p:sp>
+    </p:spTree>
+    <p:extLst>
+      <p:ext uri="{BB962C8B-B14F-4D97-AF65-F5344CB8AC3E}">
+        <p14:creationId xmlns:p14="http://schemas.microsoft.com/office/powerpoint/2010/main" val="712610034"/>
+      </p:ext>
+    </p:extLst>
+  </p:cSld>
+  <p:clrMapOvr>
+    <a:masterClrMapping/>
+  </p:clrMapOvr>
+</p:sld>
+</file>
+
+<file path=ppt/slides/slide9.xml><?xml version="1.0" encoding="utf-8"?>
+<p:sld xmlns:a="http://schemas.openxmlformats.org/drawingml/2006/main" xmlns:r="http://schemas.openxmlformats.org/officeDocument/2006/relationships" xmlns:p="http://schemas.openxmlformats.org/presentationml/2006/main">
+  <p:cSld>
+    <p:spTree>
+      <p:nvGrpSpPr>
+        <p:cNvPr id="1" name=""/>
+        <p:cNvGrpSpPr/>
+        <p:nvPr/>
+      </p:nvGrpSpPr>
+      <p:grpSpPr>
+        <a:xfrm>
+          <a:off x="0" y="0"/>
+          <a:ext cx="0" cy="0"/>
+          <a:chOff x="0" y="0"/>
+          <a:chExt cx="0" cy="0"/>
+        </a:xfrm>
+      </p:grpSpPr>
+      <p:sp>
+        <p:nvSpPr>
+          <p:cNvPr id="2" name="제목 1">
+            <a:extLst>
+              <a:ext uri="{FF2B5EF4-FFF2-40B4-BE49-F238E27FC236}">
+                <a16:creationId xmlns:a16="http://schemas.microsoft.com/office/drawing/2014/main" id="{4F0260BF-4728-E58B-0041-F65AE9F1256E}"/>
+              </a:ext>
+            </a:extLst>
+          </p:cNvPr>
+          <p:cNvSpPr>
+            <a:spLocks noGrp="1"/>
+          </p:cNvSpPr>
+          <p:nvPr>
+            <p:ph type="title"/>
+          </p:nvPr>
+        </p:nvSpPr>
+        <p:spPr/>
+        <p:txBody>
+          <a:bodyPr/>
+          <a:lstStyle/>
+          <a:p>
+            <a:r>
+              <a:rPr lang="ko-KR" altLang="en-US"/>
+              <a:t>장비</a:t>
+            </a:r>
+          </a:p>
+        </p:txBody>
+      </p:sp>
+      <p:sp>
+        <p:nvSpPr>
+          <p:cNvPr id="3" name="내용 개체 틀 2">
+            <a:extLst>
+              <a:ext uri="{FF2B5EF4-FFF2-40B4-BE49-F238E27FC236}">
+                <a16:creationId xmlns:a16="http://schemas.microsoft.com/office/drawing/2014/main" id="{C8FE1059-5DE0-7D5D-8B4E-AD990E8BF8DC}"/>
+              </a:ext>
+            </a:extLst>
+          </p:cNvPr>
+          <p:cNvSpPr>
+            <a:spLocks noGrp="1"/>
+          </p:cNvSpPr>
+          <p:nvPr>
+            <p:ph idx="1"/>
+          </p:nvPr>
+        </p:nvSpPr>
+        <p:spPr/>
+        <p:txBody>
+          <a:bodyPr/>
+          <a:lstStyle/>
+          <a:p>
+            <a:r>
+              <a:rPr lang="ko-KR" altLang="en-US"/>
+              <a:t>무기는 강화만 가능하며</a:t>
+            </a:r>
+            <a:r>
+              <a:rPr lang="en-US" altLang="ko-KR"/>
+              <a:t>, [</a:t>
+            </a:r>
+            <a:r>
+              <a:rPr lang="ko-KR" altLang="en-US"/>
+              <a:t>공격력</a:t>
+            </a:r>
+            <a:r>
+              <a:rPr lang="en-US" altLang="ko-KR"/>
+              <a:t>, </a:t>
+            </a:r>
+            <a:r>
+              <a:rPr lang="ko-KR" altLang="en-US"/>
+              <a:t>공격속도</a:t>
+            </a:r>
+            <a:r>
+              <a:rPr lang="en-US" altLang="ko-KR"/>
+              <a:t>/</a:t>
+            </a:r>
+            <a:r>
+              <a:rPr lang="ko-KR" altLang="en-US"/>
+              <a:t>쿨타임</a:t>
+            </a:r>
+            <a:r>
+              <a:rPr lang="en-US" altLang="ko-KR"/>
+              <a:t>]</a:t>
+            </a:r>
+            <a:r>
+              <a:rPr lang="ko-KR" altLang="en-US"/>
+              <a:t>가 증가</a:t>
+            </a:r>
+            <a:endParaRPr lang="en-US" altLang="ko-KR"/>
+          </a:p>
+          <a:p>
+            <a:r>
+              <a:rPr lang="ko-KR" altLang="en-US"/>
+              <a:t>액세서리는 강화가 불가능하며</a:t>
+            </a:r>
+            <a:r>
+              <a:rPr lang="en-US" altLang="ko-KR"/>
+              <a:t>, </a:t>
+            </a:r>
+            <a:r>
+              <a:rPr lang="ko-KR" altLang="en-US"/>
+              <a:t>파밍으로만 얻거나 일부 제작 가능함</a:t>
+            </a:r>
+            <a:r>
+              <a:rPr lang="en-US" altLang="ko-KR"/>
+              <a:t>. [</a:t>
+            </a:r>
+            <a:r>
+              <a:rPr lang="ko-KR" altLang="en-US"/>
+              <a:t>체력</a:t>
+            </a:r>
+            <a:r>
+              <a:rPr lang="en-US" altLang="ko-KR"/>
+              <a:t>, </a:t>
+            </a:r>
+            <a:r>
+              <a:rPr lang="ko-KR" altLang="en-US"/>
+              <a:t>공격력</a:t>
+            </a:r>
+            <a:r>
+              <a:rPr lang="en-US" altLang="ko-KR"/>
+              <a:t>, </a:t>
+            </a:r>
+            <a:r>
+              <a:rPr lang="ko-KR" altLang="en-US"/>
+              <a:t>공격속도</a:t>
+            </a:r>
+            <a:r>
+              <a:rPr lang="en-US" altLang="ko-KR"/>
+              <a:t>/</a:t>
+            </a:r>
+            <a:r>
+              <a:rPr lang="ko-KR" altLang="en-US"/>
+              <a:t>쿨타임</a:t>
+            </a:r>
+            <a:r>
+              <a:rPr lang="en-US" altLang="ko-KR"/>
+              <a:t>]</a:t>
+            </a:r>
+            <a:r>
+              <a:rPr lang="ko-KR" altLang="en-US"/>
+              <a:t>들을 올려주기도 하며</a:t>
+            </a:r>
+            <a:r>
+              <a:rPr lang="en-US" altLang="ko-KR"/>
+              <a:t>, </a:t>
+            </a:r>
+            <a:r>
+              <a:rPr lang="ko-KR" altLang="en-US"/>
+              <a:t>특수 효과를 지닌 효과들도 존재</a:t>
+            </a:r>
+          </a:p>
+        </p:txBody>
+      </p:sp>
+    </p:spTree>
+    <p:extLst>
+      <p:ext uri="{BB962C8B-B14F-4D97-AF65-F5344CB8AC3E}">
+        <p14:creationId xmlns:p14="http://schemas.microsoft.com/office/powerpoint/2010/main" val="713031772"/>
       </p:ext>
     </p:extLst>
   </p:cSld>

--- a/기획.pptx
+++ b/기획.pptx
@@ -267,7 +267,7 @@
           <a:p>
             <a:fld id="{1F5B2CD7-1D02-4F95-AC7E-28E06A73A4DB}" type="datetimeFigureOut">
               <a:rPr lang="ko-KR" altLang="en-US" smtClean="0"/>
-              <a:t>2026-01-19</a:t>
+              <a:t>2026-01-20</a:t>
             </a:fld>
             <a:endParaRPr lang="ko-KR" altLang="en-US"/>
           </a:p>
@@ -465,7 +465,7 @@
           <a:p>
             <a:fld id="{1F5B2CD7-1D02-4F95-AC7E-28E06A73A4DB}" type="datetimeFigureOut">
               <a:rPr lang="ko-KR" altLang="en-US" smtClean="0"/>
-              <a:t>2026-01-19</a:t>
+              <a:t>2026-01-20</a:t>
             </a:fld>
             <a:endParaRPr lang="ko-KR" altLang="en-US"/>
           </a:p>
@@ -673,7 +673,7 @@
           <a:p>
             <a:fld id="{1F5B2CD7-1D02-4F95-AC7E-28E06A73A4DB}" type="datetimeFigureOut">
               <a:rPr lang="ko-KR" altLang="en-US" smtClean="0"/>
-              <a:t>2026-01-19</a:t>
+              <a:t>2026-01-20</a:t>
             </a:fld>
             <a:endParaRPr lang="ko-KR" altLang="en-US"/>
           </a:p>
@@ -871,7 +871,7 @@
           <a:p>
             <a:fld id="{1F5B2CD7-1D02-4F95-AC7E-28E06A73A4DB}" type="datetimeFigureOut">
               <a:rPr lang="ko-KR" altLang="en-US" smtClean="0"/>
-              <a:t>2026-01-19</a:t>
+              <a:t>2026-01-20</a:t>
             </a:fld>
             <a:endParaRPr lang="ko-KR" altLang="en-US"/>
           </a:p>
@@ -1146,7 +1146,7 @@
           <a:p>
             <a:fld id="{1F5B2CD7-1D02-4F95-AC7E-28E06A73A4DB}" type="datetimeFigureOut">
               <a:rPr lang="ko-KR" altLang="en-US" smtClean="0"/>
-              <a:t>2026-01-19</a:t>
+              <a:t>2026-01-20</a:t>
             </a:fld>
             <a:endParaRPr lang="ko-KR" altLang="en-US"/>
           </a:p>
@@ -1411,7 +1411,7 @@
           <a:p>
             <a:fld id="{1F5B2CD7-1D02-4F95-AC7E-28E06A73A4DB}" type="datetimeFigureOut">
               <a:rPr lang="ko-KR" altLang="en-US" smtClean="0"/>
-              <a:t>2026-01-19</a:t>
+              <a:t>2026-01-20</a:t>
             </a:fld>
             <a:endParaRPr lang="ko-KR" altLang="en-US"/>
           </a:p>
@@ -1823,7 +1823,7 @@
           <a:p>
             <a:fld id="{1F5B2CD7-1D02-4F95-AC7E-28E06A73A4DB}" type="datetimeFigureOut">
               <a:rPr lang="ko-KR" altLang="en-US" smtClean="0"/>
-              <a:t>2026-01-19</a:t>
+              <a:t>2026-01-20</a:t>
             </a:fld>
             <a:endParaRPr lang="ko-KR" altLang="en-US"/>
           </a:p>
@@ -1964,7 +1964,7 @@
           <a:p>
             <a:fld id="{1F5B2CD7-1D02-4F95-AC7E-28E06A73A4DB}" type="datetimeFigureOut">
               <a:rPr lang="ko-KR" altLang="en-US" smtClean="0"/>
-              <a:t>2026-01-19</a:t>
+              <a:t>2026-01-20</a:t>
             </a:fld>
             <a:endParaRPr lang="ko-KR" altLang="en-US"/>
           </a:p>
@@ -2077,7 +2077,7 @@
           <a:p>
             <a:fld id="{1F5B2CD7-1D02-4F95-AC7E-28E06A73A4DB}" type="datetimeFigureOut">
               <a:rPr lang="ko-KR" altLang="en-US" smtClean="0"/>
-              <a:t>2026-01-19</a:t>
+              <a:t>2026-01-20</a:t>
             </a:fld>
             <a:endParaRPr lang="ko-KR" altLang="en-US"/>
           </a:p>
@@ -2388,7 +2388,7 @@
           <a:p>
             <a:fld id="{1F5B2CD7-1D02-4F95-AC7E-28E06A73A4DB}" type="datetimeFigureOut">
               <a:rPr lang="ko-KR" altLang="en-US" smtClean="0"/>
-              <a:t>2026-01-19</a:t>
+              <a:t>2026-01-20</a:t>
             </a:fld>
             <a:endParaRPr lang="ko-KR" altLang="en-US"/>
           </a:p>
@@ -2676,7 +2676,7 @@
           <a:p>
             <a:fld id="{1F5B2CD7-1D02-4F95-AC7E-28E06A73A4DB}" type="datetimeFigureOut">
               <a:rPr lang="ko-KR" altLang="en-US" smtClean="0"/>
-              <a:t>2026-01-19</a:t>
+              <a:t>2026-01-20</a:t>
             </a:fld>
             <a:endParaRPr lang="ko-KR" altLang="en-US"/>
           </a:p>
@@ -2917,7 +2917,7 @@
           <a:p>
             <a:fld id="{1F5B2CD7-1D02-4F95-AC7E-28E06A73A4DB}" type="datetimeFigureOut">
               <a:rPr lang="ko-KR" altLang="en-US" smtClean="0"/>
-              <a:t>2026-01-19</a:t>
+              <a:t>2026-01-20</a:t>
             </a:fld>
             <a:endParaRPr lang="ko-KR" altLang="en-US"/>
           </a:p>
@@ -5495,13 +5495,13 @@
         </p:nvSpPr>
         <p:spPr>
           <a:xfrm>
-            <a:off x="838200" y="1825625"/>
-            <a:ext cx="5999922" cy="4351338"/>
+            <a:off x="785191" y="1289917"/>
+            <a:ext cx="5999922" cy="5202958"/>
           </a:xfrm>
         </p:spPr>
         <p:txBody>
           <a:bodyPr>
-            <a:normAutofit fontScale="92500"/>
+            <a:normAutofit fontScale="92500" lnSpcReduction="10000"/>
           </a:bodyPr>
           <a:lstStyle/>
           <a:p>
@@ -5600,6 +5600,28 @@
               <a:rPr lang="en-US" altLang="ko-KR"/>
               <a:t>)</a:t>
             </a:r>
+          </a:p>
+          <a:p>
+            <a:pPr marL="0" indent="0">
+              <a:buNone/>
+            </a:pPr>
+            <a:r>
+              <a:rPr lang="en-US" altLang="ko-KR"/>
+              <a:t>※1</a:t>
+            </a:r>
+            <a:r>
+              <a:rPr lang="ko-KR" altLang="en-US"/>
+              <a:t>인 개발이라 애니메이션 제작에 어려움이 있어</a:t>
+            </a:r>
+            <a:r>
+              <a:rPr lang="en-US" altLang="ko-KR"/>
+              <a:t>, </a:t>
+            </a:r>
+            <a:r>
+              <a:rPr lang="ko-KR" altLang="en-US"/>
+              <a:t>스킬 구현은 하드코딩으로 대체</a:t>
+            </a:r>
+            <a:endParaRPr lang="en-US" altLang="ko-KR"/>
           </a:p>
         </p:txBody>
       </p:sp>

--- a/기획.pptx
+++ b/기획.pptx
@@ -267,7 +267,7 @@
           <a:p>
             <a:fld id="{1F5B2CD7-1D02-4F95-AC7E-28E06A73A4DB}" type="datetimeFigureOut">
               <a:rPr lang="ko-KR" altLang="en-US" smtClean="0"/>
-              <a:t>2026-01-20</a:t>
+              <a:t>2026-01-21</a:t>
             </a:fld>
             <a:endParaRPr lang="ko-KR" altLang="en-US"/>
           </a:p>
@@ -465,7 +465,7 @@
           <a:p>
             <a:fld id="{1F5B2CD7-1D02-4F95-AC7E-28E06A73A4DB}" type="datetimeFigureOut">
               <a:rPr lang="ko-KR" altLang="en-US" smtClean="0"/>
-              <a:t>2026-01-20</a:t>
+              <a:t>2026-01-21</a:t>
             </a:fld>
             <a:endParaRPr lang="ko-KR" altLang="en-US"/>
           </a:p>
@@ -673,7 +673,7 @@
           <a:p>
             <a:fld id="{1F5B2CD7-1D02-4F95-AC7E-28E06A73A4DB}" type="datetimeFigureOut">
               <a:rPr lang="ko-KR" altLang="en-US" smtClean="0"/>
-              <a:t>2026-01-20</a:t>
+              <a:t>2026-01-21</a:t>
             </a:fld>
             <a:endParaRPr lang="ko-KR" altLang="en-US"/>
           </a:p>
@@ -871,7 +871,7 @@
           <a:p>
             <a:fld id="{1F5B2CD7-1D02-4F95-AC7E-28E06A73A4DB}" type="datetimeFigureOut">
               <a:rPr lang="ko-KR" altLang="en-US" smtClean="0"/>
-              <a:t>2026-01-20</a:t>
+              <a:t>2026-01-21</a:t>
             </a:fld>
             <a:endParaRPr lang="ko-KR" altLang="en-US"/>
           </a:p>
@@ -1146,7 +1146,7 @@
           <a:p>
             <a:fld id="{1F5B2CD7-1D02-4F95-AC7E-28E06A73A4DB}" type="datetimeFigureOut">
               <a:rPr lang="ko-KR" altLang="en-US" smtClean="0"/>
-              <a:t>2026-01-20</a:t>
+              <a:t>2026-01-21</a:t>
             </a:fld>
             <a:endParaRPr lang="ko-KR" altLang="en-US"/>
           </a:p>
@@ -1411,7 +1411,7 @@
           <a:p>
             <a:fld id="{1F5B2CD7-1D02-4F95-AC7E-28E06A73A4DB}" type="datetimeFigureOut">
               <a:rPr lang="ko-KR" altLang="en-US" smtClean="0"/>
-              <a:t>2026-01-20</a:t>
+              <a:t>2026-01-21</a:t>
             </a:fld>
             <a:endParaRPr lang="ko-KR" altLang="en-US"/>
           </a:p>
@@ -1823,7 +1823,7 @@
           <a:p>
             <a:fld id="{1F5B2CD7-1D02-4F95-AC7E-28E06A73A4DB}" type="datetimeFigureOut">
               <a:rPr lang="ko-KR" altLang="en-US" smtClean="0"/>
-              <a:t>2026-01-20</a:t>
+              <a:t>2026-01-21</a:t>
             </a:fld>
             <a:endParaRPr lang="ko-KR" altLang="en-US"/>
           </a:p>
@@ -1964,7 +1964,7 @@
           <a:p>
             <a:fld id="{1F5B2CD7-1D02-4F95-AC7E-28E06A73A4DB}" type="datetimeFigureOut">
               <a:rPr lang="ko-KR" altLang="en-US" smtClean="0"/>
-              <a:t>2026-01-20</a:t>
+              <a:t>2026-01-21</a:t>
             </a:fld>
             <a:endParaRPr lang="ko-KR" altLang="en-US"/>
           </a:p>
@@ -2077,7 +2077,7 @@
           <a:p>
             <a:fld id="{1F5B2CD7-1D02-4F95-AC7E-28E06A73A4DB}" type="datetimeFigureOut">
               <a:rPr lang="ko-KR" altLang="en-US" smtClean="0"/>
-              <a:t>2026-01-20</a:t>
+              <a:t>2026-01-21</a:t>
             </a:fld>
             <a:endParaRPr lang="ko-KR" altLang="en-US"/>
           </a:p>
@@ -2388,7 +2388,7 @@
           <a:p>
             <a:fld id="{1F5B2CD7-1D02-4F95-AC7E-28E06A73A4DB}" type="datetimeFigureOut">
               <a:rPr lang="ko-KR" altLang="en-US" smtClean="0"/>
-              <a:t>2026-01-20</a:t>
+              <a:t>2026-01-21</a:t>
             </a:fld>
             <a:endParaRPr lang="ko-KR" altLang="en-US"/>
           </a:p>
@@ -2676,7 +2676,7 @@
           <a:p>
             <a:fld id="{1F5B2CD7-1D02-4F95-AC7E-28E06A73A4DB}" type="datetimeFigureOut">
               <a:rPr lang="ko-KR" altLang="en-US" smtClean="0"/>
-              <a:t>2026-01-20</a:t>
+              <a:t>2026-01-21</a:t>
             </a:fld>
             <a:endParaRPr lang="ko-KR" altLang="en-US"/>
           </a:p>
@@ -2917,7 +2917,7 @@
           <a:p>
             <a:fld id="{1F5B2CD7-1D02-4F95-AC7E-28E06A73A4DB}" type="datetimeFigureOut">
               <a:rPr lang="ko-KR" altLang="en-US" smtClean="0"/>
-              <a:t>2026-01-20</a:t>
+              <a:t>2026-01-21</a:t>
             </a:fld>
             <a:endParaRPr lang="ko-KR" altLang="en-US"/>
           </a:p>
@@ -3539,7 +3539,7 @@
           <a:p>
             <a:r>
               <a:rPr lang="ko-KR" altLang="en-US"/>
-              <a:t>스킬이나 무기 등을 파밍해서 계속 교체할 수 있도록</a:t>
+              <a:t>스킬이나 악세 등을 파밍해서 계속 교체할 수 있도록</a:t>
             </a:r>
             <a:endParaRPr lang="en-US" altLang="ko-KR"/>
           </a:p>
@@ -3815,7 +3815,7 @@
           <p:nvPr>
             <p:extLst>
               <p:ext uri="{D42A27DB-BD31-4B8C-83A1-F6EECF244321}">
-                <p14:modId xmlns:p14="http://schemas.microsoft.com/office/powerpoint/2010/main" val="3036952072"/>
+                <p14:modId xmlns:p14="http://schemas.microsoft.com/office/powerpoint/2010/main" val="505030025"/>
               </p:ext>
             </p:extLst>
           </p:nvPr>
@@ -4689,7 +4689,7 @@
             <p:ph idx="1"/>
             <p:extLst>
               <p:ext uri="{D42A27DB-BD31-4B8C-83A1-F6EECF244321}">
-                <p14:modId xmlns:p14="http://schemas.microsoft.com/office/powerpoint/2010/main" val="1869764236"/>
+                <p14:modId xmlns:p14="http://schemas.microsoft.com/office/powerpoint/2010/main" val="2564537281"/>
               </p:ext>
             </p:extLst>
           </p:nvPr>
@@ -4780,14 +4780,6 @@
                     <a:lstStyle/>
                     <a:p>
                       <a:pPr algn="ctr" latinLnBrk="1"/>
-                      <a:r>
-                        <a:rPr lang="ko-KR" altLang="en-US" b="0"/>
-                        <a:t>공격속도</a:t>
-                      </a:r>
-                      <a:r>
-                        <a:rPr lang="en-US" altLang="ko-KR" b="0"/>
-                        <a:t>/</a:t>
-                      </a:r>
                       <a:r>
                         <a:rPr lang="ko-KR" altLang="en-US" b="0"/>
                         <a:t>쿨타임 계수</a:t>

--- a/기획.pptx
+++ b/기획.pptx
@@ -267,7 +267,7 @@
           <a:p>
             <a:fld id="{1F5B2CD7-1D02-4F95-AC7E-28E06A73A4DB}" type="datetimeFigureOut">
               <a:rPr lang="ko-KR" altLang="en-US" smtClean="0"/>
-              <a:t>2026-01-21</a:t>
+              <a:t>2026-01-22</a:t>
             </a:fld>
             <a:endParaRPr lang="ko-KR" altLang="en-US"/>
           </a:p>
@@ -465,7 +465,7 @@
           <a:p>
             <a:fld id="{1F5B2CD7-1D02-4F95-AC7E-28E06A73A4DB}" type="datetimeFigureOut">
               <a:rPr lang="ko-KR" altLang="en-US" smtClean="0"/>
-              <a:t>2026-01-21</a:t>
+              <a:t>2026-01-22</a:t>
             </a:fld>
             <a:endParaRPr lang="ko-KR" altLang="en-US"/>
           </a:p>
@@ -673,7 +673,7 @@
           <a:p>
             <a:fld id="{1F5B2CD7-1D02-4F95-AC7E-28E06A73A4DB}" type="datetimeFigureOut">
               <a:rPr lang="ko-KR" altLang="en-US" smtClean="0"/>
-              <a:t>2026-01-21</a:t>
+              <a:t>2026-01-22</a:t>
             </a:fld>
             <a:endParaRPr lang="ko-KR" altLang="en-US"/>
           </a:p>
@@ -871,7 +871,7 @@
           <a:p>
             <a:fld id="{1F5B2CD7-1D02-4F95-AC7E-28E06A73A4DB}" type="datetimeFigureOut">
               <a:rPr lang="ko-KR" altLang="en-US" smtClean="0"/>
-              <a:t>2026-01-21</a:t>
+              <a:t>2026-01-22</a:t>
             </a:fld>
             <a:endParaRPr lang="ko-KR" altLang="en-US"/>
           </a:p>
@@ -1146,7 +1146,7 @@
           <a:p>
             <a:fld id="{1F5B2CD7-1D02-4F95-AC7E-28E06A73A4DB}" type="datetimeFigureOut">
               <a:rPr lang="ko-KR" altLang="en-US" smtClean="0"/>
-              <a:t>2026-01-21</a:t>
+              <a:t>2026-01-22</a:t>
             </a:fld>
             <a:endParaRPr lang="ko-KR" altLang="en-US"/>
           </a:p>
@@ -1411,7 +1411,7 @@
           <a:p>
             <a:fld id="{1F5B2CD7-1D02-4F95-AC7E-28E06A73A4DB}" type="datetimeFigureOut">
               <a:rPr lang="ko-KR" altLang="en-US" smtClean="0"/>
-              <a:t>2026-01-21</a:t>
+              <a:t>2026-01-22</a:t>
             </a:fld>
             <a:endParaRPr lang="ko-KR" altLang="en-US"/>
           </a:p>
@@ -1823,7 +1823,7 @@
           <a:p>
             <a:fld id="{1F5B2CD7-1D02-4F95-AC7E-28E06A73A4DB}" type="datetimeFigureOut">
               <a:rPr lang="ko-KR" altLang="en-US" smtClean="0"/>
-              <a:t>2026-01-21</a:t>
+              <a:t>2026-01-22</a:t>
             </a:fld>
             <a:endParaRPr lang="ko-KR" altLang="en-US"/>
           </a:p>
@@ -1964,7 +1964,7 @@
           <a:p>
             <a:fld id="{1F5B2CD7-1D02-4F95-AC7E-28E06A73A4DB}" type="datetimeFigureOut">
               <a:rPr lang="ko-KR" altLang="en-US" smtClean="0"/>
-              <a:t>2026-01-21</a:t>
+              <a:t>2026-01-22</a:t>
             </a:fld>
             <a:endParaRPr lang="ko-KR" altLang="en-US"/>
           </a:p>
@@ -2077,7 +2077,7 @@
           <a:p>
             <a:fld id="{1F5B2CD7-1D02-4F95-AC7E-28E06A73A4DB}" type="datetimeFigureOut">
               <a:rPr lang="ko-KR" altLang="en-US" smtClean="0"/>
-              <a:t>2026-01-21</a:t>
+              <a:t>2026-01-22</a:t>
             </a:fld>
             <a:endParaRPr lang="ko-KR" altLang="en-US"/>
           </a:p>
@@ -2388,7 +2388,7 @@
           <a:p>
             <a:fld id="{1F5B2CD7-1D02-4F95-AC7E-28E06A73A4DB}" type="datetimeFigureOut">
               <a:rPr lang="ko-KR" altLang="en-US" smtClean="0"/>
-              <a:t>2026-01-21</a:t>
+              <a:t>2026-01-22</a:t>
             </a:fld>
             <a:endParaRPr lang="ko-KR" altLang="en-US"/>
           </a:p>
@@ -2676,7 +2676,7 @@
           <a:p>
             <a:fld id="{1F5B2CD7-1D02-4F95-AC7E-28E06A73A4DB}" type="datetimeFigureOut">
               <a:rPr lang="ko-KR" altLang="en-US" smtClean="0"/>
-              <a:t>2026-01-21</a:t>
+              <a:t>2026-01-22</a:t>
             </a:fld>
             <a:endParaRPr lang="ko-KR" altLang="en-US"/>
           </a:p>
@@ -2917,7 +2917,7 @@
           <a:p>
             <a:fld id="{1F5B2CD7-1D02-4F95-AC7E-28E06A73A4DB}" type="datetimeFigureOut">
               <a:rPr lang="ko-KR" altLang="en-US" smtClean="0"/>
-              <a:t>2026-01-21</a:t>
+              <a:t>2026-01-22</a:t>
             </a:fld>
             <a:endParaRPr lang="ko-KR" altLang="en-US"/>
           </a:p>
@@ -5493,7 +5493,7 @@
         </p:spPr>
         <p:txBody>
           <a:bodyPr>
-            <a:normAutofit fontScale="92500" lnSpcReduction="10000"/>
+            <a:normAutofit fontScale="85000" lnSpcReduction="10000"/>
           </a:bodyPr>
           <a:lstStyle/>
           <a:p>
@@ -5592,6 +5592,37 @@
               <a:rPr lang="en-US" altLang="ko-KR"/>
               <a:t>)</a:t>
             </a:r>
+          </a:p>
+          <a:p>
+            <a:r>
+              <a:rPr lang="ko-KR" altLang="en-US"/>
+              <a:t>평타스킬은 기본적으로 </a:t>
+            </a:r>
+            <a:r>
+              <a:rPr lang="en-US" altLang="ko-KR"/>
+              <a:t>1</a:t>
+            </a:r>
+            <a:r>
+              <a:rPr lang="ko-KR" altLang="en-US"/>
+              <a:t>초의 쿨타임</a:t>
+            </a:r>
+            <a:r>
+              <a:rPr lang="en-US" altLang="ko-KR"/>
+              <a:t>, </a:t>
+            </a:r>
+            <a:r>
+              <a:rPr lang="ko-KR" altLang="en-US"/>
+              <a:t>나머지 스킬들은 </a:t>
+            </a:r>
+            <a:r>
+              <a:rPr lang="en-US" altLang="ko-KR"/>
+              <a:t>10</a:t>
+            </a:r>
+            <a:r>
+              <a:rPr lang="ko-KR" altLang="en-US"/>
+              <a:t>초의 쿨타임을 가짐</a:t>
+            </a:r>
+            <a:endParaRPr lang="en-US" altLang="ko-KR"/>
           </a:p>
           <a:p>
             <a:pPr marL="0" indent="0">
@@ -6198,7 +6229,12 @@
             <p:ph idx="1"/>
           </p:nvPr>
         </p:nvSpPr>
-        <p:spPr/>
+        <p:spPr>
+          <a:xfrm>
+            <a:off x="838200" y="1825625"/>
+            <a:ext cx="10515600" cy="4351338"/>
+          </a:xfrm>
+        </p:spPr>
         <p:txBody>
           <a:bodyPr/>
           <a:lstStyle/>
@@ -6281,342 +6317,425 @@
               <a:t>)</a:t>
             </a:r>
           </a:p>
-        </p:txBody>
-      </p:sp>
-      <p:sp>
-        <p:nvSpPr>
-          <p:cNvPr id="5" name="직사각형 4">
-            <a:extLst>
-              <a:ext uri="{FF2B5EF4-FFF2-40B4-BE49-F238E27FC236}">
-                <a16:creationId xmlns:a16="http://schemas.microsoft.com/office/drawing/2014/main" id="{1C2278D3-BFDB-9664-F4FA-C4E98031F1FB}"/>
-              </a:ext>
-            </a:extLst>
-          </p:cNvPr>
-          <p:cNvSpPr/>
+          <a:p>
+            <a:r>
+              <a:rPr lang="en-US" altLang="ko-KR"/>
+              <a:t>[</a:t>
+            </a:r>
+            <a:r>
+              <a:rPr lang="ko-KR" altLang="en-US"/>
+              <a:t>체력</a:t>
+            </a:r>
+            <a:r>
+              <a:rPr lang="en-US" altLang="ko-KR"/>
+              <a:t>, </a:t>
+            </a:r>
+            <a:r>
+              <a:rPr lang="ko-KR" altLang="en-US"/>
+              <a:t>공격력</a:t>
+            </a:r>
+            <a:r>
+              <a:rPr lang="en-US" altLang="ko-KR"/>
+              <a:t>]</a:t>
+            </a:r>
+            <a:r>
+              <a:rPr lang="ko-KR" altLang="en-US"/>
+              <a:t>은 최대치가 없지만</a:t>
+            </a:r>
+            <a:r>
+              <a:rPr lang="en-US" altLang="ko-KR"/>
+              <a:t>, [</a:t>
+            </a:r>
+            <a:r>
+              <a:rPr lang="ko-KR" altLang="en-US"/>
+              <a:t>쿨타임</a:t>
+            </a:r>
+            <a:r>
+              <a:rPr lang="en-US" altLang="ko-KR"/>
+              <a:t>]</a:t>
+            </a:r>
+            <a:r>
+              <a:rPr lang="ko-KR" altLang="en-US"/>
+              <a:t>은 </a:t>
+            </a:r>
+            <a:r>
+              <a:rPr lang="en-US" altLang="ko-KR"/>
+              <a:t>50</a:t>
+            </a:r>
+            <a:r>
+              <a:rPr lang="ko-KR" altLang="en-US"/>
+              <a:t>이 최대</a:t>
+            </a:r>
+            <a:r>
+              <a:rPr lang="en-US" altLang="ko-KR"/>
+              <a:t>(</a:t>
+            </a:r>
+            <a:r>
+              <a:rPr lang="ko-KR" altLang="en-US"/>
+              <a:t>퍼센트</a:t>
+            </a:r>
+            <a:r>
+              <a:rPr lang="en-US" altLang="ko-KR"/>
+              <a:t>)</a:t>
+            </a:r>
+          </a:p>
+        </p:txBody>
+      </p:sp>
+      <p:grpSp>
+        <p:nvGrpSpPr>
+          <p:cNvPr id="4" name="그룹 3">
+            <a:extLst>
+              <a:ext uri="{FF2B5EF4-FFF2-40B4-BE49-F238E27FC236}">
+                <a16:creationId xmlns:a16="http://schemas.microsoft.com/office/drawing/2014/main" id="{F4A7BB83-15A6-7BE1-5F59-82263C47D0A9}"/>
+              </a:ext>
+            </a:extLst>
+          </p:cNvPr>
+          <p:cNvGrpSpPr/>
           <p:nvPr/>
-        </p:nvSpPr>
-        <p:spPr>
+        </p:nvGrpSpPr>
+        <p:grpSpPr>
           <a:xfrm>
-            <a:off x="1789043" y="3651837"/>
-            <a:ext cx="5340626" cy="3060389"/>
+            <a:off x="9099611" y="19099"/>
+            <a:ext cx="3010429" cy="1671589"/>
+            <a:chOff x="6725027" y="3705103"/>
+            <a:chExt cx="5340626" cy="3060389"/>
           </a:xfrm>
-          <a:prstGeom prst="rect">
-            <a:avLst/>
-          </a:prstGeom>
-        </p:spPr>
-        <p:style>
-          <a:lnRef idx="2">
-            <a:schemeClr val="accent1">
-              <a:shade val="15000"/>
-            </a:schemeClr>
-          </a:lnRef>
-          <a:fillRef idx="1">
-            <a:schemeClr val="accent1"/>
-          </a:fillRef>
-          <a:effectRef idx="0">
-            <a:schemeClr val="accent1"/>
-          </a:effectRef>
-          <a:fontRef idx="minor">
-            <a:schemeClr val="lt1"/>
-          </a:fontRef>
-        </p:style>
-        <p:txBody>
-          <a:bodyPr rtlCol="0" anchor="ctr"/>
-          <a:lstStyle/>
-          <a:p>
-            <a:pPr algn="ctr"/>
-            <a:endParaRPr lang="ko-KR" altLang="en-US"/>
-          </a:p>
-        </p:txBody>
-      </p:sp>
-      <p:sp>
-        <p:nvSpPr>
-          <p:cNvPr id="6" name="직사각형 5">
-            <a:extLst>
-              <a:ext uri="{FF2B5EF4-FFF2-40B4-BE49-F238E27FC236}">
-                <a16:creationId xmlns:a16="http://schemas.microsoft.com/office/drawing/2014/main" id="{3F0351CC-F18F-B1F0-9DE3-ACC50D4DECC2}"/>
-              </a:ext>
-            </a:extLst>
-          </p:cNvPr>
-          <p:cNvSpPr/>
-          <p:nvPr/>
-        </p:nvSpPr>
-        <p:spPr>
-          <a:xfrm>
-            <a:off x="1941443" y="3804237"/>
-            <a:ext cx="1530627" cy="1377363"/>
-          </a:xfrm>
-          <a:prstGeom prst="rect">
-            <a:avLst/>
-          </a:prstGeom>
-        </p:spPr>
-        <p:style>
-          <a:lnRef idx="2">
-            <a:schemeClr val="accent1">
-              <a:shade val="15000"/>
-            </a:schemeClr>
-          </a:lnRef>
-          <a:fillRef idx="1">
-            <a:schemeClr val="accent1"/>
-          </a:fillRef>
-          <a:effectRef idx="0">
-            <a:schemeClr val="accent1"/>
-          </a:effectRef>
-          <a:fontRef idx="minor">
-            <a:schemeClr val="lt1"/>
-          </a:fontRef>
-        </p:style>
-        <p:txBody>
-          <a:bodyPr rtlCol="0" anchor="ctr"/>
-          <a:lstStyle/>
-          <a:p>
-            <a:pPr algn="ctr"/>
-            <a:endParaRPr lang="ko-KR" altLang="en-US"/>
-          </a:p>
-        </p:txBody>
-      </p:sp>
-      <p:sp>
-        <p:nvSpPr>
-          <p:cNvPr id="7" name="웃는 얼굴 6">
-            <a:extLst>
-              <a:ext uri="{FF2B5EF4-FFF2-40B4-BE49-F238E27FC236}">
-                <a16:creationId xmlns:a16="http://schemas.microsoft.com/office/drawing/2014/main" id="{FEB7EF0A-249C-D9B4-FB25-9A84337790E4}"/>
-              </a:ext>
-            </a:extLst>
-          </p:cNvPr>
-          <p:cNvSpPr/>
-          <p:nvPr/>
-        </p:nvSpPr>
-        <p:spPr>
-          <a:xfrm>
-            <a:off x="2090530" y="3876692"/>
-            <a:ext cx="1232452" cy="1232452"/>
-          </a:xfrm>
-          <a:prstGeom prst="smileyFace">
-            <a:avLst/>
-          </a:prstGeom>
-        </p:spPr>
-        <p:style>
-          <a:lnRef idx="2">
-            <a:schemeClr val="accent1">
-              <a:shade val="15000"/>
-            </a:schemeClr>
-          </a:lnRef>
-          <a:fillRef idx="1">
-            <a:schemeClr val="accent1"/>
-          </a:fillRef>
-          <a:effectRef idx="0">
-            <a:schemeClr val="accent1"/>
-          </a:effectRef>
-          <a:fontRef idx="minor">
-            <a:schemeClr val="lt1"/>
-          </a:fontRef>
-        </p:style>
-        <p:txBody>
-          <a:bodyPr rtlCol="0" anchor="ctr"/>
-          <a:lstStyle/>
-          <a:p>
-            <a:pPr algn="ctr"/>
-            <a:endParaRPr lang="ko-KR" altLang="en-US"/>
-          </a:p>
-        </p:txBody>
-      </p:sp>
-      <p:sp>
-        <p:nvSpPr>
-          <p:cNvPr id="8" name="직사각형 7">
-            <a:extLst>
-              <a:ext uri="{FF2B5EF4-FFF2-40B4-BE49-F238E27FC236}">
-                <a16:creationId xmlns:a16="http://schemas.microsoft.com/office/drawing/2014/main" id="{9FA8B3E9-941F-401C-1CBF-0E6A57904BAF}"/>
-              </a:ext>
-            </a:extLst>
-          </p:cNvPr>
-          <p:cNvSpPr/>
-          <p:nvPr/>
-        </p:nvSpPr>
-        <p:spPr>
-          <a:xfrm>
-            <a:off x="1991138" y="5244081"/>
-            <a:ext cx="1431235" cy="324247"/>
-          </a:xfrm>
-          <a:prstGeom prst="rect">
-            <a:avLst/>
-          </a:prstGeom>
-        </p:spPr>
-        <p:style>
-          <a:lnRef idx="2">
-            <a:schemeClr val="accent1">
-              <a:shade val="15000"/>
-            </a:schemeClr>
-          </a:lnRef>
-          <a:fillRef idx="1">
-            <a:schemeClr val="accent1"/>
-          </a:fillRef>
-          <a:effectRef idx="0">
-            <a:schemeClr val="accent1"/>
-          </a:effectRef>
-          <a:fontRef idx="minor">
-            <a:schemeClr val="lt1"/>
-          </a:fontRef>
-        </p:style>
-        <p:txBody>
-          <a:bodyPr rtlCol="0" anchor="ctr"/>
-          <a:lstStyle/>
-          <a:p>
-            <a:pPr algn="ctr"/>
-            <a:r>
-              <a:rPr lang="ko-KR" altLang="en-US"/>
-              <a:t>직업</a:t>
-            </a:r>
-          </a:p>
-        </p:txBody>
-      </p:sp>
-      <p:sp>
-        <p:nvSpPr>
-          <p:cNvPr id="9" name="직사각형 8">
-            <a:extLst>
-              <a:ext uri="{FF2B5EF4-FFF2-40B4-BE49-F238E27FC236}">
-                <a16:creationId xmlns:a16="http://schemas.microsoft.com/office/drawing/2014/main" id="{495961AF-3FD2-BE01-998A-5B80DF7E5638}"/>
-              </a:ext>
-            </a:extLst>
-          </p:cNvPr>
-          <p:cNvSpPr/>
-          <p:nvPr/>
-        </p:nvSpPr>
-        <p:spPr>
-          <a:xfrm>
-            <a:off x="1991138" y="5703265"/>
-            <a:ext cx="1431235" cy="789610"/>
-          </a:xfrm>
-          <a:prstGeom prst="rect">
-            <a:avLst/>
-          </a:prstGeom>
-        </p:spPr>
-        <p:style>
-          <a:lnRef idx="2">
-            <a:schemeClr val="accent1">
-              <a:shade val="15000"/>
-            </a:schemeClr>
-          </a:lnRef>
-          <a:fillRef idx="1">
-            <a:schemeClr val="accent1"/>
-          </a:fillRef>
-          <a:effectRef idx="0">
-            <a:schemeClr val="accent1"/>
-          </a:effectRef>
-          <a:fontRef idx="minor">
-            <a:schemeClr val="lt1"/>
-          </a:fontRef>
-        </p:style>
-        <p:txBody>
-          <a:bodyPr rtlCol="0" anchor="ctr"/>
-          <a:lstStyle/>
-          <a:p>
-            <a:pPr algn="ctr"/>
-            <a:r>
-              <a:rPr lang="ko-KR" altLang="en-US"/>
-              <a:t>스텟</a:t>
-            </a:r>
-          </a:p>
-        </p:txBody>
-      </p:sp>
-      <p:sp>
-        <p:nvSpPr>
-          <p:cNvPr id="10" name="직사각형 9">
-            <a:extLst>
-              <a:ext uri="{FF2B5EF4-FFF2-40B4-BE49-F238E27FC236}">
-                <a16:creationId xmlns:a16="http://schemas.microsoft.com/office/drawing/2014/main" id="{342BA6F1-BC92-F7A4-E35F-699E0F94A76D}"/>
-              </a:ext>
-            </a:extLst>
-          </p:cNvPr>
-          <p:cNvSpPr/>
-          <p:nvPr/>
-        </p:nvSpPr>
-        <p:spPr>
-          <a:xfrm>
-            <a:off x="3682448" y="3804237"/>
-            <a:ext cx="3286539" cy="2372139"/>
-          </a:xfrm>
-          <a:prstGeom prst="rect">
-            <a:avLst/>
-          </a:prstGeom>
-        </p:spPr>
-        <p:style>
-          <a:lnRef idx="2">
-            <a:schemeClr val="accent1">
-              <a:shade val="15000"/>
-            </a:schemeClr>
-          </a:lnRef>
-          <a:fillRef idx="1">
-            <a:schemeClr val="accent1"/>
-          </a:fillRef>
-          <a:effectRef idx="0">
-            <a:schemeClr val="accent1"/>
-          </a:effectRef>
-          <a:fontRef idx="minor">
-            <a:schemeClr val="lt1"/>
-          </a:fontRef>
-        </p:style>
-        <p:txBody>
-          <a:bodyPr rtlCol="0" anchor="ctr"/>
-          <a:lstStyle/>
-          <a:p>
-            <a:pPr algn="ctr"/>
-            <a:r>
-              <a:rPr lang="ko-KR" altLang="en-US"/>
-              <a:t>인벤토리</a:t>
-            </a:r>
-          </a:p>
-        </p:txBody>
-      </p:sp>
-      <p:sp>
-        <p:nvSpPr>
-          <p:cNvPr id="11" name="직사각형 10">
-            <a:extLst>
-              <a:ext uri="{FF2B5EF4-FFF2-40B4-BE49-F238E27FC236}">
-                <a16:creationId xmlns:a16="http://schemas.microsoft.com/office/drawing/2014/main" id="{BA8901A3-104F-B82D-4FB9-54F4D3CC33C9}"/>
-              </a:ext>
-            </a:extLst>
-          </p:cNvPr>
-          <p:cNvSpPr/>
-          <p:nvPr/>
-        </p:nvSpPr>
-        <p:spPr>
-          <a:xfrm>
-            <a:off x="3682448" y="6281530"/>
-            <a:ext cx="3286539" cy="304800"/>
-          </a:xfrm>
-          <a:prstGeom prst="rect">
-            <a:avLst/>
-          </a:prstGeom>
-        </p:spPr>
-        <p:style>
-          <a:lnRef idx="2">
-            <a:schemeClr val="accent1">
-              <a:shade val="15000"/>
-            </a:schemeClr>
-          </a:lnRef>
-          <a:fillRef idx="1">
-            <a:schemeClr val="accent1"/>
-          </a:fillRef>
-          <a:effectRef idx="0">
-            <a:schemeClr val="accent1"/>
-          </a:effectRef>
-          <a:fontRef idx="minor">
-            <a:schemeClr val="lt1"/>
-          </a:fontRef>
-        </p:style>
-        <p:txBody>
-          <a:bodyPr rtlCol="0" anchor="ctr"/>
-          <a:lstStyle/>
-          <a:p>
-            <a:pPr algn="ctr"/>
-            <a:r>
-              <a:rPr lang="ko-KR" altLang="en-US"/>
-              <a:t>퀵슬롯</a:t>
-            </a:r>
-          </a:p>
-        </p:txBody>
-      </p:sp>
+        </p:grpSpPr>
+        <p:sp>
+          <p:nvSpPr>
+            <p:cNvPr id="5" name="직사각형 4">
+              <a:extLst>
+                <a:ext uri="{FF2B5EF4-FFF2-40B4-BE49-F238E27FC236}">
+                  <a16:creationId xmlns:a16="http://schemas.microsoft.com/office/drawing/2014/main" id="{1C2278D3-BFDB-9664-F4FA-C4E98031F1FB}"/>
+                </a:ext>
+              </a:extLst>
+            </p:cNvPr>
+            <p:cNvSpPr/>
+            <p:nvPr/>
+          </p:nvSpPr>
+          <p:spPr>
+            <a:xfrm>
+              <a:off x="6725027" y="3705103"/>
+              <a:ext cx="5340626" cy="3060389"/>
+            </a:xfrm>
+            <a:prstGeom prst="rect">
+              <a:avLst/>
+            </a:prstGeom>
+          </p:spPr>
+          <p:style>
+            <a:lnRef idx="2">
+              <a:schemeClr val="accent1">
+                <a:shade val="15000"/>
+              </a:schemeClr>
+            </a:lnRef>
+            <a:fillRef idx="1">
+              <a:schemeClr val="accent1"/>
+            </a:fillRef>
+            <a:effectRef idx="0">
+              <a:schemeClr val="accent1"/>
+            </a:effectRef>
+            <a:fontRef idx="minor">
+              <a:schemeClr val="lt1"/>
+            </a:fontRef>
+          </p:style>
+          <p:txBody>
+            <a:bodyPr rtlCol="0" anchor="ctr"/>
+            <a:lstStyle/>
+            <a:p>
+              <a:pPr algn="ctr"/>
+              <a:endParaRPr lang="ko-KR" altLang="en-US"/>
+            </a:p>
+          </p:txBody>
+        </p:sp>
+        <p:sp>
+          <p:nvSpPr>
+            <p:cNvPr id="6" name="직사각형 5">
+              <a:extLst>
+                <a:ext uri="{FF2B5EF4-FFF2-40B4-BE49-F238E27FC236}">
+                  <a16:creationId xmlns:a16="http://schemas.microsoft.com/office/drawing/2014/main" id="{3F0351CC-F18F-B1F0-9DE3-ACC50D4DECC2}"/>
+                </a:ext>
+              </a:extLst>
+            </p:cNvPr>
+            <p:cNvSpPr/>
+            <p:nvPr/>
+          </p:nvSpPr>
+          <p:spPr>
+            <a:xfrm>
+              <a:off x="6877427" y="3857503"/>
+              <a:ext cx="1530627" cy="1377363"/>
+            </a:xfrm>
+            <a:prstGeom prst="rect">
+              <a:avLst/>
+            </a:prstGeom>
+          </p:spPr>
+          <p:style>
+            <a:lnRef idx="2">
+              <a:schemeClr val="accent1">
+                <a:shade val="15000"/>
+              </a:schemeClr>
+            </a:lnRef>
+            <a:fillRef idx="1">
+              <a:schemeClr val="accent1"/>
+            </a:fillRef>
+            <a:effectRef idx="0">
+              <a:schemeClr val="accent1"/>
+            </a:effectRef>
+            <a:fontRef idx="minor">
+              <a:schemeClr val="lt1"/>
+            </a:fontRef>
+          </p:style>
+          <p:txBody>
+            <a:bodyPr rtlCol="0" anchor="ctr"/>
+            <a:lstStyle/>
+            <a:p>
+              <a:pPr algn="ctr"/>
+              <a:endParaRPr lang="ko-KR" altLang="en-US"/>
+            </a:p>
+          </p:txBody>
+        </p:sp>
+        <p:sp>
+          <p:nvSpPr>
+            <p:cNvPr id="7" name="웃는 얼굴 6">
+              <a:extLst>
+                <a:ext uri="{FF2B5EF4-FFF2-40B4-BE49-F238E27FC236}">
+                  <a16:creationId xmlns:a16="http://schemas.microsoft.com/office/drawing/2014/main" id="{FEB7EF0A-249C-D9B4-FB25-9A84337790E4}"/>
+                </a:ext>
+              </a:extLst>
+            </p:cNvPr>
+            <p:cNvSpPr/>
+            <p:nvPr/>
+          </p:nvSpPr>
+          <p:spPr>
+            <a:xfrm>
+              <a:off x="7026514" y="3929958"/>
+              <a:ext cx="1232452" cy="1232452"/>
+            </a:xfrm>
+            <a:prstGeom prst="smileyFace">
+              <a:avLst/>
+            </a:prstGeom>
+          </p:spPr>
+          <p:style>
+            <a:lnRef idx="2">
+              <a:schemeClr val="accent1">
+                <a:shade val="15000"/>
+              </a:schemeClr>
+            </a:lnRef>
+            <a:fillRef idx="1">
+              <a:schemeClr val="accent1"/>
+            </a:fillRef>
+            <a:effectRef idx="0">
+              <a:schemeClr val="accent1"/>
+            </a:effectRef>
+            <a:fontRef idx="minor">
+              <a:schemeClr val="lt1"/>
+            </a:fontRef>
+          </p:style>
+          <p:txBody>
+            <a:bodyPr rtlCol="0" anchor="ctr"/>
+            <a:lstStyle/>
+            <a:p>
+              <a:pPr algn="ctr"/>
+              <a:endParaRPr lang="ko-KR" altLang="en-US"/>
+            </a:p>
+          </p:txBody>
+        </p:sp>
+        <p:sp>
+          <p:nvSpPr>
+            <p:cNvPr id="8" name="직사각형 7">
+              <a:extLst>
+                <a:ext uri="{FF2B5EF4-FFF2-40B4-BE49-F238E27FC236}">
+                  <a16:creationId xmlns:a16="http://schemas.microsoft.com/office/drawing/2014/main" id="{9FA8B3E9-941F-401C-1CBF-0E6A57904BAF}"/>
+                </a:ext>
+              </a:extLst>
+            </p:cNvPr>
+            <p:cNvSpPr/>
+            <p:nvPr/>
+          </p:nvSpPr>
+          <p:spPr>
+            <a:xfrm>
+              <a:off x="6927122" y="5297347"/>
+              <a:ext cx="1431235" cy="324247"/>
+            </a:xfrm>
+            <a:prstGeom prst="rect">
+              <a:avLst/>
+            </a:prstGeom>
+          </p:spPr>
+          <p:style>
+            <a:lnRef idx="2">
+              <a:schemeClr val="accent1">
+                <a:shade val="15000"/>
+              </a:schemeClr>
+            </a:lnRef>
+            <a:fillRef idx="1">
+              <a:schemeClr val="accent1"/>
+            </a:fillRef>
+            <a:effectRef idx="0">
+              <a:schemeClr val="accent1"/>
+            </a:effectRef>
+            <a:fontRef idx="minor">
+              <a:schemeClr val="lt1"/>
+            </a:fontRef>
+          </p:style>
+          <p:txBody>
+            <a:bodyPr rtlCol="0" anchor="ctr"/>
+            <a:lstStyle/>
+            <a:p>
+              <a:pPr algn="ctr"/>
+              <a:r>
+                <a:rPr lang="ko-KR" altLang="en-US"/>
+                <a:t>직업</a:t>
+              </a:r>
+            </a:p>
+          </p:txBody>
+        </p:sp>
+        <p:sp>
+          <p:nvSpPr>
+            <p:cNvPr id="9" name="직사각형 8">
+              <a:extLst>
+                <a:ext uri="{FF2B5EF4-FFF2-40B4-BE49-F238E27FC236}">
+                  <a16:creationId xmlns:a16="http://schemas.microsoft.com/office/drawing/2014/main" id="{495961AF-3FD2-BE01-998A-5B80DF7E5638}"/>
+                </a:ext>
+              </a:extLst>
+            </p:cNvPr>
+            <p:cNvSpPr/>
+            <p:nvPr/>
+          </p:nvSpPr>
+          <p:spPr>
+            <a:xfrm>
+              <a:off x="6927122" y="5756531"/>
+              <a:ext cx="1431235" cy="789610"/>
+            </a:xfrm>
+            <a:prstGeom prst="rect">
+              <a:avLst/>
+            </a:prstGeom>
+          </p:spPr>
+          <p:style>
+            <a:lnRef idx="2">
+              <a:schemeClr val="accent1">
+                <a:shade val="15000"/>
+              </a:schemeClr>
+            </a:lnRef>
+            <a:fillRef idx="1">
+              <a:schemeClr val="accent1"/>
+            </a:fillRef>
+            <a:effectRef idx="0">
+              <a:schemeClr val="accent1"/>
+            </a:effectRef>
+            <a:fontRef idx="minor">
+              <a:schemeClr val="lt1"/>
+            </a:fontRef>
+          </p:style>
+          <p:txBody>
+            <a:bodyPr rtlCol="0" anchor="ctr"/>
+            <a:lstStyle/>
+            <a:p>
+              <a:pPr algn="ctr"/>
+              <a:r>
+                <a:rPr lang="ko-KR" altLang="en-US"/>
+                <a:t>스텟</a:t>
+              </a:r>
+            </a:p>
+          </p:txBody>
+        </p:sp>
+        <p:sp>
+          <p:nvSpPr>
+            <p:cNvPr id="10" name="직사각형 9">
+              <a:extLst>
+                <a:ext uri="{FF2B5EF4-FFF2-40B4-BE49-F238E27FC236}">
+                  <a16:creationId xmlns:a16="http://schemas.microsoft.com/office/drawing/2014/main" id="{342BA6F1-BC92-F7A4-E35F-699E0F94A76D}"/>
+                </a:ext>
+              </a:extLst>
+            </p:cNvPr>
+            <p:cNvSpPr/>
+            <p:nvPr/>
+          </p:nvSpPr>
+          <p:spPr>
+            <a:xfrm>
+              <a:off x="8618432" y="3857503"/>
+              <a:ext cx="3286539" cy="2372139"/>
+            </a:xfrm>
+            <a:prstGeom prst="rect">
+              <a:avLst/>
+            </a:prstGeom>
+          </p:spPr>
+          <p:style>
+            <a:lnRef idx="2">
+              <a:schemeClr val="accent1">
+                <a:shade val="15000"/>
+              </a:schemeClr>
+            </a:lnRef>
+            <a:fillRef idx="1">
+              <a:schemeClr val="accent1"/>
+            </a:fillRef>
+            <a:effectRef idx="0">
+              <a:schemeClr val="accent1"/>
+            </a:effectRef>
+            <a:fontRef idx="minor">
+              <a:schemeClr val="lt1"/>
+            </a:fontRef>
+          </p:style>
+          <p:txBody>
+            <a:bodyPr rtlCol="0" anchor="ctr"/>
+            <a:lstStyle/>
+            <a:p>
+              <a:pPr algn="ctr"/>
+              <a:r>
+                <a:rPr lang="ko-KR" altLang="en-US"/>
+                <a:t>인벤토리</a:t>
+              </a:r>
+            </a:p>
+          </p:txBody>
+        </p:sp>
+        <p:sp>
+          <p:nvSpPr>
+            <p:cNvPr id="11" name="직사각형 10">
+              <a:extLst>
+                <a:ext uri="{FF2B5EF4-FFF2-40B4-BE49-F238E27FC236}">
+                  <a16:creationId xmlns:a16="http://schemas.microsoft.com/office/drawing/2014/main" id="{BA8901A3-104F-B82D-4FB9-54F4D3CC33C9}"/>
+                </a:ext>
+              </a:extLst>
+            </p:cNvPr>
+            <p:cNvSpPr/>
+            <p:nvPr/>
+          </p:nvSpPr>
+          <p:spPr>
+            <a:xfrm>
+              <a:off x="8618432" y="6334796"/>
+              <a:ext cx="3286539" cy="304800"/>
+            </a:xfrm>
+            <a:prstGeom prst="rect">
+              <a:avLst/>
+            </a:prstGeom>
+          </p:spPr>
+          <p:style>
+            <a:lnRef idx="2">
+              <a:schemeClr val="accent1">
+                <a:shade val="15000"/>
+              </a:schemeClr>
+            </a:lnRef>
+            <a:fillRef idx="1">
+              <a:schemeClr val="accent1"/>
+            </a:fillRef>
+            <a:effectRef idx="0">
+              <a:schemeClr val="accent1"/>
+            </a:effectRef>
+            <a:fontRef idx="minor">
+              <a:schemeClr val="lt1"/>
+            </a:fontRef>
+          </p:style>
+          <p:txBody>
+            <a:bodyPr rtlCol="0" anchor="ctr"/>
+            <a:lstStyle/>
+            <a:p>
+              <a:pPr algn="ctr"/>
+              <a:r>
+                <a:rPr lang="ko-KR" altLang="en-US"/>
+                <a:t>퀵슬롯</a:t>
+              </a:r>
+            </a:p>
+          </p:txBody>
+        </p:sp>
+      </p:grpSp>
     </p:spTree>
     <p:extLst>
       <p:ext uri="{BB962C8B-B14F-4D97-AF65-F5344CB8AC3E}">

--- a/기획.pptx
+++ b/기획.pptx
@@ -14,6 +14,7 @@
     <p:sldId id="263" r:id="rId8"/>
     <p:sldId id="262" r:id="rId9"/>
     <p:sldId id="264" r:id="rId10"/>
+    <p:sldId id="265" r:id="rId11"/>
   </p:sldIdLst>
   <p:sldSz cx="12192000" cy="6858000"/>
   <p:notesSz cx="6858000" cy="9144000"/>
@@ -267,7 +268,7 @@
           <a:p>
             <a:fld id="{1F5B2CD7-1D02-4F95-AC7E-28E06A73A4DB}" type="datetimeFigureOut">
               <a:rPr lang="ko-KR" altLang="en-US" smtClean="0"/>
-              <a:t>2026-01-22</a:t>
+              <a:t>2026-01-23</a:t>
             </a:fld>
             <a:endParaRPr lang="ko-KR" altLang="en-US"/>
           </a:p>
@@ -465,7 +466,7 @@
           <a:p>
             <a:fld id="{1F5B2CD7-1D02-4F95-AC7E-28E06A73A4DB}" type="datetimeFigureOut">
               <a:rPr lang="ko-KR" altLang="en-US" smtClean="0"/>
-              <a:t>2026-01-22</a:t>
+              <a:t>2026-01-23</a:t>
             </a:fld>
             <a:endParaRPr lang="ko-KR" altLang="en-US"/>
           </a:p>
@@ -673,7 +674,7 @@
           <a:p>
             <a:fld id="{1F5B2CD7-1D02-4F95-AC7E-28E06A73A4DB}" type="datetimeFigureOut">
               <a:rPr lang="ko-KR" altLang="en-US" smtClean="0"/>
-              <a:t>2026-01-22</a:t>
+              <a:t>2026-01-23</a:t>
             </a:fld>
             <a:endParaRPr lang="ko-KR" altLang="en-US"/>
           </a:p>
@@ -871,7 +872,7 @@
           <a:p>
             <a:fld id="{1F5B2CD7-1D02-4F95-AC7E-28E06A73A4DB}" type="datetimeFigureOut">
               <a:rPr lang="ko-KR" altLang="en-US" smtClean="0"/>
-              <a:t>2026-01-22</a:t>
+              <a:t>2026-01-23</a:t>
             </a:fld>
             <a:endParaRPr lang="ko-KR" altLang="en-US"/>
           </a:p>
@@ -1146,7 +1147,7 @@
           <a:p>
             <a:fld id="{1F5B2CD7-1D02-4F95-AC7E-28E06A73A4DB}" type="datetimeFigureOut">
               <a:rPr lang="ko-KR" altLang="en-US" smtClean="0"/>
-              <a:t>2026-01-22</a:t>
+              <a:t>2026-01-23</a:t>
             </a:fld>
             <a:endParaRPr lang="ko-KR" altLang="en-US"/>
           </a:p>
@@ -1411,7 +1412,7 @@
           <a:p>
             <a:fld id="{1F5B2CD7-1D02-4F95-AC7E-28E06A73A4DB}" type="datetimeFigureOut">
               <a:rPr lang="ko-KR" altLang="en-US" smtClean="0"/>
-              <a:t>2026-01-22</a:t>
+              <a:t>2026-01-23</a:t>
             </a:fld>
             <a:endParaRPr lang="ko-KR" altLang="en-US"/>
           </a:p>
@@ -1823,7 +1824,7 @@
           <a:p>
             <a:fld id="{1F5B2CD7-1D02-4F95-AC7E-28E06A73A4DB}" type="datetimeFigureOut">
               <a:rPr lang="ko-KR" altLang="en-US" smtClean="0"/>
-              <a:t>2026-01-22</a:t>
+              <a:t>2026-01-23</a:t>
             </a:fld>
             <a:endParaRPr lang="ko-KR" altLang="en-US"/>
           </a:p>
@@ -1964,7 +1965,7 @@
           <a:p>
             <a:fld id="{1F5B2CD7-1D02-4F95-AC7E-28E06A73A4DB}" type="datetimeFigureOut">
               <a:rPr lang="ko-KR" altLang="en-US" smtClean="0"/>
-              <a:t>2026-01-22</a:t>
+              <a:t>2026-01-23</a:t>
             </a:fld>
             <a:endParaRPr lang="ko-KR" altLang="en-US"/>
           </a:p>
@@ -2077,7 +2078,7 @@
           <a:p>
             <a:fld id="{1F5B2CD7-1D02-4F95-AC7E-28E06A73A4DB}" type="datetimeFigureOut">
               <a:rPr lang="ko-KR" altLang="en-US" smtClean="0"/>
-              <a:t>2026-01-22</a:t>
+              <a:t>2026-01-23</a:t>
             </a:fld>
             <a:endParaRPr lang="ko-KR" altLang="en-US"/>
           </a:p>
@@ -2388,7 +2389,7 @@
           <a:p>
             <a:fld id="{1F5B2CD7-1D02-4F95-AC7E-28E06A73A4DB}" type="datetimeFigureOut">
               <a:rPr lang="ko-KR" altLang="en-US" smtClean="0"/>
-              <a:t>2026-01-22</a:t>
+              <a:t>2026-01-23</a:t>
             </a:fld>
             <a:endParaRPr lang="ko-KR" altLang="en-US"/>
           </a:p>
@@ -2676,7 +2677,7 @@
           <a:p>
             <a:fld id="{1F5B2CD7-1D02-4F95-AC7E-28E06A73A4DB}" type="datetimeFigureOut">
               <a:rPr lang="ko-KR" altLang="en-US" smtClean="0"/>
-              <a:t>2026-01-22</a:t>
+              <a:t>2026-01-23</a:t>
             </a:fld>
             <a:endParaRPr lang="ko-KR" altLang="en-US"/>
           </a:p>
@@ -2917,7 +2918,7 @@
           <a:p>
             <a:fld id="{1F5B2CD7-1D02-4F95-AC7E-28E06A73A4DB}" type="datetimeFigureOut">
               <a:rPr lang="ko-KR" altLang="en-US" smtClean="0"/>
-              <a:t>2026-01-22</a:t>
+              <a:t>2026-01-23</a:t>
             </a:fld>
             <a:endParaRPr lang="ko-KR" altLang="en-US"/>
           </a:p>
@@ -3413,6 +3414,64 @@
     <p:extLst>
       <p:ext uri="{BB962C8B-B14F-4D97-AF65-F5344CB8AC3E}">
         <p14:creationId xmlns:p14="http://schemas.microsoft.com/office/powerpoint/2010/main" val="2238458586"/>
+      </p:ext>
+    </p:extLst>
+  </p:cSld>
+  <p:clrMapOvr>
+    <a:masterClrMapping/>
+  </p:clrMapOvr>
+</p:sld>
+</file>
+
+<file path=ppt/slides/slide10.xml><?xml version="1.0" encoding="utf-8"?>
+<p:sld xmlns:a="http://schemas.openxmlformats.org/drawingml/2006/main" xmlns:r="http://schemas.openxmlformats.org/officeDocument/2006/relationships" xmlns:p="http://schemas.openxmlformats.org/presentationml/2006/main">
+  <p:cSld>
+    <p:spTree>
+      <p:nvGrpSpPr>
+        <p:cNvPr id="1" name=""/>
+        <p:cNvGrpSpPr/>
+        <p:nvPr/>
+      </p:nvGrpSpPr>
+      <p:grpSpPr>
+        <a:xfrm>
+          <a:off x="0" y="0"/>
+          <a:ext cx="0" cy="0"/>
+          <a:chOff x="0" y="0"/>
+          <a:chExt cx="0" cy="0"/>
+        </a:xfrm>
+      </p:grpSpPr>
+      <p:sp>
+        <p:nvSpPr>
+          <p:cNvPr id="2" name="제목 1">
+            <a:extLst>
+              <a:ext uri="{FF2B5EF4-FFF2-40B4-BE49-F238E27FC236}">
+                <a16:creationId xmlns:a16="http://schemas.microsoft.com/office/drawing/2014/main" id="{20A21767-0C3F-6334-08AD-AB3D9DCB94E0}"/>
+              </a:ext>
+            </a:extLst>
+          </p:cNvPr>
+          <p:cNvSpPr>
+            <a:spLocks noGrp="1"/>
+          </p:cNvSpPr>
+          <p:nvPr>
+            <p:ph type="title"/>
+          </p:nvPr>
+        </p:nvSpPr>
+        <p:spPr/>
+        <p:txBody>
+          <a:bodyPr/>
+          <a:lstStyle/>
+          <a:p>
+            <a:r>
+              <a:rPr lang="ko-KR" altLang="en-US"/>
+              <a:t>아이템</a:t>
+            </a:r>
+          </a:p>
+        </p:txBody>
+      </p:sp>
+    </p:spTree>
+    <p:extLst>
+      <p:ext uri="{BB962C8B-B14F-4D97-AF65-F5344CB8AC3E}">
+        <p14:creationId xmlns:p14="http://schemas.microsoft.com/office/powerpoint/2010/main" val="3447515438"/>
       </p:ext>
     </p:extLst>
   </p:cSld>
